--- a/doc/股票分析预测系统.pptx
+++ b/doc/股票分析预测系统.pptx
@@ -8,6 +8,12 @@
     <p:sldId id="256" r:id="rId2"/>
     <p:sldId id="257" r:id="rId3"/>
     <p:sldId id="258" r:id="rId4"/>
+    <p:sldId id="259" r:id="rId5"/>
+    <p:sldId id="260" r:id="rId6"/>
+    <p:sldId id="261" r:id="rId7"/>
+    <p:sldId id="262" r:id="rId8"/>
+    <p:sldId id="263" r:id="rId9"/>
+    <p:sldId id="264" r:id="rId10"/>
   </p:sldIdLst>
   <p:sldSz cx="12192000" cy="6858000"/>
   <p:notesSz cx="6858000" cy="9144000"/>
@@ -106,6 +112,11 @@
       </a:defRPr>
     </a:lvl9pPr>
   </p:defaultTextStyle>
+  <p:extLst>
+    <p:ext uri="{EFAFB233-063F-42B5-8137-9DF3F51BA10A}">
+      <p15:sldGuideLst xmlns:p15="http://schemas.microsoft.com/office/powerpoint/2012/main"/>
+    </p:ext>
+  </p:extLst>
 </p:presentation>
 </file>
 
@@ -3397,7 +3408,14 @@
                 <a:latin typeface="黑体" panose="02010609060101010101" pitchFamily="49" charset="-122"/>
                 <a:ea typeface="黑体" panose="02010609060101010101" pitchFamily="49" charset="-122"/>
               </a:rPr>
-              <a:t>分析是否能用计算机</a:t>
+              <a:t>分析是否能用计算</a:t>
+            </a:r>
+            <a:r>
+              <a:rPr lang="zh-CN" altLang="en-US" dirty="0" smtClean="0">
+                <a:latin typeface="黑体" panose="02010609060101010101" pitchFamily="49" charset="-122"/>
+                <a:ea typeface="黑体" panose="02010609060101010101" pitchFamily="49" charset="-122"/>
+              </a:rPr>
+              <a:t>机</a:t>
             </a:r>
             <a:r>
               <a:rPr lang="zh-CN" altLang="en-US" sz="3200" dirty="0" smtClean="0">
@@ -3407,14 +3425,7 @@
                 <a:latin typeface="黑体" panose="02010609060101010101" pitchFamily="49" charset="-122"/>
                 <a:ea typeface="黑体" panose="02010609060101010101" pitchFamily="49" charset="-122"/>
               </a:rPr>
-              <a:t>解决</a:t>
-            </a:r>
-            <a:r>
-              <a:rPr lang="zh-CN" altLang="en-US" dirty="0" smtClean="0">
-                <a:latin typeface="黑体" panose="02010609060101010101" pitchFamily="49" charset="-122"/>
-                <a:ea typeface="黑体" panose="02010609060101010101" pitchFamily="49" charset="-122"/>
-              </a:rPr>
-              <a:t>或</a:t>
+              <a:t>分析</a:t>
             </a:r>
             <a:r>
               <a:rPr lang="zh-CN" altLang="en-US" sz="3200" dirty="0" smtClean="0">
@@ -3424,7 +3435,44 @@
                 <a:latin typeface="黑体" panose="02010609060101010101" pitchFamily="49" charset="-122"/>
                 <a:ea typeface="黑体" panose="02010609060101010101" pitchFamily="49" charset="-122"/>
               </a:rPr>
-              <a:t>提示</a:t>
+              <a:t>预</a:t>
+            </a:r>
+            <a:r>
+              <a:rPr lang="zh-CN" altLang="en-US" sz="3200" dirty="0">
+                <a:solidFill>
+                  <a:srgbClr val="FF0000"/>
+                </a:solidFill>
+                <a:latin typeface="黑体" panose="02010609060101010101" pitchFamily="49" charset="-122"/>
+                <a:ea typeface="黑体" panose="02010609060101010101" pitchFamily="49" charset="-122"/>
+              </a:rPr>
+              <a:t>测</a:t>
+            </a:r>
+            <a:r>
+              <a:rPr lang="zh-CN" altLang="en-US" dirty="0" smtClean="0">
+                <a:latin typeface="黑体" panose="02010609060101010101" pitchFamily="49" charset="-122"/>
+                <a:ea typeface="黑体" panose="02010609060101010101" pitchFamily="49" charset="-122"/>
+              </a:rPr>
+              <a:t>或给出</a:t>
+            </a:r>
+            <a:r>
+              <a:rPr lang="zh-CN" altLang="en-US" sz="3200" dirty="0" smtClean="0">
+                <a:solidFill>
+                  <a:srgbClr val="FF0000"/>
+                </a:solidFill>
+                <a:latin typeface="黑体" panose="02010609060101010101" pitchFamily="49" charset="-122"/>
+                <a:ea typeface="黑体" panose="02010609060101010101" pitchFamily="49" charset="-122"/>
+              </a:rPr>
+              <a:t>提</a:t>
+            </a:r>
+            <a:r>
+              <a:rPr lang="zh-CN" altLang="en-US" sz="3200" dirty="0" smtClean="0">
+                <a:solidFill>
+                  <a:srgbClr val="FF0000"/>
+                </a:solidFill>
+                <a:latin typeface="黑体" panose="02010609060101010101" pitchFamily="49" charset="-122"/>
+                <a:ea typeface="黑体" panose="02010609060101010101" pitchFamily="49" charset="-122"/>
+              </a:rPr>
+              <a:t>示</a:t>
             </a:r>
             <a:r>
               <a:rPr lang="zh-CN" altLang="en-US" dirty="0" smtClean="0">
@@ -3490,6 +3538,8 @@
                 <a:solidFill>
                   <a:srgbClr val="FF0000"/>
                 </a:solidFill>
+                <a:latin typeface="黑体" panose="02010609060101010101" pitchFamily="49" charset="-122"/>
+                <a:ea typeface="黑体" panose="02010609060101010101" pitchFamily="49" charset="-122"/>
               </a:rPr>
               <a:t>四大核心模块</a:t>
             </a:r>
@@ -3497,6 +3547,8 @@
               <a:solidFill>
                 <a:srgbClr val="FF0000"/>
               </a:solidFill>
+              <a:latin typeface="黑体" panose="02010609060101010101" pitchFamily="49" charset="-122"/>
+              <a:ea typeface="黑体" panose="02010609060101010101" pitchFamily="49" charset="-122"/>
             </a:endParaRPr>
           </a:p>
         </p:txBody>
@@ -3517,32 +3569,63 @@
           <a:lstStyle/>
           <a:p>
             <a:r>
-              <a:rPr lang="zh-CN" altLang="en-US" dirty="0" smtClean="0"/>
+              <a:rPr lang="zh-CN" altLang="en-US" dirty="0" smtClean="0">
+                <a:latin typeface="黑体" panose="02010609060101010101" pitchFamily="49" charset="-122"/>
+                <a:ea typeface="黑体" panose="02010609060101010101" pitchFamily="49" charset="-122"/>
+              </a:rPr>
               <a:t>爬虫模块（爬取真实股票数据）</a:t>
             </a:r>
-            <a:endParaRPr lang="en-US" altLang="zh-CN" dirty="0" smtClean="0"/>
-          </a:p>
-          <a:p>
-            <a:r>
-              <a:rPr lang="zh-CN" altLang="en-US" dirty="0" smtClean="0"/>
+            <a:endParaRPr lang="en-US" altLang="zh-CN" dirty="0" smtClean="0">
+              <a:latin typeface="黑体" panose="02010609060101010101" pitchFamily="49" charset="-122"/>
+              <a:ea typeface="黑体" panose="02010609060101010101" pitchFamily="49" charset="-122"/>
+            </a:endParaRPr>
+          </a:p>
+          <a:p>
+            <a:r>
+              <a:rPr lang="zh-CN" altLang="en-US" dirty="0" smtClean="0">
+                <a:latin typeface="黑体" panose="02010609060101010101" pitchFamily="49" charset="-122"/>
+                <a:ea typeface="黑体" panose="02010609060101010101" pitchFamily="49" charset="-122"/>
+              </a:rPr>
               <a:t>数据处理模块（数据转化与筛选）</a:t>
             </a:r>
-            <a:endParaRPr lang="en-US" altLang="zh-CN" dirty="0" smtClean="0"/>
-          </a:p>
-          <a:p>
-            <a:r>
-              <a:rPr lang="zh-CN" altLang="en-US" dirty="0"/>
+            <a:endParaRPr lang="en-US" altLang="zh-CN" dirty="0" smtClean="0">
+              <a:latin typeface="黑体" panose="02010609060101010101" pitchFamily="49" charset="-122"/>
+              <a:ea typeface="黑体" panose="02010609060101010101" pitchFamily="49" charset="-122"/>
+            </a:endParaRPr>
+          </a:p>
+          <a:p>
+            <a:r>
+              <a:rPr lang="zh-CN" altLang="en-US" dirty="0">
+                <a:latin typeface="黑体" panose="02010609060101010101" pitchFamily="49" charset="-122"/>
+                <a:ea typeface="黑体" panose="02010609060101010101" pitchFamily="49" charset="-122"/>
+              </a:rPr>
               <a:t>计算</a:t>
             </a:r>
             <a:r>
-              <a:rPr lang="zh-CN" altLang="en-US" dirty="0" smtClean="0"/>
-              <a:t>模块（）</a:t>
-            </a:r>
-            <a:endParaRPr lang="en-US" altLang="zh-CN" dirty="0" smtClean="0"/>
-          </a:p>
-          <a:p>
-            <a:r>
-              <a:rPr lang="zh-CN" altLang="en-US" dirty="0"/>
+              <a:rPr lang="zh-CN" altLang="en-US" dirty="0" smtClean="0">
+                <a:latin typeface="黑体" panose="02010609060101010101" pitchFamily="49" charset="-122"/>
+                <a:ea typeface="黑体" panose="02010609060101010101" pitchFamily="49" charset="-122"/>
+              </a:rPr>
+              <a:t>模块</a:t>
+            </a:r>
+            <a:r>
+              <a:rPr lang="zh-CN" altLang="en-US" dirty="0" smtClean="0">
+                <a:latin typeface="黑体" panose="02010609060101010101" pitchFamily="49" charset="-122"/>
+                <a:ea typeface="黑体" panose="02010609060101010101" pitchFamily="49" charset="-122"/>
+              </a:rPr>
+              <a:t>（对于预测数据进行计算，得出预测模型）</a:t>
+            </a:r>
+            <a:endParaRPr lang="en-US" altLang="zh-CN" dirty="0" smtClean="0">
+              <a:latin typeface="黑体" panose="02010609060101010101" pitchFamily="49" charset="-122"/>
+              <a:ea typeface="黑体" panose="02010609060101010101" pitchFamily="49" charset="-122"/>
+            </a:endParaRPr>
+          </a:p>
+          <a:p>
+            <a:r>
+              <a:rPr lang="zh-CN" altLang="en-US" dirty="0">
+                <a:latin typeface="黑体" panose="02010609060101010101" pitchFamily="49" charset="-122"/>
+                <a:ea typeface="黑体" panose="02010609060101010101" pitchFamily="49" charset="-122"/>
+              </a:rPr>
               <a:t>预测模块</a:t>
             </a:r>
           </a:p>
@@ -3552,6 +3635,2043 @@
     <p:extLst>
       <p:ext uri="{BB962C8B-B14F-4D97-AF65-F5344CB8AC3E}">
         <p14:creationId xmlns:p14="http://schemas.microsoft.com/office/powerpoint/2010/main" val="3677180430"/>
+      </p:ext>
+    </p:extLst>
+  </p:cSld>
+  <p:clrMapOvr>
+    <a:masterClrMapping/>
+  </p:clrMapOvr>
+</p:sld>
+</file>
+
+<file path=ppt/slides/slide4.xml><?xml version="1.0" encoding="utf-8"?>
+<p:sld xmlns:a="http://schemas.openxmlformats.org/drawingml/2006/main" xmlns:r="http://schemas.openxmlformats.org/officeDocument/2006/relationships" xmlns:p="http://schemas.openxmlformats.org/presentationml/2006/main">
+  <p:cSld>
+    <p:spTree>
+      <p:nvGrpSpPr>
+        <p:cNvPr id="1" name=""/>
+        <p:cNvGrpSpPr/>
+        <p:nvPr/>
+      </p:nvGrpSpPr>
+      <p:grpSpPr>
+        <a:xfrm>
+          <a:off x="0" y="0"/>
+          <a:ext cx="0" cy="0"/>
+          <a:chOff x="0" y="0"/>
+          <a:chExt cx="0" cy="0"/>
+        </a:xfrm>
+      </p:grpSpPr>
+      <p:sp>
+        <p:nvSpPr>
+          <p:cNvPr id="2" name="标题 1"/>
+          <p:cNvSpPr>
+            <a:spLocks noGrp="1"/>
+          </p:cNvSpPr>
+          <p:nvPr>
+            <p:ph type="title"/>
+          </p:nvPr>
+        </p:nvSpPr>
+        <p:spPr/>
+        <p:txBody>
+          <a:bodyPr/>
+          <a:lstStyle/>
+          <a:p>
+            <a:r>
+              <a:rPr lang="zh-CN" altLang="en-US" dirty="0" smtClean="0">
+                <a:solidFill>
+                  <a:srgbClr val="FF0000"/>
+                </a:solidFill>
+                <a:latin typeface="黑体" panose="02010609060101010101" pitchFamily="49" charset="-122"/>
+                <a:ea typeface="黑体" panose="02010609060101010101" pitchFamily="49" charset="-122"/>
+              </a:rPr>
+              <a:t>所用技术框架与其他</a:t>
+            </a:r>
+            <a:endParaRPr lang="zh-CN" altLang="en-US" dirty="0">
+              <a:solidFill>
+                <a:srgbClr val="FF0000"/>
+              </a:solidFill>
+              <a:latin typeface="黑体" panose="02010609060101010101" pitchFamily="49" charset="-122"/>
+              <a:ea typeface="黑体" panose="02010609060101010101" pitchFamily="49" charset="-122"/>
+            </a:endParaRPr>
+          </a:p>
+        </p:txBody>
+      </p:sp>
+      <p:sp>
+        <p:nvSpPr>
+          <p:cNvPr id="3" name="内容占位符 2"/>
+          <p:cNvSpPr>
+            <a:spLocks noGrp="1"/>
+          </p:cNvSpPr>
+          <p:nvPr>
+            <p:ph idx="1"/>
+          </p:nvPr>
+        </p:nvSpPr>
+        <p:spPr/>
+        <p:txBody>
+          <a:bodyPr/>
+          <a:lstStyle/>
+          <a:p>
+            <a:r>
+              <a:rPr lang="en-US" altLang="zh-CN" dirty="0" err="1" smtClean="0">
+                <a:latin typeface="黑体" panose="02010609060101010101" pitchFamily="49" charset="-122"/>
+                <a:ea typeface="黑体" panose="02010609060101010101" pitchFamily="49" charset="-122"/>
+              </a:rPr>
+              <a:t>SpringBoot</a:t>
+            </a:r>
+            <a:r>
+              <a:rPr lang="en-US" altLang="zh-CN" dirty="0" smtClean="0">
+                <a:latin typeface="黑体" panose="02010609060101010101" pitchFamily="49" charset="-122"/>
+                <a:ea typeface="黑体" panose="02010609060101010101" pitchFamily="49" charset="-122"/>
+              </a:rPr>
+              <a:t> 2.0.1+</a:t>
+            </a:r>
+          </a:p>
+          <a:p>
+            <a:r>
+              <a:rPr lang="en-US" altLang="zh-CN" dirty="0" smtClean="0">
+                <a:latin typeface="黑体" panose="02010609060101010101" pitchFamily="49" charset="-122"/>
+                <a:ea typeface="黑体" panose="02010609060101010101" pitchFamily="49" charset="-122"/>
+              </a:rPr>
+              <a:t>Spring Data </a:t>
+            </a:r>
+            <a:r>
+              <a:rPr lang="en-US" altLang="zh-CN" dirty="0" err="1" smtClean="0">
+                <a:latin typeface="黑体" panose="02010609060101010101" pitchFamily="49" charset="-122"/>
+                <a:ea typeface="黑体" panose="02010609060101010101" pitchFamily="49" charset="-122"/>
+              </a:rPr>
+              <a:t>JPA</a:t>
+            </a:r>
+            <a:r>
+              <a:rPr lang="zh-CN" altLang="en-US" dirty="0" smtClean="0">
+                <a:latin typeface="黑体" panose="02010609060101010101" pitchFamily="49" charset="-122"/>
+                <a:ea typeface="黑体" panose="02010609060101010101" pitchFamily="49" charset="-122"/>
+              </a:rPr>
+              <a:t>（数据库）</a:t>
+            </a:r>
+            <a:endParaRPr lang="en-US" altLang="zh-CN" dirty="0">
+              <a:latin typeface="黑体" panose="02010609060101010101" pitchFamily="49" charset="-122"/>
+              <a:ea typeface="黑体" panose="02010609060101010101" pitchFamily="49" charset="-122"/>
+            </a:endParaRPr>
+          </a:p>
+          <a:p>
+            <a:r>
+              <a:rPr lang="en-US" altLang="zh-CN" dirty="0" err="1" smtClean="0">
+                <a:latin typeface="黑体" panose="02010609060101010101" pitchFamily="49" charset="-122"/>
+                <a:ea typeface="黑体" panose="02010609060101010101" pitchFamily="49" charset="-122"/>
+              </a:rPr>
+              <a:t>SpringBoot</a:t>
+            </a:r>
+            <a:r>
+              <a:rPr lang="en-US" altLang="zh-CN" dirty="0" smtClean="0">
+                <a:latin typeface="黑体" panose="02010609060101010101" pitchFamily="49" charset="-122"/>
+                <a:ea typeface="黑体" panose="02010609060101010101" pitchFamily="49" charset="-122"/>
+              </a:rPr>
+              <a:t> actuator</a:t>
+            </a:r>
+            <a:r>
+              <a:rPr lang="zh-CN" altLang="en-US" dirty="0" smtClean="0">
+                <a:latin typeface="黑体" panose="02010609060101010101" pitchFamily="49" charset="-122"/>
+                <a:ea typeface="黑体" panose="02010609060101010101" pitchFamily="49" charset="-122"/>
+              </a:rPr>
+              <a:t>（健康检查，</a:t>
+            </a:r>
+            <a:r>
+              <a:rPr lang="en-US" altLang="zh-CN" dirty="0" smtClean="0">
+                <a:latin typeface="黑体" panose="02010609060101010101" pitchFamily="49" charset="-122"/>
+                <a:ea typeface="黑体" panose="02010609060101010101" pitchFamily="49" charset="-122"/>
+              </a:rPr>
+              <a:t>http</a:t>
+            </a:r>
+            <a:r>
+              <a:rPr lang="zh-CN" altLang="en-US" dirty="0">
+                <a:latin typeface="黑体" panose="02010609060101010101" pitchFamily="49" charset="-122"/>
+                <a:ea typeface="黑体" panose="02010609060101010101" pitchFamily="49" charset="-122"/>
+              </a:rPr>
+              <a:t>方式</a:t>
+            </a:r>
+            <a:r>
+              <a:rPr lang="zh-CN" altLang="en-US" dirty="0" smtClean="0">
+                <a:latin typeface="黑体" panose="02010609060101010101" pitchFamily="49" charset="-122"/>
+                <a:ea typeface="黑体" panose="02010609060101010101" pitchFamily="49" charset="-122"/>
+              </a:rPr>
+              <a:t>）</a:t>
+            </a:r>
+            <a:endParaRPr lang="en-US" altLang="zh-CN" dirty="0" smtClean="0">
+              <a:latin typeface="黑体" panose="02010609060101010101" pitchFamily="49" charset="-122"/>
+              <a:ea typeface="黑体" panose="02010609060101010101" pitchFamily="49" charset="-122"/>
+            </a:endParaRPr>
+          </a:p>
+          <a:p>
+            <a:r>
+              <a:rPr lang="en-US" altLang="zh-CN" dirty="0" smtClean="0">
+                <a:latin typeface="黑体" panose="02010609060101010101" pitchFamily="49" charset="-122"/>
+                <a:ea typeface="黑体" panose="02010609060101010101" pitchFamily="49" charset="-122"/>
+              </a:rPr>
+              <a:t>MySQL 8.0.1+</a:t>
+            </a:r>
+          </a:p>
+          <a:p>
+            <a:r>
+              <a:rPr lang="en-US" altLang="zh-CN" dirty="0" err="1" smtClean="0">
+                <a:latin typeface="黑体" panose="02010609060101010101" pitchFamily="49" charset="-122"/>
+                <a:ea typeface="黑体" panose="02010609060101010101" pitchFamily="49" charset="-122"/>
+              </a:rPr>
+              <a:t>MongoDB</a:t>
+            </a:r>
+            <a:r>
+              <a:rPr lang="en-US" altLang="zh-CN" dirty="0" smtClean="0">
+                <a:latin typeface="黑体" panose="02010609060101010101" pitchFamily="49" charset="-122"/>
+                <a:ea typeface="黑体" panose="02010609060101010101" pitchFamily="49" charset="-122"/>
+              </a:rPr>
+              <a:t> 3.5+</a:t>
+            </a:r>
+          </a:p>
+          <a:p>
+            <a:r>
+              <a:rPr lang="en-US" altLang="zh-CN" dirty="0" err="1" smtClean="0">
+                <a:latin typeface="黑体" panose="02010609060101010101" pitchFamily="49" charset="-122"/>
+                <a:ea typeface="黑体" panose="02010609060101010101" pitchFamily="49" charset="-122"/>
+              </a:rPr>
+              <a:t>JfreeChart</a:t>
+            </a:r>
+            <a:r>
+              <a:rPr lang="zh-CN" altLang="en-US" dirty="0" smtClean="0">
+                <a:latin typeface="黑体" panose="02010609060101010101" pitchFamily="49" charset="-122"/>
+                <a:ea typeface="黑体" panose="02010609060101010101" pitchFamily="49" charset="-122"/>
+              </a:rPr>
+              <a:t>（图表绘制）</a:t>
+            </a:r>
+            <a:endParaRPr lang="en-US" altLang="zh-CN" dirty="0" smtClean="0">
+              <a:latin typeface="黑体" panose="02010609060101010101" pitchFamily="49" charset="-122"/>
+              <a:ea typeface="黑体" panose="02010609060101010101" pitchFamily="49" charset="-122"/>
+            </a:endParaRPr>
+          </a:p>
+          <a:p>
+            <a:r>
+              <a:rPr lang="zh-CN" altLang="en-US" dirty="0" smtClean="0">
+                <a:latin typeface="黑体" panose="02010609060101010101" pitchFamily="49" charset="-122"/>
+                <a:ea typeface="黑体" panose="02010609060101010101" pitchFamily="49" charset="-122"/>
+              </a:rPr>
+              <a:t>因考</a:t>
+            </a:r>
+            <a:r>
+              <a:rPr lang="zh-CN" altLang="en-US" dirty="0">
+                <a:latin typeface="黑体" panose="02010609060101010101" pitchFamily="49" charset="-122"/>
+                <a:ea typeface="黑体" panose="02010609060101010101" pitchFamily="49" charset="-122"/>
+              </a:rPr>
+              <a:t>虑</a:t>
+            </a:r>
+            <a:r>
+              <a:rPr lang="zh-CN" altLang="en-US" dirty="0" smtClean="0">
+                <a:latin typeface="黑体" panose="02010609060101010101" pitchFamily="49" charset="-122"/>
+                <a:ea typeface="黑体" panose="02010609060101010101" pitchFamily="49" charset="-122"/>
+              </a:rPr>
+              <a:t>到项目规模，未使用微服务架构</a:t>
+            </a:r>
+            <a:endParaRPr lang="en-US" altLang="zh-CN" dirty="0" smtClean="0">
+              <a:latin typeface="黑体" panose="02010609060101010101" pitchFamily="49" charset="-122"/>
+              <a:ea typeface="黑体" panose="02010609060101010101" pitchFamily="49" charset="-122"/>
+            </a:endParaRPr>
+          </a:p>
+        </p:txBody>
+      </p:sp>
+    </p:spTree>
+    <p:extLst>
+      <p:ext uri="{BB962C8B-B14F-4D97-AF65-F5344CB8AC3E}">
+        <p14:creationId xmlns:p14="http://schemas.microsoft.com/office/powerpoint/2010/main" val="3993105669"/>
+      </p:ext>
+    </p:extLst>
+  </p:cSld>
+  <p:clrMapOvr>
+    <a:masterClrMapping/>
+  </p:clrMapOvr>
+</p:sld>
+</file>
+
+<file path=ppt/slides/slide5.xml><?xml version="1.0" encoding="utf-8"?>
+<p:sld xmlns:a="http://schemas.openxmlformats.org/drawingml/2006/main" xmlns:r="http://schemas.openxmlformats.org/officeDocument/2006/relationships" xmlns:p="http://schemas.openxmlformats.org/presentationml/2006/main">
+  <p:cSld>
+    <p:spTree>
+      <p:nvGrpSpPr>
+        <p:cNvPr id="1" name=""/>
+        <p:cNvGrpSpPr/>
+        <p:nvPr/>
+      </p:nvGrpSpPr>
+      <p:grpSpPr>
+        <a:xfrm>
+          <a:off x="0" y="0"/>
+          <a:ext cx="0" cy="0"/>
+          <a:chOff x="0" y="0"/>
+          <a:chExt cx="0" cy="0"/>
+        </a:xfrm>
+      </p:grpSpPr>
+      <p:sp>
+        <p:nvSpPr>
+          <p:cNvPr id="2" name="标题 1"/>
+          <p:cNvSpPr>
+            <a:spLocks noGrp="1"/>
+          </p:cNvSpPr>
+          <p:nvPr>
+            <p:ph type="title"/>
+          </p:nvPr>
+        </p:nvSpPr>
+        <p:spPr/>
+        <p:txBody>
+          <a:bodyPr/>
+          <a:lstStyle/>
+          <a:p>
+            <a:r>
+              <a:rPr lang="zh-CN" altLang="en-US" dirty="0" smtClean="0">
+                <a:solidFill>
+                  <a:srgbClr val="FF0000"/>
+                </a:solidFill>
+                <a:latin typeface="黑体" panose="02010609060101010101" pitchFamily="49" charset="-122"/>
+                <a:ea typeface="黑体" panose="02010609060101010101" pitchFamily="49" charset="-122"/>
+              </a:rPr>
+              <a:t>核心问题</a:t>
+            </a:r>
+            <a:endParaRPr lang="zh-CN" altLang="en-US" dirty="0">
+              <a:solidFill>
+                <a:srgbClr val="FF0000"/>
+              </a:solidFill>
+              <a:latin typeface="黑体" panose="02010609060101010101" pitchFamily="49" charset="-122"/>
+              <a:ea typeface="黑体" panose="02010609060101010101" pitchFamily="49" charset="-122"/>
+            </a:endParaRPr>
+          </a:p>
+        </p:txBody>
+      </p:sp>
+      <p:sp>
+        <p:nvSpPr>
+          <p:cNvPr id="3" name="内容占位符 2"/>
+          <p:cNvSpPr>
+            <a:spLocks noGrp="1"/>
+          </p:cNvSpPr>
+          <p:nvPr>
+            <p:ph idx="1"/>
+          </p:nvPr>
+        </p:nvSpPr>
+        <p:spPr/>
+        <p:txBody>
+          <a:bodyPr/>
+          <a:lstStyle/>
+          <a:p>
+            <a:r>
+              <a:rPr lang="zh-CN" altLang="en-US" dirty="0" smtClean="0">
+                <a:latin typeface="黑体" panose="02010609060101010101" pitchFamily="49" charset="-122"/>
+                <a:ea typeface="黑体" panose="02010609060101010101" pitchFamily="49" charset="-122"/>
+              </a:rPr>
+              <a:t>前提条件：大量的判断纬度，股票走势</a:t>
+            </a:r>
+            <a:endParaRPr lang="en-US" altLang="zh-CN" dirty="0" smtClean="0">
+              <a:latin typeface="黑体" panose="02010609060101010101" pitchFamily="49" charset="-122"/>
+              <a:ea typeface="黑体" panose="02010609060101010101" pitchFamily="49" charset="-122"/>
+            </a:endParaRPr>
+          </a:p>
+          <a:p>
+            <a:r>
+              <a:rPr lang="zh-CN" altLang="en-US" dirty="0">
+                <a:latin typeface="黑体" panose="02010609060101010101" pitchFamily="49" charset="-122"/>
+                <a:ea typeface="黑体" panose="02010609060101010101" pitchFamily="49" charset="-122"/>
+              </a:rPr>
+              <a:t>问题转</a:t>
+            </a:r>
+            <a:r>
+              <a:rPr lang="zh-CN" altLang="en-US" dirty="0" smtClean="0">
+                <a:latin typeface="黑体" panose="02010609060101010101" pitchFamily="49" charset="-122"/>
+                <a:ea typeface="黑体" panose="02010609060101010101" pitchFamily="49" charset="-122"/>
+              </a:rPr>
+              <a:t>化：</a:t>
+            </a:r>
+            <a:r>
+              <a:rPr lang="zh-CN" altLang="en-US" dirty="0" smtClean="0">
+                <a:solidFill>
+                  <a:srgbClr val="FF0000"/>
+                </a:solidFill>
+                <a:latin typeface="黑体" panose="02010609060101010101" pitchFamily="49" charset="-122"/>
+                <a:ea typeface="黑体" panose="02010609060101010101" pitchFamily="49" charset="-122"/>
+              </a:rPr>
+              <a:t>基于一堆数据的猜测 </a:t>
+            </a:r>
+            <a:r>
+              <a:rPr lang="en-US" altLang="zh-CN" dirty="0" smtClean="0">
+                <a:solidFill>
+                  <a:srgbClr val="FF0000"/>
+                </a:solidFill>
+                <a:latin typeface="黑体" panose="02010609060101010101" pitchFamily="49" charset="-122"/>
+                <a:ea typeface="黑体" panose="02010609060101010101" pitchFamily="49" charset="-122"/>
+                <a:sym typeface="Wingdings" panose="05000000000000000000" pitchFamily="2" charset="2"/>
+              </a:rPr>
+              <a:t>  </a:t>
+            </a:r>
+            <a:r>
+              <a:rPr lang="zh-CN" altLang="en-US" dirty="0" smtClean="0">
+                <a:solidFill>
+                  <a:srgbClr val="FF0000"/>
+                </a:solidFill>
+                <a:latin typeface="黑体" panose="02010609060101010101" pitchFamily="49" charset="-122"/>
+                <a:ea typeface="黑体" panose="02010609060101010101" pitchFamily="49" charset="-122"/>
+                <a:sym typeface="Wingdings" panose="05000000000000000000" pitchFamily="2" charset="2"/>
+              </a:rPr>
+              <a:t>公式与概率论的结合</a:t>
+            </a:r>
+            <a:endParaRPr lang="en-US" altLang="zh-CN" dirty="0" smtClean="0">
+              <a:solidFill>
+                <a:srgbClr val="FF0000"/>
+              </a:solidFill>
+              <a:latin typeface="黑体" panose="02010609060101010101" pitchFamily="49" charset="-122"/>
+              <a:ea typeface="黑体" panose="02010609060101010101" pitchFamily="49" charset="-122"/>
+              <a:sym typeface="Wingdings" panose="05000000000000000000" pitchFamily="2" charset="2"/>
+            </a:endParaRPr>
+          </a:p>
+          <a:p>
+            <a:r>
+              <a:rPr lang="zh-CN" altLang="en-US" dirty="0">
+                <a:latin typeface="黑体" panose="02010609060101010101" pitchFamily="49" charset="-122"/>
+                <a:ea typeface="黑体" panose="02010609060101010101" pitchFamily="49" charset="-122"/>
+                <a:sym typeface="Wingdings" panose="05000000000000000000" pitchFamily="2" charset="2"/>
+              </a:rPr>
+              <a:t>问题总</a:t>
+            </a:r>
+            <a:r>
+              <a:rPr lang="zh-CN" altLang="en-US" dirty="0" smtClean="0">
+                <a:latin typeface="黑体" panose="02010609060101010101" pitchFamily="49" charset="-122"/>
+                <a:ea typeface="黑体" panose="02010609060101010101" pitchFamily="49" charset="-122"/>
+                <a:sym typeface="Wingdings" panose="05000000000000000000" pitchFamily="2" charset="2"/>
+              </a:rPr>
+              <a:t>结：我们能否得出一个</a:t>
+            </a:r>
+            <a:r>
+              <a:rPr lang="zh-CN" altLang="en-US" dirty="0" smtClean="0">
+                <a:solidFill>
+                  <a:srgbClr val="FF0000"/>
+                </a:solidFill>
+                <a:latin typeface="黑体" panose="02010609060101010101" pitchFamily="49" charset="-122"/>
+                <a:ea typeface="黑体" panose="02010609060101010101" pitchFamily="49" charset="-122"/>
+                <a:sym typeface="Wingdings" panose="05000000000000000000" pitchFamily="2" charset="2"/>
+              </a:rPr>
+              <a:t>规则引擎或模型算法</a:t>
+            </a:r>
+            <a:r>
+              <a:rPr lang="zh-CN" altLang="en-US" dirty="0" smtClean="0">
+                <a:latin typeface="黑体" panose="02010609060101010101" pitchFamily="49" charset="-122"/>
+                <a:ea typeface="黑体" panose="02010609060101010101" pitchFamily="49" charset="-122"/>
+                <a:sym typeface="Wingdings" panose="05000000000000000000" pitchFamily="2" charset="2"/>
+              </a:rPr>
+              <a:t>，在不考虑人为因素的情况下，通过一个</a:t>
+            </a:r>
+            <a:r>
+              <a:rPr lang="zh-CN" altLang="en-US" dirty="0" smtClean="0">
+                <a:solidFill>
+                  <a:srgbClr val="FF0000"/>
+                </a:solidFill>
+                <a:latin typeface="黑体" panose="02010609060101010101" pitchFamily="49" charset="-122"/>
+                <a:ea typeface="黑体" panose="02010609060101010101" pitchFamily="49" charset="-122"/>
+                <a:sym typeface="Wingdings" panose="05000000000000000000" pitchFamily="2" charset="2"/>
+              </a:rPr>
+              <a:t>公式的结果</a:t>
+            </a:r>
+            <a:r>
+              <a:rPr lang="zh-CN" altLang="en-US" dirty="0" smtClean="0">
+                <a:latin typeface="黑体" panose="02010609060101010101" pitchFamily="49" charset="-122"/>
+                <a:ea typeface="黑体" panose="02010609060101010101" pitchFamily="49" charset="-122"/>
+                <a:sym typeface="Wingdings" panose="05000000000000000000" pitchFamily="2" charset="2"/>
+              </a:rPr>
+              <a:t>或者来解决这个问题</a:t>
+            </a:r>
+            <a:r>
+              <a:rPr lang="zh-CN" altLang="en-US" dirty="0">
+                <a:solidFill>
+                  <a:srgbClr val="FF0000"/>
+                </a:solidFill>
+                <a:latin typeface="黑体" panose="02010609060101010101" pitchFamily="49" charset="-122"/>
+                <a:ea typeface="黑体" panose="02010609060101010101" pitchFamily="49" charset="-122"/>
+                <a:sym typeface="Wingdings" panose="05000000000000000000" pitchFamily="2" charset="2"/>
+              </a:rPr>
+              <a:t>有趣的概率分布</a:t>
+            </a:r>
+            <a:endParaRPr lang="en-US" altLang="zh-CN" dirty="0" smtClean="0">
+              <a:latin typeface="黑体" panose="02010609060101010101" pitchFamily="49" charset="-122"/>
+              <a:ea typeface="黑体" panose="02010609060101010101" pitchFamily="49" charset="-122"/>
+            </a:endParaRPr>
+          </a:p>
+          <a:p>
+            <a:endParaRPr lang="en-US" altLang="zh-CN" dirty="0" smtClean="0">
+              <a:latin typeface="黑体" panose="02010609060101010101" pitchFamily="49" charset="-122"/>
+              <a:ea typeface="黑体" panose="02010609060101010101" pitchFamily="49" charset="-122"/>
+            </a:endParaRPr>
+          </a:p>
+        </p:txBody>
+      </p:sp>
+      <p:pic>
+        <p:nvPicPr>
+          <p:cNvPr id="5" name="图片 4"/>
+          <p:cNvPicPr/>
+          <p:nvPr/>
+        </p:nvPicPr>
+        <p:blipFill>
+          <a:blip r:embed="rId2"/>
+          <a:stretch>
+            <a:fillRect/>
+          </a:stretch>
+        </p:blipFill>
+        <p:spPr>
+          <a:xfrm>
+            <a:off x="1552591" y="4401347"/>
+            <a:ext cx="9086816" cy="1264986"/>
+          </a:xfrm>
+          <a:prstGeom prst="rect">
+            <a:avLst/>
+          </a:prstGeom>
+        </p:spPr>
+      </p:pic>
+      <p:sp>
+        <p:nvSpPr>
+          <p:cNvPr id="6" name="文本框 5"/>
+          <p:cNvSpPr txBox="1"/>
+          <p:nvPr/>
+        </p:nvSpPr>
+        <p:spPr>
+          <a:xfrm>
+            <a:off x="4241442" y="5481667"/>
+            <a:ext cx="3709115" cy="369332"/>
+          </a:xfrm>
+          <a:prstGeom prst="rect">
+            <a:avLst/>
+          </a:prstGeom>
+          <a:noFill/>
+        </p:spPr>
+        <p:txBody>
+          <a:bodyPr wrap="square" rtlCol="0">
+            <a:spAutoFit/>
+          </a:bodyPr>
+          <a:lstStyle/>
+          <a:p>
+            <a:r>
+              <a:rPr lang="zh-CN" altLang="en-US" dirty="0" smtClean="0"/>
+              <a:t>模型与公式的基本公式思路</a:t>
+            </a:r>
+            <a:endParaRPr lang="zh-CN" altLang="en-US" dirty="0"/>
+          </a:p>
+        </p:txBody>
+      </p:sp>
+    </p:spTree>
+    <p:extLst>
+      <p:ext uri="{BB962C8B-B14F-4D97-AF65-F5344CB8AC3E}">
+        <p14:creationId xmlns:p14="http://schemas.microsoft.com/office/powerpoint/2010/main" val="3777426735"/>
+      </p:ext>
+    </p:extLst>
+  </p:cSld>
+  <p:clrMapOvr>
+    <a:masterClrMapping/>
+  </p:clrMapOvr>
+</p:sld>
+</file>
+
+<file path=ppt/slides/slide6.xml><?xml version="1.0" encoding="utf-8"?>
+<p:sld xmlns:a="http://schemas.openxmlformats.org/drawingml/2006/main" xmlns:r="http://schemas.openxmlformats.org/officeDocument/2006/relationships" xmlns:p="http://schemas.openxmlformats.org/presentationml/2006/main">
+  <p:cSld>
+    <p:spTree>
+      <p:nvGrpSpPr>
+        <p:cNvPr id="1" name=""/>
+        <p:cNvGrpSpPr/>
+        <p:nvPr/>
+      </p:nvGrpSpPr>
+      <p:grpSpPr>
+        <a:xfrm>
+          <a:off x="0" y="0"/>
+          <a:ext cx="0" cy="0"/>
+          <a:chOff x="0" y="0"/>
+          <a:chExt cx="0" cy="0"/>
+        </a:xfrm>
+      </p:grpSpPr>
+      <p:sp>
+        <p:nvSpPr>
+          <p:cNvPr id="2" name="标题 1"/>
+          <p:cNvSpPr>
+            <a:spLocks noGrp="1"/>
+          </p:cNvSpPr>
+          <p:nvPr>
+            <p:ph type="title"/>
+          </p:nvPr>
+        </p:nvSpPr>
+        <p:spPr/>
+        <p:txBody>
+          <a:bodyPr/>
+          <a:lstStyle/>
+          <a:p>
+            <a:r>
+              <a:rPr lang="zh-CN" altLang="en-US" dirty="0" smtClean="0">
+                <a:solidFill>
+                  <a:srgbClr val="FF0000"/>
+                </a:solidFill>
+                <a:latin typeface="黑体" panose="02010609060101010101" pitchFamily="49" charset="-122"/>
+                <a:ea typeface="黑体" panose="02010609060101010101" pitchFamily="49" charset="-122"/>
+              </a:rPr>
+              <a:t>核心理论与公式</a:t>
+            </a:r>
+            <a:endParaRPr lang="zh-CN" altLang="en-US" dirty="0">
+              <a:solidFill>
+                <a:srgbClr val="FF0000"/>
+              </a:solidFill>
+              <a:latin typeface="黑体" panose="02010609060101010101" pitchFamily="49" charset="-122"/>
+              <a:ea typeface="黑体" panose="02010609060101010101" pitchFamily="49" charset="-122"/>
+            </a:endParaRPr>
+          </a:p>
+        </p:txBody>
+      </p:sp>
+      <p:sp>
+        <p:nvSpPr>
+          <p:cNvPr id="3" name="内容占位符 2"/>
+          <p:cNvSpPr>
+            <a:spLocks noGrp="1"/>
+          </p:cNvSpPr>
+          <p:nvPr>
+            <p:ph idx="1"/>
+          </p:nvPr>
+        </p:nvSpPr>
+        <p:spPr>
+          <a:xfrm>
+            <a:off x="838200" y="1825625"/>
+            <a:ext cx="4302977" cy="4351338"/>
+          </a:xfrm>
+        </p:spPr>
+        <p:txBody>
+          <a:bodyPr>
+            <a:normAutofit/>
+          </a:bodyPr>
+          <a:lstStyle/>
+          <a:p>
+            <a:r>
+              <a:rPr lang="en-US" altLang="zh-CN" sz="3200" b="1" i="1" dirty="0">
+                <a:latin typeface="黑体" panose="02010609060101010101" pitchFamily="49" charset="-122"/>
+                <a:ea typeface="黑体" panose="02010609060101010101" pitchFamily="49" charset="-122"/>
+              </a:rPr>
+              <a:t>s</a:t>
+            </a:r>
+            <a:r>
+              <a:rPr lang="en-US" altLang="zh-CN" sz="3200" b="1" i="1" dirty="0" smtClean="0">
+                <a:latin typeface="黑体" panose="02010609060101010101" pitchFamily="49" charset="-122"/>
+                <a:ea typeface="黑体" panose="02010609060101010101" pitchFamily="49" charset="-122"/>
+              </a:rPr>
+              <a:t>igmoid</a:t>
+            </a:r>
+            <a:r>
+              <a:rPr lang="zh-CN" altLang="en-US" sz="3200" b="1" i="1" dirty="0" smtClean="0">
+                <a:latin typeface="黑体" panose="02010609060101010101" pitchFamily="49" charset="-122"/>
+                <a:ea typeface="黑体" panose="02010609060101010101" pitchFamily="49" charset="-122"/>
+              </a:rPr>
+              <a:t>函数</a:t>
+            </a:r>
+            <a:endParaRPr lang="en-US" altLang="zh-CN" b="1" i="1" dirty="0">
+              <a:latin typeface="黑体" panose="02010609060101010101" pitchFamily="49" charset="-122"/>
+              <a:ea typeface="黑体" panose="02010609060101010101" pitchFamily="49" charset="-122"/>
+            </a:endParaRPr>
+          </a:p>
+          <a:p>
+            <a:pPr marL="0" indent="0">
+              <a:buNone/>
+            </a:pPr>
+            <a:endParaRPr lang="en-US" altLang="zh-CN" sz="2400" dirty="0">
+              <a:latin typeface="黑体" panose="02010609060101010101" pitchFamily="49" charset="-122"/>
+              <a:ea typeface="黑体" panose="02010609060101010101" pitchFamily="49" charset="-122"/>
+            </a:endParaRPr>
+          </a:p>
+          <a:p>
+            <a:pPr marL="0" indent="0">
+              <a:buNone/>
+            </a:pPr>
+            <a:r>
+              <a:rPr lang="en-US" altLang="zh-CN" sz="2400" dirty="0">
+                <a:latin typeface="黑体" panose="02010609060101010101" pitchFamily="49" charset="-122"/>
+                <a:ea typeface="黑体" panose="02010609060101010101" pitchFamily="49" charset="-122"/>
+              </a:rPr>
+              <a:t> </a:t>
+            </a:r>
+            <a:r>
+              <a:rPr lang="en-US" altLang="zh-CN" sz="2400" dirty="0" smtClean="0">
+                <a:latin typeface="黑体" panose="02010609060101010101" pitchFamily="49" charset="-122"/>
+                <a:ea typeface="黑体" panose="02010609060101010101" pitchFamily="49" charset="-122"/>
+              </a:rPr>
+              <a:t>   </a:t>
+            </a:r>
+            <a:r>
+              <a:rPr lang="zh-CN" altLang="en-US" sz="2400" dirty="0" smtClean="0">
+                <a:latin typeface="黑体" panose="02010609060101010101" pitchFamily="49" charset="-122"/>
+                <a:ea typeface="黑体" panose="02010609060101010101" pitchFamily="49" charset="-122"/>
+              </a:rPr>
+              <a:t>这</a:t>
+            </a:r>
+            <a:r>
+              <a:rPr lang="zh-CN" altLang="en-US" sz="2400" dirty="0">
+                <a:latin typeface="黑体" panose="02010609060101010101" pitchFamily="49" charset="-122"/>
+                <a:ea typeface="黑体" panose="02010609060101010101" pitchFamily="49" charset="-122"/>
+              </a:rPr>
+              <a:t>个函</a:t>
+            </a:r>
+            <a:r>
+              <a:rPr lang="zh-CN" altLang="en-US" sz="2400" dirty="0" smtClean="0">
+                <a:latin typeface="黑体" panose="02010609060101010101" pitchFamily="49" charset="-122"/>
+                <a:ea typeface="黑体" panose="02010609060101010101" pitchFamily="49" charset="-122"/>
+              </a:rPr>
+              <a:t>数有一个很好的特性，那就是他的</a:t>
+            </a:r>
+            <a:r>
+              <a:rPr lang="zh-CN" altLang="en-US" sz="2400" dirty="0" smtClean="0">
+                <a:solidFill>
+                  <a:srgbClr val="FF0000"/>
+                </a:solidFill>
+                <a:latin typeface="黑体" panose="02010609060101010101" pitchFamily="49" charset="-122"/>
+                <a:ea typeface="黑体" panose="02010609060101010101" pitchFamily="49" charset="-122"/>
+              </a:rPr>
+              <a:t>所有的值都是保持在</a:t>
+            </a:r>
+            <a:r>
+              <a:rPr lang="en-US" altLang="zh-CN" sz="2400" dirty="0" smtClean="0">
+                <a:solidFill>
+                  <a:srgbClr val="FF0000"/>
+                </a:solidFill>
+                <a:latin typeface="黑体" panose="02010609060101010101" pitchFamily="49" charset="-122"/>
+                <a:ea typeface="黑体" panose="02010609060101010101" pitchFamily="49" charset="-122"/>
+              </a:rPr>
+              <a:t>1-0</a:t>
+            </a:r>
+            <a:r>
+              <a:rPr lang="zh-CN" altLang="en-US" sz="2400" dirty="0" smtClean="0">
+                <a:solidFill>
+                  <a:srgbClr val="FF0000"/>
+                </a:solidFill>
+                <a:latin typeface="黑体" panose="02010609060101010101" pitchFamily="49" charset="-122"/>
+                <a:ea typeface="黑体" panose="02010609060101010101" pitchFamily="49" charset="-122"/>
+              </a:rPr>
+              <a:t>之</a:t>
+            </a:r>
+            <a:r>
+              <a:rPr lang="zh-CN" altLang="en-US" sz="2400" dirty="0">
+                <a:solidFill>
+                  <a:srgbClr val="FF0000"/>
+                </a:solidFill>
+                <a:latin typeface="黑体" panose="02010609060101010101" pitchFamily="49" charset="-122"/>
+                <a:ea typeface="黑体" panose="02010609060101010101" pitchFamily="49" charset="-122"/>
+              </a:rPr>
+              <a:t>间</a:t>
+            </a:r>
+            <a:r>
+              <a:rPr lang="zh-CN" altLang="en-US" sz="2400" dirty="0" smtClean="0">
+                <a:latin typeface="黑体" panose="02010609060101010101" pitchFamily="49" charset="-122"/>
+                <a:ea typeface="黑体" panose="02010609060101010101" pitchFamily="49" charset="-122"/>
+              </a:rPr>
+              <a:t>的，并且如果对它进行计算，我们可以发现在，这是</a:t>
+            </a:r>
+            <a:r>
+              <a:rPr lang="zh-CN" altLang="en-US" sz="2400" dirty="0" smtClean="0">
+                <a:solidFill>
+                  <a:srgbClr val="FF0000"/>
+                </a:solidFill>
+                <a:latin typeface="黑体" panose="02010609060101010101" pitchFamily="49" charset="-122"/>
+                <a:ea typeface="黑体" panose="02010609060101010101" pitchFamily="49" charset="-122"/>
+              </a:rPr>
+              <a:t>符合概率分布</a:t>
+            </a:r>
+            <a:r>
+              <a:rPr lang="zh-CN" altLang="en-US" sz="2400" dirty="0" smtClean="0">
+                <a:latin typeface="黑体" panose="02010609060101010101" pitchFamily="49" charset="-122"/>
+                <a:ea typeface="黑体" panose="02010609060101010101" pitchFamily="49" charset="-122"/>
+              </a:rPr>
+              <a:t>的</a:t>
+            </a:r>
+            <a:endParaRPr lang="en-US" altLang="zh-CN" sz="2400" dirty="0" smtClean="0">
+              <a:latin typeface="黑体" panose="02010609060101010101" pitchFamily="49" charset="-122"/>
+              <a:ea typeface="黑体" panose="02010609060101010101" pitchFamily="49" charset="-122"/>
+            </a:endParaRPr>
+          </a:p>
+          <a:p>
+            <a:endParaRPr lang="zh-CN" altLang="en-US" dirty="0">
+              <a:latin typeface="黑体" panose="02010609060101010101" pitchFamily="49" charset="-122"/>
+              <a:ea typeface="黑体" panose="02010609060101010101" pitchFamily="49" charset="-122"/>
+            </a:endParaRPr>
+          </a:p>
+        </p:txBody>
+      </p:sp>
+      <p:pic>
+        <p:nvPicPr>
+          <p:cNvPr id="4" name="图片 3"/>
+          <p:cNvPicPr>
+            <a:picLocks noChangeAspect="1"/>
+          </p:cNvPicPr>
+          <p:nvPr/>
+        </p:nvPicPr>
+        <p:blipFill>
+          <a:blip r:embed="rId2"/>
+          <a:stretch>
+            <a:fillRect/>
+          </a:stretch>
+        </p:blipFill>
+        <p:spPr>
+          <a:xfrm>
+            <a:off x="5684978" y="1103663"/>
+            <a:ext cx="5792487" cy="1443924"/>
+          </a:xfrm>
+          <a:prstGeom prst="rect">
+            <a:avLst/>
+          </a:prstGeom>
+        </p:spPr>
+      </p:pic>
+      <p:pic>
+        <p:nvPicPr>
+          <p:cNvPr id="5" name="图片 4"/>
+          <p:cNvPicPr>
+            <a:picLocks noChangeAspect="1"/>
+          </p:cNvPicPr>
+          <p:nvPr/>
+        </p:nvPicPr>
+        <p:blipFill>
+          <a:blip r:embed="rId3"/>
+          <a:stretch>
+            <a:fillRect/>
+          </a:stretch>
+        </p:blipFill>
+        <p:spPr>
+          <a:xfrm>
+            <a:off x="5553773" y="2946853"/>
+            <a:ext cx="6057900" cy="3181350"/>
+          </a:xfrm>
+          <a:prstGeom prst="rect">
+            <a:avLst/>
+          </a:prstGeom>
+        </p:spPr>
+      </p:pic>
+    </p:spTree>
+    <p:extLst>
+      <p:ext uri="{BB962C8B-B14F-4D97-AF65-F5344CB8AC3E}">
+        <p14:creationId xmlns:p14="http://schemas.microsoft.com/office/powerpoint/2010/main" val="3165541104"/>
+      </p:ext>
+    </p:extLst>
+  </p:cSld>
+  <p:clrMapOvr>
+    <a:masterClrMapping/>
+  </p:clrMapOvr>
+</p:sld>
+</file>
+
+<file path=ppt/slides/slide7.xml><?xml version="1.0" encoding="utf-8"?>
+<p:sld xmlns:a="http://schemas.openxmlformats.org/drawingml/2006/main" xmlns:r="http://schemas.openxmlformats.org/officeDocument/2006/relationships" xmlns:p="http://schemas.openxmlformats.org/presentationml/2006/main">
+  <p:cSld>
+    <p:spTree>
+      <p:nvGrpSpPr>
+        <p:cNvPr id="1" name=""/>
+        <p:cNvGrpSpPr/>
+        <p:nvPr/>
+      </p:nvGrpSpPr>
+      <p:grpSpPr>
+        <a:xfrm>
+          <a:off x="0" y="0"/>
+          <a:ext cx="0" cy="0"/>
+          <a:chOff x="0" y="0"/>
+          <a:chExt cx="0" cy="0"/>
+        </a:xfrm>
+      </p:grpSpPr>
+      <p:sp>
+        <p:nvSpPr>
+          <p:cNvPr id="2" name="标题 1"/>
+          <p:cNvSpPr>
+            <a:spLocks noGrp="1"/>
+          </p:cNvSpPr>
+          <p:nvPr>
+            <p:ph type="title"/>
+          </p:nvPr>
+        </p:nvSpPr>
+        <p:spPr/>
+        <p:txBody>
+          <a:bodyPr/>
+          <a:lstStyle/>
+          <a:p>
+            <a:r>
+              <a:rPr lang="zh-CN" altLang="en-US" dirty="0" smtClean="0">
+                <a:solidFill>
+                  <a:srgbClr val="FF0000"/>
+                </a:solidFill>
+                <a:latin typeface="黑体" panose="02010609060101010101" pitchFamily="49" charset="-122"/>
+                <a:ea typeface="黑体" panose="02010609060101010101" pitchFamily="49" charset="-122"/>
+              </a:rPr>
+              <a:t>本次设计中选用的维度</a:t>
+            </a:r>
+            <a:endParaRPr lang="zh-CN" altLang="en-US" dirty="0">
+              <a:solidFill>
+                <a:srgbClr val="FF0000"/>
+              </a:solidFill>
+              <a:latin typeface="黑体" panose="02010609060101010101" pitchFamily="49" charset="-122"/>
+              <a:ea typeface="黑体" panose="02010609060101010101" pitchFamily="49" charset="-122"/>
+            </a:endParaRPr>
+          </a:p>
+        </p:txBody>
+      </p:sp>
+      <p:graphicFrame>
+        <p:nvGraphicFramePr>
+          <p:cNvPr id="6" name="内容占位符 5"/>
+          <p:cNvGraphicFramePr>
+            <a:graphicFrameLocks noGrp="1"/>
+          </p:cNvGraphicFramePr>
+          <p:nvPr>
+            <p:ph idx="1"/>
+            <p:extLst>
+              <p:ext uri="{D42A27DB-BD31-4B8C-83A1-F6EECF244321}">
+                <p14:modId xmlns:p14="http://schemas.microsoft.com/office/powerpoint/2010/main" val="2359394620"/>
+              </p:ext>
+            </p:extLst>
+          </p:nvPr>
+        </p:nvGraphicFramePr>
+        <p:xfrm>
+          <a:off x="918117" y="1690688"/>
+          <a:ext cx="10515600" cy="2590800"/>
+        </p:xfrm>
+        <a:graphic>
+          <a:graphicData uri="http://schemas.openxmlformats.org/drawingml/2006/table">
+            <a:tbl>
+              <a:tblPr firstRow="1" bandRow="1">
+                <a:tableStyleId>{5C22544A-7EE6-4342-B048-85BDC9FD1C3A}</a:tableStyleId>
+              </a:tblPr>
+              <a:tblGrid>
+                <a:gridCol w="3505200"/>
+                <a:gridCol w="3505200"/>
+                <a:gridCol w="3505200"/>
+              </a:tblGrid>
+              <a:tr h="236251">
+                <a:tc>
+                  <a:txBody>
+                    <a:bodyPr/>
+                    <a:lstStyle/>
+                    <a:p>
+                      <a:endParaRPr lang="zh-CN" altLang="en-US" dirty="0">
+                        <a:latin typeface="黑体" panose="02010609060101010101" pitchFamily="49" charset="-122"/>
+                        <a:ea typeface="黑体" panose="02010609060101010101" pitchFamily="49" charset="-122"/>
+                      </a:endParaRPr>
+                    </a:p>
+                  </a:txBody>
+                  <a:tcPr/>
+                </a:tc>
+                <a:tc>
+                  <a:txBody>
+                    <a:bodyPr/>
+                    <a:lstStyle/>
+                    <a:p>
+                      <a:endParaRPr lang="zh-CN" altLang="en-US" dirty="0">
+                        <a:latin typeface="黑体" panose="02010609060101010101" pitchFamily="49" charset="-122"/>
+                        <a:ea typeface="黑体" panose="02010609060101010101" pitchFamily="49" charset="-122"/>
+                      </a:endParaRPr>
+                    </a:p>
+                  </a:txBody>
+                  <a:tcPr/>
+                </a:tc>
+                <a:tc>
+                  <a:txBody>
+                    <a:bodyPr/>
+                    <a:lstStyle/>
+                    <a:p>
+                      <a:endParaRPr lang="zh-CN" altLang="en-US" dirty="0">
+                        <a:latin typeface="黑体" panose="02010609060101010101" pitchFamily="49" charset="-122"/>
+                        <a:ea typeface="黑体" panose="02010609060101010101" pitchFamily="49" charset="-122"/>
+                      </a:endParaRPr>
+                    </a:p>
+                  </a:txBody>
+                  <a:tcPr/>
+                </a:tc>
+              </a:tr>
+              <a:tr h="370840">
+                <a:tc>
+                  <a:txBody>
+                    <a:bodyPr/>
+                    <a:lstStyle/>
+                    <a:p>
+                      <a:r>
+                        <a:rPr lang="zh-CN" altLang="en-US" sz="1800" i="1" kern="1200" dirty="0" smtClean="0">
+                          <a:solidFill>
+                            <a:schemeClr val="dk1"/>
+                          </a:solidFill>
+                          <a:effectLst/>
+                          <a:latin typeface="黑体" panose="02010609060101010101" pitchFamily="49" charset="-122"/>
+                          <a:ea typeface="黑体" panose="02010609060101010101" pitchFamily="49" charset="-122"/>
+                          <a:cs typeface="+mn-cs"/>
+                        </a:rPr>
+                        <a:t>净利润增长率</a:t>
+                      </a:r>
+                      <a:endParaRPr lang="zh-CN" altLang="en-US" dirty="0">
+                        <a:latin typeface="黑体" panose="02010609060101010101" pitchFamily="49" charset="-122"/>
+                        <a:ea typeface="黑体" panose="02010609060101010101" pitchFamily="49" charset="-122"/>
+                      </a:endParaRPr>
+                    </a:p>
+                  </a:txBody>
+                  <a:tcPr/>
+                </a:tc>
+                <a:tc>
+                  <a:txBody>
+                    <a:bodyPr/>
+                    <a:lstStyle/>
+                    <a:p>
+                      <a:r>
+                        <a:rPr lang="zh-CN" altLang="en-US" sz="1800" i="1" kern="1200" dirty="0" smtClean="0">
+                          <a:solidFill>
+                            <a:schemeClr val="dk1"/>
+                          </a:solidFill>
+                          <a:effectLst/>
+                          <a:latin typeface="黑体" panose="02010609060101010101" pitchFamily="49" charset="-122"/>
+                          <a:ea typeface="黑体" panose="02010609060101010101" pitchFamily="49" charset="-122"/>
+                          <a:cs typeface="+mn-cs"/>
+                        </a:rPr>
+                        <a:t>主营业务收入</a:t>
+                      </a:r>
+                      <a:endParaRPr lang="zh-CN" altLang="en-US" dirty="0">
+                        <a:latin typeface="黑体" panose="02010609060101010101" pitchFamily="49" charset="-122"/>
+                        <a:ea typeface="黑体" panose="02010609060101010101" pitchFamily="49" charset="-122"/>
+                      </a:endParaRPr>
+                    </a:p>
+                  </a:txBody>
+                  <a:tcPr/>
+                </a:tc>
+                <a:tc>
+                  <a:txBody>
+                    <a:bodyPr/>
+                    <a:lstStyle/>
+                    <a:p>
+                      <a:r>
+                        <a:rPr lang="zh-CN" altLang="en-US" sz="1800" i="1" kern="1200" dirty="0" smtClean="0">
+                          <a:solidFill>
+                            <a:schemeClr val="dk1"/>
+                          </a:solidFill>
+                          <a:effectLst/>
+                          <a:latin typeface="黑体" panose="02010609060101010101" pitchFamily="49" charset="-122"/>
+                          <a:ea typeface="黑体" panose="02010609060101010101" pitchFamily="49" charset="-122"/>
+                          <a:cs typeface="+mn-cs"/>
+                        </a:rPr>
+                        <a:t>净利润</a:t>
+                      </a:r>
+                      <a:endParaRPr lang="zh-CN" altLang="en-US" dirty="0">
+                        <a:latin typeface="黑体" panose="02010609060101010101" pitchFamily="49" charset="-122"/>
+                        <a:ea typeface="黑体" panose="02010609060101010101" pitchFamily="49" charset="-122"/>
+                      </a:endParaRPr>
+                    </a:p>
+                  </a:txBody>
+                  <a:tcPr/>
+                </a:tc>
+              </a:tr>
+              <a:tr h="370840">
+                <a:tc>
+                  <a:txBody>
+                    <a:bodyPr/>
+                    <a:lstStyle/>
+                    <a:p>
+                      <a:r>
+                        <a:rPr lang="zh-CN" altLang="en-US" sz="1800" i="1" kern="1200" dirty="0" smtClean="0">
+                          <a:solidFill>
+                            <a:schemeClr val="dk1"/>
+                          </a:solidFill>
+                          <a:effectLst/>
+                          <a:latin typeface="黑体" panose="02010609060101010101" pitchFamily="49" charset="-122"/>
+                          <a:ea typeface="黑体" panose="02010609060101010101" pitchFamily="49" charset="-122"/>
+                          <a:cs typeface="+mn-cs"/>
+                        </a:rPr>
+                        <a:t>资产总额</a:t>
+                      </a:r>
+                      <a:endParaRPr lang="zh-CN" altLang="en-US" dirty="0">
+                        <a:latin typeface="黑体" panose="02010609060101010101" pitchFamily="49" charset="-122"/>
+                        <a:ea typeface="黑体" panose="02010609060101010101" pitchFamily="49" charset="-122"/>
+                      </a:endParaRPr>
+                    </a:p>
+                  </a:txBody>
+                  <a:tcPr/>
+                </a:tc>
+                <a:tc>
+                  <a:txBody>
+                    <a:bodyPr/>
+                    <a:lstStyle/>
+                    <a:p>
+                      <a:r>
+                        <a:rPr lang="zh-CN" altLang="en-US" sz="1800" i="1" kern="1200" dirty="0" smtClean="0">
+                          <a:solidFill>
+                            <a:schemeClr val="dk1"/>
+                          </a:solidFill>
+                          <a:effectLst/>
+                          <a:latin typeface="黑体" panose="02010609060101010101" pitchFamily="49" charset="-122"/>
+                          <a:ea typeface="黑体" panose="02010609060101010101" pitchFamily="49" charset="-122"/>
+                          <a:cs typeface="+mn-cs"/>
+                        </a:rPr>
+                        <a:t>市盈率</a:t>
+                      </a:r>
+                      <a:endParaRPr lang="zh-CN" altLang="en-US" dirty="0">
+                        <a:latin typeface="黑体" panose="02010609060101010101" pitchFamily="49" charset="-122"/>
+                        <a:ea typeface="黑体" panose="02010609060101010101" pitchFamily="49" charset="-122"/>
+                      </a:endParaRPr>
+                    </a:p>
+                  </a:txBody>
+                  <a:tcPr/>
+                </a:tc>
+                <a:tc>
+                  <a:txBody>
+                    <a:bodyPr/>
+                    <a:lstStyle/>
+                    <a:p>
+                      <a:r>
+                        <a:rPr lang="zh-CN" altLang="en-US" sz="1800" i="1" kern="1200" dirty="0" smtClean="0">
+                          <a:solidFill>
+                            <a:schemeClr val="dk1"/>
+                          </a:solidFill>
+                          <a:effectLst/>
+                          <a:latin typeface="黑体" panose="02010609060101010101" pitchFamily="49" charset="-122"/>
+                          <a:ea typeface="黑体" panose="02010609060101010101" pitchFamily="49" charset="-122"/>
+                          <a:cs typeface="+mn-cs"/>
+                        </a:rPr>
+                        <a:t>市净率</a:t>
+                      </a:r>
+                      <a:endParaRPr lang="zh-CN" altLang="en-US" dirty="0">
+                        <a:latin typeface="黑体" panose="02010609060101010101" pitchFamily="49" charset="-122"/>
+                        <a:ea typeface="黑体" panose="02010609060101010101" pitchFamily="49" charset="-122"/>
+                      </a:endParaRPr>
+                    </a:p>
+                  </a:txBody>
+                  <a:tcPr/>
+                </a:tc>
+              </a:tr>
+              <a:tr h="370840">
+                <a:tc>
+                  <a:txBody>
+                    <a:bodyPr/>
+                    <a:lstStyle/>
+                    <a:p>
+                      <a:r>
+                        <a:rPr lang="en-US" altLang="zh-CN" sz="1800" i="1" kern="1200" dirty="0" smtClean="0">
+                          <a:solidFill>
+                            <a:schemeClr val="dk1"/>
+                          </a:solidFill>
+                          <a:effectLst/>
+                          <a:latin typeface="黑体" panose="02010609060101010101" pitchFamily="49" charset="-122"/>
+                          <a:ea typeface="黑体" panose="02010609060101010101" pitchFamily="49" charset="-122"/>
+                          <a:cs typeface="+mn-cs"/>
+                        </a:rPr>
+                        <a:t>15</a:t>
+                      </a:r>
+                      <a:r>
+                        <a:rPr lang="zh-CN" altLang="en-US" sz="1800" i="1" kern="1200" dirty="0" smtClean="0">
+                          <a:solidFill>
+                            <a:schemeClr val="dk1"/>
+                          </a:solidFill>
+                          <a:effectLst/>
+                          <a:latin typeface="黑体" panose="02010609060101010101" pitchFamily="49" charset="-122"/>
+                          <a:ea typeface="黑体" panose="02010609060101010101" pitchFamily="49" charset="-122"/>
+                          <a:cs typeface="+mn-cs"/>
+                        </a:rPr>
+                        <a:t>日均价</a:t>
+                      </a:r>
+                      <a:endParaRPr lang="zh-CN" altLang="en-US" dirty="0">
+                        <a:latin typeface="黑体" panose="02010609060101010101" pitchFamily="49" charset="-122"/>
+                        <a:ea typeface="黑体" panose="02010609060101010101" pitchFamily="49" charset="-122"/>
+                      </a:endParaRPr>
+                    </a:p>
+                  </a:txBody>
+                  <a:tcPr/>
+                </a:tc>
+                <a:tc>
+                  <a:txBody>
+                    <a:bodyPr/>
+                    <a:lstStyle/>
+                    <a:p>
+                      <a:r>
+                        <a:rPr lang="en-US" altLang="zh-CN" sz="1800" i="1" kern="1200" dirty="0" smtClean="0">
+                          <a:solidFill>
+                            <a:schemeClr val="dk1"/>
+                          </a:solidFill>
+                          <a:effectLst/>
+                          <a:latin typeface="黑体" panose="02010609060101010101" pitchFamily="49" charset="-122"/>
+                          <a:ea typeface="黑体" panose="02010609060101010101" pitchFamily="49" charset="-122"/>
+                          <a:cs typeface="+mn-cs"/>
+                        </a:rPr>
+                        <a:t>15</a:t>
+                      </a:r>
+                      <a:r>
+                        <a:rPr lang="zh-CN" altLang="en-US" sz="1800" i="1" kern="1200" dirty="0" smtClean="0">
+                          <a:solidFill>
+                            <a:schemeClr val="dk1"/>
+                          </a:solidFill>
+                          <a:effectLst/>
+                          <a:latin typeface="黑体" panose="02010609060101010101" pitchFamily="49" charset="-122"/>
+                          <a:ea typeface="黑体" panose="02010609060101010101" pitchFamily="49" charset="-122"/>
+                          <a:cs typeface="+mn-cs"/>
+                        </a:rPr>
+                        <a:t>日最低价</a:t>
+                      </a:r>
+                      <a:endParaRPr lang="zh-CN" altLang="en-US" dirty="0">
+                        <a:latin typeface="黑体" panose="02010609060101010101" pitchFamily="49" charset="-122"/>
+                        <a:ea typeface="黑体" panose="02010609060101010101" pitchFamily="49" charset="-122"/>
+                      </a:endParaRPr>
+                    </a:p>
+                  </a:txBody>
+                  <a:tcPr/>
+                </a:tc>
+                <a:tc>
+                  <a:txBody>
+                    <a:bodyPr/>
+                    <a:lstStyle/>
+                    <a:p>
+                      <a:r>
+                        <a:rPr lang="en-US" altLang="zh-CN" sz="1800" i="1" kern="1200" dirty="0" smtClean="0">
+                          <a:solidFill>
+                            <a:schemeClr val="dk1"/>
+                          </a:solidFill>
+                          <a:effectLst/>
+                          <a:latin typeface="黑体" panose="02010609060101010101" pitchFamily="49" charset="-122"/>
+                          <a:ea typeface="黑体" panose="02010609060101010101" pitchFamily="49" charset="-122"/>
+                          <a:cs typeface="+mn-cs"/>
+                        </a:rPr>
+                        <a:t>30</a:t>
+                      </a:r>
+                      <a:r>
+                        <a:rPr lang="zh-CN" altLang="en-US" sz="1800" i="1" kern="1200" dirty="0" smtClean="0">
+                          <a:solidFill>
+                            <a:schemeClr val="dk1"/>
+                          </a:solidFill>
+                          <a:effectLst/>
+                          <a:latin typeface="黑体" panose="02010609060101010101" pitchFamily="49" charset="-122"/>
+                          <a:ea typeface="黑体" panose="02010609060101010101" pitchFamily="49" charset="-122"/>
+                          <a:cs typeface="+mn-cs"/>
+                        </a:rPr>
+                        <a:t>日均价 </a:t>
+                      </a:r>
+                      <a:endParaRPr lang="zh-CN" altLang="en-US" dirty="0">
+                        <a:latin typeface="黑体" panose="02010609060101010101" pitchFamily="49" charset="-122"/>
+                        <a:ea typeface="黑体" panose="02010609060101010101" pitchFamily="49" charset="-122"/>
+                      </a:endParaRPr>
+                    </a:p>
+                  </a:txBody>
+                  <a:tcPr/>
+                </a:tc>
+              </a:tr>
+              <a:tr h="370840">
+                <a:tc>
+                  <a:txBody>
+                    <a:bodyPr/>
+                    <a:lstStyle/>
+                    <a:p>
+                      <a:r>
+                        <a:rPr lang="en-US" altLang="zh-CN" sz="1800" i="1" kern="1200" dirty="0" smtClean="0">
+                          <a:solidFill>
+                            <a:schemeClr val="dk1"/>
+                          </a:solidFill>
+                          <a:effectLst/>
+                          <a:latin typeface="黑体" panose="02010609060101010101" pitchFamily="49" charset="-122"/>
+                          <a:ea typeface="黑体" panose="02010609060101010101" pitchFamily="49" charset="-122"/>
+                          <a:cs typeface="+mn-cs"/>
+                        </a:rPr>
+                        <a:t>30</a:t>
+                      </a:r>
+                      <a:r>
+                        <a:rPr lang="zh-CN" altLang="en-US" sz="1800" i="1" kern="1200" dirty="0" smtClean="0">
+                          <a:solidFill>
+                            <a:schemeClr val="dk1"/>
+                          </a:solidFill>
+                          <a:effectLst/>
+                          <a:latin typeface="黑体" panose="02010609060101010101" pitchFamily="49" charset="-122"/>
+                          <a:ea typeface="黑体" panose="02010609060101010101" pitchFamily="49" charset="-122"/>
+                          <a:cs typeface="+mn-cs"/>
+                        </a:rPr>
+                        <a:t>日最低价</a:t>
+                      </a:r>
+                      <a:endParaRPr lang="zh-CN" altLang="en-US" dirty="0">
+                        <a:latin typeface="黑体" panose="02010609060101010101" pitchFamily="49" charset="-122"/>
+                        <a:ea typeface="黑体" panose="02010609060101010101" pitchFamily="49" charset="-122"/>
+                      </a:endParaRPr>
+                    </a:p>
+                  </a:txBody>
+                  <a:tcPr/>
+                </a:tc>
+                <a:tc>
+                  <a:txBody>
+                    <a:bodyPr/>
+                    <a:lstStyle/>
+                    <a:p>
+                      <a:r>
+                        <a:rPr lang="en-US" altLang="zh-CN" sz="1800" i="1" kern="1200" dirty="0" smtClean="0">
+                          <a:solidFill>
+                            <a:schemeClr val="dk1"/>
+                          </a:solidFill>
+                          <a:effectLst/>
+                          <a:latin typeface="黑体" panose="02010609060101010101" pitchFamily="49" charset="-122"/>
+                          <a:ea typeface="黑体" panose="02010609060101010101" pitchFamily="49" charset="-122"/>
+                          <a:cs typeface="+mn-cs"/>
+                        </a:rPr>
+                        <a:t>60</a:t>
+                      </a:r>
+                      <a:r>
+                        <a:rPr lang="zh-CN" altLang="en-US" sz="1800" i="1" kern="1200" dirty="0" smtClean="0">
+                          <a:solidFill>
+                            <a:schemeClr val="dk1"/>
+                          </a:solidFill>
+                          <a:effectLst/>
+                          <a:latin typeface="黑体" panose="02010609060101010101" pitchFamily="49" charset="-122"/>
+                          <a:ea typeface="黑体" panose="02010609060101010101" pitchFamily="49" charset="-122"/>
+                          <a:cs typeface="+mn-cs"/>
+                        </a:rPr>
+                        <a:t>日均价</a:t>
+                      </a:r>
+                      <a:endParaRPr lang="zh-CN" altLang="en-US" dirty="0">
+                        <a:latin typeface="黑体" panose="02010609060101010101" pitchFamily="49" charset="-122"/>
+                        <a:ea typeface="黑体" panose="02010609060101010101" pitchFamily="49" charset="-122"/>
+                      </a:endParaRPr>
+                    </a:p>
+                  </a:txBody>
+                  <a:tcPr/>
+                </a:tc>
+                <a:tc>
+                  <a:txBody>
+                    <a:bodyPr/>
+                    <a:lstStyle/>
+                    <a:p>
+                      <a:r>
+                        <a:rPr lang="en-US" altLang="zh-CN" sz="1800" i="1" kern="1200" dirty="0" smtClean="0">
+                          <a:solidFill>
+                            <a:schemeClr val="dk1"/>
+                          </a:solidFill>
+                          <a:effectLst/>
+                          <a:latin typeface="黑体" panose="02010609060101010101" pitchFamily="49" charset="-122"/>
+                          <a:ea typeface="黑体" panose="02010609060101010101" pitchFamily="49" charset="-122"/>
+                          <a:cs typeface="+mn-cs"/>
+                        </a:rPr>
+                        <a:t>60</a:t>
+                      </a:r>
+                      <a:r>
+                        <a:rPr lang="zh-CN" altLang="en-US" sz="1800" i="1" kern="1200" dirty="0" smtClean="0">
+                          <a:solidFill>
+                            <a:schemeClr val="dk1"/>
+                          </a:solidFill>
+                          <a:effectLst/>
+                          <a:latin typeface="黑体" panose="02010609060101010101" pitchFamily="49" charset="-122"/>
+                          <a:ea typeface="黑体" panose="02010609060101010101" pitchFamily="49" charset="-122"/>
+                          <a:cs typeface="+mn-cs"/>
+                        </a:rPr>
+                        <a:t>日最低价</a:t>
+                      </a:r>
+                      <a:endParaRPr lang="zh-CN" altLang="en-US" dirty="0">
+                        <a:latin typeface="黑体" panose="02010609060101010101" pitchFamily="49" charset="-122"/>
+                        <a:ea typeface="黑体" panose="02010609060101010101" pitchFamily="49" charset="-122"/>
+                      </a:endParaRPr>
+                    </a:p>
+                  </a:txBody>
+                  <a:tcPr/>
+                </a:tc>
+              </a:tr>
+              <a:tr h="370840">
+                <a:tc>
+                  <a:txBody>
+                    <a:bodyPr/>
+                    <a:lstStyle/>
+                    <a:p>
+                      <a:r>
+                        <a:rPr lang="en-US" altLang="zh-CN" sz="1800" i="1" kern="1200" dirty="0" smtClean="0">
+                          <a:solidFill>
+                            <a:schemeClr val="dk1"/>
+                          </a:solidFill>
+                          <a:effectLst/>
+                          <a:latin typeface="黑体" panose="02010609060101010101" pitchFamily="49" charset="-122"/>
+                          <a:ea typeface="黑体" panose="02010609060101010101" pitchFamily="49" charset="-122"/>
+                          <a:cs typeface="+mn-cs"/>
+                        </a:rPr>
+                        <a:t>180</a:t>
+                      </a:r>
+                      <a:r>
+                        <a:rPr lang="zh-CN" altLang="en-US" sz="1800" i="1" kern="1200" dirty="0" smtClean="0">
+                          <a:solidFill>
+                            <a:schemeClr val="dk1"/>
+                          </a:solidFill>
+                          <a:effectLst/>
+                          <a:latin typeface="黑体" panose="02010609060101010101" pitchFamily="49" charset="-122"/>
+                          <a:ea typeface="黑体" panose="02010609060101010101" pitchFamily="49" charset="-122"/>
+                          <a:cs typeface="+mn-cs"/>
+                        </a:rPr>
+                        <a:t>天均价</a:t>
+                      </a:r>
+                      <a:endParaRPr lang="zh-CN" altLang="en-US" dirty="0">
+                        <a:latin typeface="黑体" panose="02010609060101010101" pitchFamily="49" charset="-122"/>
+                        <a:ea typeface="黑体" panose="02010609060101010101" pitchFamily="49" charset="-122"/>
+                      </a:endParaRPr>
+                    </a:p>
+                  </a:txBody>
+                  <a:tcPr/>
+                </a:tc>
+                <a:tc>
+                  <a:txBody>
+                    <a:bodyPr/>
+                    <a:lstStyle/>
+                    <a:p>
+                      <a:r>
+                        <a:rPr lang="en-US" altLang="zh-CN" sz="1800" i="1" kern="1200" dirty="0" smtClean="0">
+                          <a:solidFill>
+                            <a:schemeClr val="dk1"/>
+                          </a:solidFill>
+                          <a:effectLst/>
+                          <a:latin typeface="黑体" panose="02010609060101010101" pitchFamily="49" charset="-122"/>
+                          <a:ea typeface="黑体" panose="02010609060101010101" pitchFamily="49" charset="-122"/>
+                          <a:cs typeface="+mn-cs"/>
+                        </a:rPr>
+                        <a:t>180</a:t>
+                      </a:r>
+                      <a:r>
+                        <a:rPr lang="zh-CN" altLang="en-US" sz="1800" i="1" kern="1200" dirty="0" smtClean="0">
+                          <a:solidFill>
+                            <a:schemeClr val="dk1"/>
+                          </a:solidFill>
+                          <a:effectLst/>
+                          <a:latin typeface="黑体" panose="02010609060101010101" pitchFamily="49" charset="-122"/>
+                          <a:ea typeface="黑体" panose="02010609060101010101" pitchFamily="49" charset="-122"/>
+                          <a:cs typeface="+mn-cs"/>
+                        </a:rPr>
+                        <a:t>天最低价</a:t>
+                      </a:r>
+                      <a:endParaRPr lang="zh-CN" altLang="en-US" dirty="0">
+                        <a:latin typeface="黑体" panose="02010609060101010101" pitchFamily="49" charset="-122"/>
+                        <a:ea typeface="黑体" panose="02010609060101010101" pitchFamily="49" charset="-122"/>
+                      </a:endParaRPr>
+                    </a:p>
+                  </a:txBody>
+                  <a:tcPr/>
+                </a:tc>
+                <a:tc>
+                  <a:txBody>
+                    <a:bodyPr/>
+                    <a:lstStyle/>
+                    <a:p>
+                      <a:r>
+                        <a:rPr lang="en-US" altLang="zh-CN" sz="1800" i="1" kern="1200" dirty="0" smtClean="0">
+                          <a:solidFill>
+                            <a:schemeClr val="dk1"/>
+                          </a:solidFill>
+                          <a:effectLst/>
+                          <a:latin typeface="黑体" panose="02010609060101010101" pitchFamily="49" charset="-122"/>
+                          <a:ea typeface="黑体" panose="02010609060101010101" pitchFamily="49" charset="-122"/>
+                          <a:cs typeface="+mn-cs"/>
+                        </a:rPr>
+                        <a:t>400</a:t>
+                      </a:r>
+                      <a:r>
+                        <a:rPr lang="zh-CN" altLang="en-US" sz="1800" i="1" kern="1200" dirty="0" smtClean="0">
+                          <a:solidFill>
+                            <a:schemeClr val="dk1"/>
+                          </a:solidFill>
+                          <a:effectLst/>
+                          <a:latin typeface="黑体" panose="02010609060101010101" pitchFamily="49" charset="-122"/>
+                          <a:ea typeface="黑体" panose="02010609060101010101" pitchFamily="49" charset="-122"/>
+                          <a:cs typeface="+mn-cs"/>
+                        </a:rPr>
+                        <a:t>天均价</a:t>
+                      </a:r>
+                      <a:endParaRPr lang="zh-CN" altLang="en-US" dirty="0">
+                        <a:latin typeface="黑体" panose="02010609060101010101" pitchFamily="49" charset="-122"/>
+                        <a:ea typeface="黑体" panose="02010609060101010101" pitchFamily="49" charset="-122"/>
+                      </a:endParaRPr>
+                    </a:p>
+                  </a:txBody>
+                  <a:tcPr/>
+                </a:tc>
+              </a:tr>
+              <a:tr h="370840">
+                <a:tc>
+                  <a:txBody>
+                    <a:bodyPr/>
+                    <a:lstStyle/>
+                    <a:p>
+                      <a:r>
+                        <a:rPr lang="en-US" altLang="zh-CN" sz="1800" i="1" kern="1200" dirty="0" smtClean="0">
+                          <a:solidFill>
+                            <a:schemeClr val="dk1"/>
+                          </a:solidFill>
+                          <a:effectLst/>
+                          <a:latin typeface="黑体" panose="02010609060101010101" pitchFamily="49" charset="-122"/>
+                          <a:ea typeface="黑体" panose="02010609060101010101" pitchFamily="49" charset="-122"/>
+                          <a:cs typeface="+mn-cs"/>
+                        </a:rPr>
+                        <a:t>400</a:t>
+                      </a:r>
+                      <a:r>
+                        <a:rPr lang="zh-CN" altLang="en-US" sz="1800" i="1" kern="1200" dirty="0" smtClean="0">
+                          <a:solidFill>
+                            <a:schemeClr val="dk1"/>
+                          </a:solidFill>
+                          <a:effectLst/>
+                          <a:latin typeface="黑体" panose="02010609060101010101" pitchFamily="49" charset="-122"/>
+                          <a:ea typeface="黑体" panose="02010609060101010101" pitchFamily="49" charset="-122"/>
+                          <a:cs typeface="+mn-cs"/>
+                        </a:rPr>
+                        <a:t>天最低价</a:t>
+                      </a:r>
+                      <a:endParaRPr lang="zh-CN" altLang="en-US" dirty="0">
+                        <a:latin typeface="黑体" panose="02010609060101010101" pitchFamily="49" charset="-122"/>
+                        <a:ea typeface="黑体" panose="02010609060101010101" pitchFamily="49" charset="-122"/>
+                      </a:endParaRPr>
+                    </a:p>
+                  </a:txBody>
+                  <a:tcPr/>
+                </a:tc>
+                <a:tc>
+                  <a:txBody>
+                    <a:bodyPr/>
+                    <a:lstStyle/>
+                    <a:p>
+                      <a:r>
+                        <a:rPr lang="zh-CN" altLang="en-US" sz="1800" i="1" kern="1200" dirty="0" smtClean="0">
+                          <a:solidFill>
+                            <a:schemeClr val="dk1"/>
+                          </a:solidFill>
+                          <a:effectLst/>
+                          <a:latin typeface="黑体" panose="02010609060101010101" pitchFamily="49" charset="-122"/>
+                          <a:ea typeface="黑体" panose="02010609060101010101" pitchFamily="49" charset="-122"/>
+                          <a:cs typeface="+mn-cs"/>
+                        </a:rPr>
+                        <a:t>历史均价</a:t>
+                      </a:r>
+                      <a:endParaRPr lang="zh-CN" altLang="en-US" dirty="0">
+                        <a:latin typeface="黑体" panose="02010609060101010101" pitchFamily="49" charset="-122"/>
+                        <a:ea typeface="黑体" panose="02010609060101010101" pitchFamily="49" charset="-122"/>
+                      </a:endParaRPr>
+                    </a:p>
+                  </a:txBody>
+                  <a:tcPr/>
+                </a:tc>
+                <a:tc>
+                  <a:txBody>
+                    <a:bodyPr/>
+                    <a:lstStyle/>
+                    <a:p>
+                      <a:r>
+                        <a:rPr lang="zh-CN" altLang="en-US" sz="1800" i="1" kern="1200" dirty="0" smtClean="0">
+                          <a:solidFill>
+                            <a:schemeClr val="dk1"/>
+                          </a:solidFill>
+                          <a:effectLst/>
+                          <a:latin typeface="黑体" panose="02010609060101010101" pitchFamily="49" charset="-122"/>
+                          <a:ea typeface="黑体" panose="02010609060101010101" pitchFamily="49" charset="-122"/>
+                          <a:cs typeface="+mn-cs"/>
+                        </a:rPr>
+                        <a:t>历史最低价</a:t>
+                      </a:r>
+                      <a:endParaRPr lang="zh-CN" altLang="en-US" dirty="0">
+                        <a:latin typeface="黑体" panose="02010609060101010101" pitchFamily="49" charset="-122"/>
+                        <a:ea typeface="黑体" panose="02010609060101010101" pitchFamily="49" charset="-122"/>
+                      </a:endParaRPr>
+                    </a:p>
+                  </a:txBody>
+                  <a:tcPr/>
+                </a:tc>
+              </a:tr>
+            </a:tbl>
+          </a:graphicData>
+        </a:graphic>
+      </p:graphicFrame>
+      <p:sp>
+        <p:nvSpPr>
+          <p:cNvPr id="7" name="文本框 6"/>
+          <p:cNvSpPr txBox="1"/>
+          <p:nvPr/>
+        </p:nvSpPr>
+        <p:spPr>
+          <a:xfrm>
+            <a:off x="838200" y="4705815"/>
+            <a:ext cx="10138317" cy="400110"/>
+          </a:xfrm>
+          <a:prstGeom prst="rect">
+            <a:avLst/>
+          </a:prstGeom>
+          <a:noFill/>
+        </p:spPr>
+        <p:txBody>
+          <a:bodyPr wrap="square" rtlCol="0">
+            <a:spAutoFit/>
+          </a:bodyPr>
+          <a:lstStyle/>
+          <a:p>
+            <a:r>
+              <a:rPr lang="zh-CN" altLang="en-US" sz="2000" dirty="0" smtClean="0">
+                <a:latin typeface="黑体" panose="02010609060101010101" pitchFamily="49" charset="-122"/>
+                <a:ea typeface="黑体" panose="02010609060101010101" pitchFamily="49" charset="-122"/>
+              </a:rPr>
+              <a:t>以上数据为必须经过处理才能被使用，也就是“降权”，下降原本数值不同所带有的权重</a:t>
+            </a:r>
+            <a:endParaRPr lang="zh-CN" altLang="en-US" sz="2000" dirty="0">
+              <a:latin typeface="黑体" panose="02010609060101010101" pitchFamily="49" charset="-122"/>
+              <a:ea typeface="黑体" panose="02010609060101010101" pitchFamily="49" charset="-122"/>
+            </a:endParaRPr>
+          </a:p>
+        </p:txBody>
+      </p:sp>
+    </p:spTree>
+    <p:extLst>
+      <p:ext uri="{BB962C8B-B14F-4D97-AF65-F5344CB8AC3E}">
+        <p14:creationId xmlns:p14="http://schemas.microsoft.com/office/powerpoint/2010/main" val="3940082697"/>
+      </p:ext>
+    </p:extLst>
+  </p:cSld>
+  <p:clrMapOvr>
+    <a:masterClrMapping/>
+  </p:clrMapOvr>
+</p:sld>
+</file>
+
+<file path=ppt/slides/slide8.xml><?xml version="1.0" encoding="utf-8"?>
+<p:sld xmlns:a="http://schemas.openxmlformats.org/drawingml/2006/main" xmlns:r="http://schemas.openxmlformats.org/officeDocument/2006/relationships" xmlns:p="http://schemas.openxmlformats.org/presentationml/2006/main">
+  <p:cSld>
+    <p:spTree>
+      <p:nvGrpSpPr>
+        <p:cNvPr id="1" name=""/>
+        <p:cNvGrpSpPr/>
+        <p:nvPr/>
+      </p:nvGrpSpPr>
+      <p:grpSpPr>
+        <a:xfrm>
+          <a:off x="0" y="0"/>
+          <a:ext cx="0" cy="0"/>
+          <a:chOff x="0" y="0"/>
+          <a:chExt cx="0" cy="0"/>
+        </a:xfrm>
+      </p:grpSpPr>
+      <p:sp>
+        <p:nvSpPr>
+          <p:cNvPr id="2" name="标题 1"/>
+          <p:cNvSpPr>
+            <a:spLocks noGrp="1"/>
+          </p:cNvSpPr>
+          <p:nvPr>
+            <p:ph type="title"/>
+          </p:nvPr>
+        </p:nvSpPr>
+        <p:spPr/>
+        <p:txBody>
+          <a:bodyPr/>
+          <a:lstStyle/>
+          <a:p>
+            <a:r>
+              <a:rPr lang="zh-CN" altLang="en-US" dirty="0" smtClean="0">
+                <a:solidFill>
+                  <a:srgbClr val="FF0000"/>
+                </a:solidFill>
+                <a:latin typeface="黑体" panose="02010609060101010101" pitchFamily="49" charset="-122"/>
+                <a:ea typeface="黑体" panose="02010609060101010101" pitchFamily="49" charset="-122"/>
+              </a:rPr>
+              <a:t>数据处理与筛选</a:t>
+            </a:r>
+            <a:endParaRPr lang="zh-CN" altLang="en-US" dirty="0">
+              <a:solidFill>
+                <a:srgbClr val="FF0000"/>
+              </a:solidFill>
+              <a:latin typeface="黑体" panose="02010609060101010101" pitchFamily="49" charset="-122"/>
+              <a:ea typeface="黑体" panose="02010609060101010101" pitchFamily="49" charset="-122"/>
+            </a:endParaRPr>
+          </a:p>
+        </p:txBody>
+      </p:sp>
+      <p:sp>
+        <p:nvSpPr>
+          <p:cNvPr id="3" name="内容占位符 2"/>
+          <p:cNvSpPr>
+            <a:spLocks noGrp="1"/>
+          </p:cNvSpPr>
+          <p:nvPr>
+            <p:ph idx="1"/>
+          </p:nvPr>
+        </p:nvSpPr>
+        <p:spPr>
+          <a:xfrm>
+            <a:off x="838200" y="1758719"/>
+            <a:ext cx="10515600" cy="4351338"/>
+          </a:xfrm>
+        </p:spPr>
+        <p:txBody>
+          <a:bodyPr/>
+          <a:lstStyle/>
+          <a:p>
+            <a:r>
+              <a:rPr lang="en-US" altLang="zh-CN" dirty="0" smtClean="0">
+                <a:latin typeface="黑体" panose="02010609060101010101" pitchFamily="49" charset="-122"/>
+                <a:ea typeface="黑体" panose="02010609060101010101" pitchFamily="49" charset="-122"/>
+              </a:rPr>
+              <a:t>1</a:t>
+            </a:r>
+            <a:r>
+              <a:rPr lang="zh-CN" altLang="en-US" dirty="0" smtClean="0">
+                <a:latin typeface="黑体" panose="02010609060101010101" pitchFamily="49" charset="-122"/>
+                <a:ea typeface="黑体" panose="02010609060101010101" pitchFamily="49" charset="-122"/>
+              </a:rPr>
+              <a:t>、</a:t>
+            </a:r>
+            <a:r>
+              <a:rPr lang="zh-CN" altLang="en-US" sz="2400" dirty="0" smtClean="0">
+                <a:solidFill>
+                  <a:srgbClr val="FF0000"/>
+                </a:solidFill>
+                <a:latin typeface="黑体" panose="02010609060101010101" pitchFamily="49" charset="-122"/>
+                <a:ea typeface="黑体" panose="02010609060101010101" pitchFamily="49" charset="-122"/>
+              </a:rPr>
+              <a:t>总计开市日期大于</a:t>
+            </a:r>
+            <a:r>
+              <a:rPr lang="en-US" altLang="zh-CN" sz="2400" dirty="0" smtClean="0">
+                <a:solidFill>
+                  <a:srgbClr val="FF0000"/>
+                </a:solidFill>
+                <a:latin typeface="黑体" panose="02010609060101010101" pitchFamily="49" charset="-122"/>
+                <a:ea typeface="黑体" panose="02010609060101010101" pitchFamily="49" charset="-122"/>
+              </a:rPr>
+              <a:t>1500</a:t>
+            </a:r>
+            <a:r>
+              <a:rPr lang="zh-CN" altLang="en-US" sz="2400" dirty="0" smtClean="0">
+                <a:latin typeface="黑体" panose="02010609060101010101" pitchFamily="49" charset="-122"/>
+                <a:ea typeface="黑体" panose="02010609060101010101" pitchFamily="49" charset="-122"/>
+              </a:rPr>
+              <a:t>（找出一个稳定的股票，并不是一个绝对的数值，这个可以按照每个人的不同想法所改变）</a:t>
+            </a:r>
+            <a:endParaRPr lang="en-US" altLang="zh-CN" sz="2400" dirty="0" smtClean="0">
+              <a:latin typeface="黑体" panose="02010609060101010101" pitchFamily="49" charset="-122"/>
+              <a:ea typeface="黑体" panose="02010609060101010101" pitchFamily="49" charset="-122"/>
+            </a:endParaRPr>
+          </a:p>
+          <a:p>
+            <a:r>
+              <a:rPr lang="en-US" altLang="zh-CN" sz="2400" dirty="0" smtClean="0">
+                <a:latin typeface="黑体" panose="02010609060101010101" pitchFamily="49" charset="-122"/>
+                <a:ea typeface="黑体" panose="02010609060101010101" pitchFamily="49" charset="-122"/>
+              </a:rPr>
+              <a:t>2</a:t>
+            </a:r>
+            <a:r>
+              <a:rPr lang="zh-CN" altLang="en-US" sz="2400" dirty="0" smtClean="0">
+                <a:latin typeface="黑体" panose="02010609060101010101" pitchFamily="49" charset="-122"/>
+                <a:ea typeface="黑体" panose="02010609060101010101" pitchFamily="49" charset="-122"/>
+              </a:rPr>
+              <a:t>、</a:t>
+            </a:r>
+            <a:r>
+              <a:rPr lang="zh-CN" altLang="en-US" sz="2400" dirty="0" smtClean="0">
+                <a:solidFill>
+                  <a:srgbClr val="FF0000"/>
+                </a:solidFill>
+                <a:latin typeface="黑体" panose="02010609060101010101" pitchFamily="49" charset="-122"/>
+                <a:ea typeface="黑体" panose="02010609060101010101" pitchFamily="49" charset="-122"/>
+              </a:rPr>
+              <a:t>市盈率小于</a:t>
+            </a:r>
+            <a:r>
+              <a:rPr lang="en-US" altLang="zh-CN" sz="2400" dirty="0" smtClean="0">
+                <a:solidFill>
+                  <a:srgbClr val="FF0000"/>
+                </a:solidFill>
+                <a:latin typeface="黑体" panose="02010609060101010101" pitchFamily="49" charset="-122"/>
+                <a:ea typeface="黑体" panose="02010609060101010101" pitchFamily="49" charset="-122"/>
+              </a:rPr>
+              <a:t>50</a:t>
+            </a:r>
+            <a:r>
+              <a:rPr lang="zh-CN" altLang="en-US" sz="2400" dirty="0" smtClean="0">
+                <a:latin typeface="黑体" panose="02010609060101010101" pitchFamily="49" charset="-122"/>
+                <a:ea typeface="黑体" panose="02010609060101010101" pitchFamily="49" charset="-122"/>
+              </a:rPr>
+              <a:t>（巴菲特曾说过：他不会购入一支市盈率大于</a:t>
+            </a:r>
+            <a:r>
+              <a:rPr lang="en-US" altLang="zh-CN" sz="2400" dirty="0" smtClean="0">
+                <a:latin typeface="黑体" panose="02010609060101010101" pitchFamily="49" charset="-122"/>
+                <a:ea typeface="黑体" panose="02010609060101010101" pitchFamily="49" charset="-122"/>
+              </a:rPr>
+              <a:t>50</a:t>
+            </a:r>
+            <a:r>
+              <a:rPr lang="zh-CN" altLang="en-US" sz="2400" dirty="0" smtClean="0">
+                <a:latin typeface="黑体" panose="02010609060101010101" pitchFamily="49" charset="-122"/>
+                <a:ea typeface="黑体" panose="02010609060101010101" pitchFamily="49" charset="-122"/>
+              </a:rPr>
+              <a:t>的股票）</a:t>
+            </a:r>
+            <a:endParaRPr lang="en-US" altLang="zh-CN" dirty="0">
+              <a:latin typeface="黑体" panose="02010609060101010101" pitchFamily="49" charset="-122"/>
+              <a:ea typeface="黑体" panose="02010609060101010101" pitchFamily="49" charset="-122"/>
+            </a:endParaRPr>
+          </a:p>
+          <a:p>
+            <a:pPr marL="0" indent="0">
+              <a:buNone/>
+            </a:pPr>
+            <a:r>
+              <a:rPr lang="zh-CN" altLang="en-US" b="1" i="1" dirty="0" smtClean="0">
+                <a:latin typeface="黑体" panose="02010609060101010101" pitchFamily="49" charset="-122"/>
+                <a:ea typeface="黑体" panose="02010609060101010101" pitchFamily="49" charset="-122"/>
+              </a:rPr>
+              <a:t>降权（最为重要的事情）</a:t>
+            </a:r>
+            <a:endParaRPr lang="en-US" altLang="zh-CN" b="1" i="1" dirty="0" smtClean="0">
+              <a:latin typeface="黑体" panose="02010609060101010101" pitchFamily="49" charset="-122"/>
+              <a:ea typeface="黑体" panose="02010609060101010101" pitchFamily="49" charset="-122"/>
+            </a:endParaRPr>
+          </a:p>
+          <a:p>
+            <a:pPr marL="0" indent="0">
+              <a:buNone/>
+            </a:pPr>
+            <a:r>
+              <a:rPr lang="zh-CN" altLang="en-US" sz="2000" dirty="0" smtClean="0">
+                <a:latin typeface="黑体" panose="02010609060101010101" pitchFamily="49" charset="-122"/>
+                <a:ea typeface="黑体" panose="02010609060101010101" pitchFamily="49" charset="-122"/>
+              </a:rPr>
+              <a:t>我们要将所有的维度降低其数值不带有的权重，主要的降权手段是将它们套用</a:t>
+            </a:r>
+            <a:r>
+              <a:rPr lang="en-US" altLang="zh-CN" sz="2000" dirty="0" smtClean="0">
+                <a:latin typeface="黑体" panose="02010609060101010101" pitchFamily="49" charset="-122"/>
+                <a:ea typeface="黑体" panose="02010609060101010101" pitchFamily="49" charset="-122"/>
+              </a:rPr>
+              <a:t>sigmoid</a:t>
+            </a:r>
+            <a:r>
+              <a:rPr lang="zh-CN" altLang="en-US" sz="2000" dirty="0" smtClean="0">
+                <a:latin typeface="黑体" panose="02010609060101010101" pitchFamily="49" charset="-122"/>
+                <a:ea typeface="黑体" panose="02010609060101010101" pitchFamily="49" charset="-122"/>
+              </a:rPr>
+              <a:t>函数或是其他手段</a:t>
+            </a:r>
+            <a:endParaRPr lang="en-US" altLang="zh-CN" sz="2000" dirty="0" smtClean="0">
+              <a:latin typeface="黑体" panose="02010609060101010101" pitchFamily="49" charset="-122"/>
+              <a:ea typeface="黑体" panose="02010609060101010101" pitchFamily="49" charset="-122"/>
+            </a:endParaRPr>
+          </a:p>
+          <a:p>
+            <a:pPr marL="0" indent="0">
+              <a:buNone/>
+            </a:pPr>
+            <a:endParaRPr lang="en-US" altLang="zh-CN" dirty="0" smtClean="0">
+              <a:latin typeface="黑体" panose="02010609060101010101" pitchFamily="49" charset="-122"/>
+              <a:ea typeface="黑体" panose="02010609060101010101" pitchFamily="49" charset="-122"/>
+            </a:endParaRPr>
+          </a:p>
+          <a:p>
+            <a:pPr marL="0" indent="0">
+              <a:buNone/>
+            </a:pPr>
+            <a:endParaRPr lang="en-US" altLang="zh-CN" dirty="0">
+              <a:latin typeface="黑体" panose="02010609060101010101" pitchFamily="49" charset="-122"/>
+              <a:ea typeface="黑体" panose="02010609060101010101" pitchFamily="49" charset="-122"/>
+            </a:endParaRPr>
+          </a:p>
+          <a:p>
+            <a:pPr marL="0" indent="0">
+              <a:buNone/>
+            </a:pPr>
+            <a:endParaRPr lang="en-US" altLang="zh-CN" dirty="0" smtClean="0">
+              <a:latin typeface="黑体" panose="02010609060101010101" pitchFamily="49" charset="-122"/>
+              <a:ea typeface="黑体" panose="02010609060101010101" pitchFamily="49" charset="-122"/>
+            </a:endParaRPr>
+          </a:p>
+        </p:txBody>
+      </p:sp>
+      <p:pic>
+        <p:nvPicPr>
+          <p:cNvPr id="5" name="图片 4"/>
+          <p:cNvPicPr>
+            <a:picLocks noChangeAspect="1"/>
+          </p:cNvPicPr>
+          <p:nvPr/>
+        </p:nvPicPr>
+        <p:blipFill>
+          <a:blip r:embed="rId2"/>
+          <a:stretch>
+            <a:fillRect/>
+          </a:stretch>
+        </p:blipFill>
+        <p:spPr>
+          <a:xfrm>
+            <a:off x="2533381" y="4004071"/>
+            <a:ext cx="6219579" cy="2174017"/>
+          </a:xfrm>
+          <a:prstGeom prst="rect">
+            <a:avLst/>
+          </a:prstGeom>
+        </p:spPr>
+      </p:pic>
+    </p:spTree>
+    <p:extLst>
+      <p:ext uri="{BB962C8B-B14F-4D97-AF65-F5344CB8AC3E}">
+        <p14:creationId xmlns:p14="http://schemas.microsoft.com/office/powerpoint/2010/main" val="1396711621"/>
+      </p:ext>
+    </p:extLst>
+  </p:cSld>
+  <p:clrMapOvr>
+    <a:masterClrMapping/>
+  </p:clrMapOvr>
+</p:sld>
+</file>
+
+<file path=ppt/slides/slide9.xml><?xml version="1.0" encoding="utf-8"?>
+<p:sld xmlns:a="http://schemas.openxmlformats.org/drawingml/2006/main" xmlns:r="http://schemas.openxmlformats.org/officeDocument/2006/relationships" xmlns:p="http://schemas.openxmlformats.org/presentationml/2006/main">
+  <p:cSld>
+    <p:spTree>
+      <p:nvGrpSpPr>
+        <p:cNvPr id="1" name=""/>
+        <p:cNvGrpSpPr/>
+        <p:nvPr/>
+      </p:nvGrpSpPr>
+      <p:grpSpPr>
+        <a:xfrm>
+          <a:off x="0" y="0"/>
+          <a:ext cx="0" cy="0"/>
+          <a:chOff x="0" y="0"/>
+          <a:chExt cx="0" cy="0"/>
+        </a:xfrm>
+      </p:grpSpPr>
+      <p:sp>
+        <p:nvSpPr>
+          <p:cNvPr id="2" name="标题 1"/>
+          <p:cNvSpPr>
+            <a:spLocks noGrp="1"/>
+          </p:cNvSpPr>
+          <p:nvPr>
+            <p:ph type="title"/>
+          </p:nvPr>
+        </p:nvSpPr>
+        <p:spPr>
+          <a:xfrm>
+            <a:off x="554864" y="140124"/>
+            <a:ext cx="10515600" cy="1325563"/>
+          </a:xfrm>
+        </p:spPr>
+        <p:txBody>
+          <a:bodyPr/>
+          <a:lstStyle/>
+          <a:p>
+            <a:r>
+              <a:rPr lang="zh-CN" altLang="en-US" dirty="0" smtClean="0">
+                <a:solidFill>
+                  <a:srgbClr val="FF0000"/>
+                </a:solidFill>
+                <a:latin typeface="黑体" panose="02010609060101010101" pitchFamily="49" charset="-122"/>
+                <a:ea typeface="黑体" panose="02010609060101010101" pitchFamily="49" charset="-122"/>
+              </a:rPr>
+              <a:t>两种预测方式：公式预测</a:t>
+            </a:r>
+            <a:endParaRPr lang="zh-CN" altLang="en-US" dirty="0">
+              <a:solidFill>
+                <a:srgbClr val="FF0000"/>
+              </a:solidFill>
+              <a:latin typeface="黑体" panose="02010609060101010101" pitchFamily="49" charset="-122"/>
+              <a:ea typeface="黑体" panose="02010609060101010101" pitchFamily="49" charset="-122"/>
+            </a:endParaRPr>
+          </a:p>
+        </p:txBody>
+      </p:sp>
+      <p:sp>
+        <p:nvSpPr>
+          <p:cNvPr id="3" name="内容占位符 2"/>
+          <p:cNvSpPr>
+            <a:spLocks noGrp="1"/>
+          </p:cNvSpPr>
+          <p:nvPr>
+            <p:ph idx="1"/>
+          </p:nvPr>
+        </p:nvSpPr>
+        <p:spPr>
+          <a:xfrm>
+            <a:off x="463640" y="1339403"/>
+            <a:ext cx="5190186" cy="4837560"/>
+          </a:xfrm>
+        </p:spPr>
+        <p:txBody>
+          <a:bodyPr/>
+          <a:lstStyle/>
+          <a:p>
+            <a:r>
+              <a:rPr lang="en-US" altLang="zh-CN" dirty="0" smtClean="0"/>
+              <a:t>1</a:t>
+            </a:r>
+            <a:r>
+              <a:rPr lang="zh-CN" altLang="en-US" dirty="0" smtClean="0"/>
+              <a:t>、将股票预测结果分类，得出三种结果，涨跌平</a:t>
+            </a:r>
+            <a:endParaRPr lang="en-US" altLang="zh-CN" dirty="0" smtClean="0"/>
+          </a:p>
+          <a:p>
+            <a:r>
+              <a:rPr lang="en-US" altLang="zh-CN" dirty="0" smtClean="0"/>
+              <a:t>2</a:t>
+            </a:r>
+            <a:r>
+              <a:rPr lang="zh-CN" altLang="en-US" dirty="0" smtClean="0"/>
+              <a:t>、所以这</a:t>
+            </a:r>
+            <a:r>
+              <a:rPr lang="zh-CN" altLang="en-US" dirty="0"/>
+              <a:t>是一</a:t>
+            </a:r>
+            <a:r>
+              <a:rPr lang="zh-CN" altLang="en-US" dirty="0" smtClean="0"/>
+              <a:t>个二分类问题，结合以上论述可得右侧公式</a:t>
+            </a:r>
+            <a:endParaRPr lang="en-US" altLang="zh-CN" dirty="0" smtClean="0"/>
+          </a:p>
+          <a:p>
+            <a:r>
+              <a:rPr lang="en-US" altLang="zh-CN" dirty="0" smtClean="0"/>
+              <a:t>3</a:t>
+            </a:r>
+            <a:r>
+              <a:rPr lang="zh-CN" altLang="en-US" smtClean="0"/>
+              <a:t>、主要是通过随机，凑出一个可以运行的公式。</a:t>
+            </a:r>
+            <a:endParaRPr lang="zh-CN" altLang="en-US" dirty="0"/>
+          </a:p>
+        </p:txBody>
+      </p:sp>
+      <p:pic>
+        <p:nvPicPr>
+          <p:cNvPr id="5" name="图片 4"/>
+          <p:cNvPicPr>
+            <a:picLocks noChangeAspect="1"/>
+          </p:cNvPicPr>
+          <p:nvPr/>
+        </p:nvPicPr>
+        <p:blipFill>
+          <a:blip r:embed="rId2"/>
+          <a:stretch>
+            <a:fillRect/>
+          </a:stretch>
+        </p:blipFill>
+        <p:spPr>
+          <a:xfrm>
+            <a:off x="5653826" y="1704815"/>
+            <a:ext cx="5951246" cy="1197735"/>
+          </a:xfrm>
+          <a:prstGeom prst="rect">
+            <a:avLst/>
+          </a:prstGeom>
+        </p:spPr>
+      </p:pic>
+      <p:pic>
+        <p:nvPicPr>
+          <p:cNvPr id="6" name="图片 5"/>
+          <p:cNvPicPr>
+            <a:picLocks noChangeAspect="1"/>
+          </p:cNvPicPr>
+          <p:nvPr/>
+        </p:nvPicPr>
+        <p:blipFill rotWithShape="1">
+          <a:blip r:embed="rId3"/>
+          <a:srcRect l="9152"/>
+          <a:stretch/>
+        </p:blipFill>
+        <p:spPr>
+          <a:xfrm>
+            <a:off x="6456273" y="3321549"/>
+            <a:ext cx="4346352" cy="2436415"/>
+          </a:xfrm>
+          <a:prstGeom prst="rect">
+            <a:avLst/>
+          </a:prstGeom>
+        </p:spPr>
+      </p:pic>
+    </p:spTree>
+    <p:extLst>
+      <p:ext uri="{BB962C8B-B14F-4D97-AF65-F5344CB8AC3E}">
+        <p14:creationId xmlns:p14="http://schemas.microsoft.com/office/powerpoint/2010/main" val="3875925042"/>
       </p:ext>
     </p:extLst>
   </p:cSld>

--- a/doc/股票分析预测系统.pptx
+++ b/doc/股票分析预测系统.pptx
@@ -3408,14 +3408,7 @@
                 <a:latin typeface="黑体" panose="02010609060101010101" pitchFamily="49" charset="-122"/>
                 <a:ea typeface="黑体" panose="02010609060101010101" pitchFamily="49" charset="-122"/>
               </a:rPr>
-              <a:t>分析是否能用计算</a:t>
-            </a:r>
-            <a:r>
-              <a:rPr lang="zh-CN" altLang="en-US" dirty="0" smtClean="0">
-                <a:latin typeface="黑体" panose="02010609060101010101" pitchFamily="49" charset="-122"/>
-                <a:ea typeface="黑体" panose="02010609060101010101" pitchFamily="49" charset="-122"/>
-              </a:rPr>
-              <a:t>机</a:t>
+              <a:t>分析是否能用计算机</a:t>
             </a:r>
             <a:r>
               <a:rPr lang="zh-CN" altLang="en-US" sz="3200" dirty="0" smtClean="0">
@@ -3425,7 +3418,24 @@
                 <a:latin typeface="黑体" panose="02010609060101010101" pitchFamily="49" charset="-122"/>
                 <a:ea typeface="黑体" panose="02010609060101010101" pitchFamily="49" charset="-122"/>
               </a:rPr>
-              <a:t>分析</a:t>
+              <a:t>分析预</a:t>
+            </a:r>
+            <a:r>
+              <a:rPr lang="zh-CN" altLang="en-US" sz="3200" dirty="0">
+                <a:solidFill>
+                  <a:srgbClr val="FF0000"/>
+                </a:solidFill>
+                <a:latin typeface="黑体" panose="02010609060101010101" pitchFamily="49" charset="-122"/>
+                <a:ea typeface="黑体" panose="02010609060101010101" pitchFamily="49" charset="-122"/>
+              </a:rPr>
+              <a:t>测</a:t>
+            </a:r>
+            <a:r>
+              <a:rPr lang="zh-CN" altLang="en-US" dirty="0" smtClean="0">
+                <a:latin typeface="黑体" panose="02010609060101010101" pitchFamily="49" charset="-122"/>
+                <a:ea typeface="黑体" panose="02010609060101010101" pitchFamily="49" charset="-122"/>
+              </a:rPr>
+              <a:t>或给出</a:t>
             </a:r>
             <a:r>
               <a:rPr lang="zh-CN" altLang="en-US" sz="3200" dirty="0" smtClean="0">
@@ -3435,44 +3445,7 @@
                 <a:latin typeface="黑体" panose="02010609060101010101" pitchFamily="49" charset="-122"/>
                 <a:ea typeface="黑体" panose="02010609060101010101" pitchFamily="49" charset="-122"/>
               </a:rPr>
-              <a:t>预</a:t>
-            </a:r>
-            <a:r>
-              <a:rPr lang="zh-CN" altLang="en-US" sz="3200" dirty="0">
-                <a:solidFill>
-                  <a:srgbClr val="FF0000"/>
-                </a:solidFill>
-                <a:latin typeface="黑体" panose="02010609060101010101" pitchFamily="49" charset="-122"/>
-                <a:ea typeface="黑体" panose="02010609060101010101" pitchFamily="49" charset="-122"/>
-              </a:rPr>
-              <a:t>测</a:t>
-            </a:r>
-            <a:r>
-              <a:rPr lang="zh-CN" altLang="en-US" dirty="0" smtClean="0">
-                <a:latin typeface="黑体" panose="02010609060101010101" pitchFamily="49" charset="-122"/>
-                <a:ea typeface="黑体" panose="02010609060101010101" pitchFamily="49" charset="-122"/>
-              </a:rPr>
-              <a:t>或给出</a:t>
-            </a:r>
-            <a:r>
-              <a:rPr lang="zh-CN" altLang="en-US" sz="3200" dirty="0" smtClean="0">
-                <a:solidFill>
-                  <a:srgbClr val="FF0000"/>
-                </a:solidFill>
-                <a:latin typeface="黑体" panose="02010609060101010101" pitchFamily="49" charset="-122"/>
-                <a:ea typeface="黑体" panose="02010609060101010101" pitchFamily="49" charset="-122"/>
-              </a:rPr>
-              <a:t>提</a:t>
-            </a:r>
-            <a:r>
-              <a:rPr lang="zh-CN" altLang="en-US" sz="3200" dirty="0" smtClean="0">
-                <a:solidFill>
-                  <a:srgbClr val="FF0000"/>
-                </a:solidFill>
-                <a:latin typeface="黑体" panose="02010609060101010101" pitchFamily="49" charset="-122"/>
-                <a:ea typeface="黑体" panose="02010609060101010101" pitchFamily="49" charset="-122"/>
-              </a:rPr>
-              <a:t>示</a:t>
+              <a:t>提示</a:t>
             </a:r>
             <a:r>
               <a:rPr lang="zh-CN" altLang="en-US" dirty="0" smtClean="0">
@@ -3606,14 +3579,7 @@
                 <a:latin typeface="黑体" panose="02010609060101010101" pitchFamily="49" charset="-122"/>
                 <a:ea typeface="黑体" panose="02010609060101010101" pitchFamily="49" charset="-122"/>
               </a:rPr>
-              <a:t>模块</a:t>
-            </a:r>
-            <a:r>
-              <a:rPr lang="zh-CN" altLang="en-US" dirty="0" smtClean="0">
-                <a:latin typeface="黑体" panose="02010609060101010101" pitchFamily="49" charset="-122"/>
-                <a:ea typeface="黑体" panose="02010609060101010101" pitchFamily="49" charset="-122"/>
-              </a:rPr>
-              <a:t>（对于预测数据进行计算，得出预测模型）</a:t>
+              <a:t>模块（对于预测数据进行计算，得出预测模型）</a:t>
             </a:r>
             <a:endParaRPr lang="en-US" altLang="zh-CN" dirty="0" smtClean="0">
               <a:latin typeface="黑体" panose="02010609060101010101" pitchFamily="49" charset="-122"/>
@@ -5571,7 +5537,7 @@
         </p:nvSpPr>
         <p:spPr>
           <a:xfrm>
-            <a:off x="463640" y="1339403"/>
+            <a:off x="622478" y="1704815"/>
             <a:ext cx="5190186" cy="4837560"/>
           </a:xfrm>
         </p:spPr>
@@ -5580,44 +5546,105 @@
           <a:lstStyle/>
           <a:p>
             <a:r>
-              <a:rPr lang="en-US" altLang="zh-CN" dirty="0" smtClean="0"/>
+              <a:rPr lang="en-US" altLang="zh-CN" dirty="0" smtClean="0">
+                <a:latin typeface="黑体" panose="02010609060101010101" pitchFamily="49" charset="-122"/>
+                <a:ea typeface="黑体" panose="02010609060101010101" pitchFamily="49" charset="-122"/>
+              </a:rPr>
               <a:t>1</a:t>
             </a:r>
             <a:r>
-              <a:rPr lang="zh-CN" altLang="en-US" dirty="0" smtClean="0"/>
+              <a:rPr lang="zh-CN" altLang="en-US" dirty="0" smtClean="0">
+                <a:latin typeface="黑体" panose="02010609060101010101" pitchFamily="49" charset="-122"/>
+                <a:ea typeface="黑体" panose="02010609060101010101" pitchFamily="49" charset="-122"/>
+              </a:rPr>
               <a:t>、将股票预测结果分类，得出三种结果，涨跌平</a:t>
             </a:r>
-            <a:endParaRPr lang="en-US" altLang="zh-CN" dirty="0" smtClean="0"/>
-          </a:p>
-          <a:p>
-            <a:r>
-              <a:rPr lang="en-US" altLang="zh-CN" dirty="0" smtClean="0"/>
+            <a:endParaRPr lang="en-US" altLang="zh-CN" dirty="0" smtClean="0">
+              <a:latin typeface="黑体" panose="02010609060101010101" pitchFamily="49" charset="-122"/>
+              <a:ea typeface="黑体" panose="02010609060101010101" pitchFamily="49" charset="-122"/>
+            </a:endParaRPr>
+          </a:p>
+          <a:p>
+            <a:r>
+              <a:rPr lang="en-US" altLang="zh-CN" dirty="0" smtClean="0">
+                <a:latin typeface="黑体" panose="02010609060101010101" pitchFamily="49" charset="-122"/>
+                <a:ea typeface="黑体" panose="02010609060101010101" pitchFamily="49" charset="-122"/>
+              </a:rPr>
               <a:t>2</a:t>
             </a:r>
             <a:r>
-              <a:rPr lang="zh-CN" altLang="en-US" dirty="0" smtClean="0"/>
+              <a:rPr lang="zh-CN" altLang="en-US" dirty="0" smtClean="0">
+                <a:latin typeface="黑体" panose="02010609060101010101" pitchFamily="49" charset="-122"/>
+                <a:ea typeface="黑体" panose="02010609060101010101" pitchFamily="49" charset="-122"/>
+              </a:rPr>
               <a:t>、所以这</a:t>
             </a:r>
             <a:r>
-              <a:rPr lang="zh-CN" altLang="en-US" dirty="0"/>
+              <a:rPr lang="zh-CN" altLang="en-US" dirty="0">
+                <a:latin typeface="黑体" panose="02010609060101010101" pitchFamily="49" charset="-122"/>
+                <a:ea typeface="黑体" panose="02010609060101010101" pitchFamily="49" charset="-122"/>
+              </a:rPr>
               <a:t>是一</a:t>
             </a:r>
             <a:r>
-              <a:rPr lang="zh-CN" altLang="en-US" dirty="0" smtClean="0"/>
+              <a:rPr lang="zh-CN" altLang="en-US" dirty="0" smtClean="0">
+                <a:latin typeface="黑体" panose="02010609060101010101" pitchFamily="49" charset="-122"/>
+                <a:ea typeface="黑体" panose="02010609060101010101" pitchFamily="49" charset="-122"/>
+              </a:rPr>
               <a:t>个二分类问题，结合以上论述可得右侧公式</a:t>
             </a:r>
-            <a:endParaRPr lang="en-US" altLang="zh-CN" dirty="0" smtClean="0"/>
-          </a:p>
-          <a:p>
-            <a:r>
-              <a:rPr lang="en-US" altLang="zh-CN" dirty="0" smtClean="0"/>
+            <a:endParaRPr lang="en-US" altLang="zh-CN" dirty="0" smtClean="0">
+              <a:latin typeface="黑体" panose="02010609060101010101" pitchFamily="49" charset="-122"/>
+              <a:ea typeface="黑体" panose="02010609060101010101" pitchFamily="49" charset="-122"/>
+            </a:endParaRPr>
+          </a:p>
+          <a:p>
+            <a:r>
+              <a:rPr lang="en-US" altLang="zh-CN" dirty="0" smtClean="0">
+                <a:latin typeface="黑体" panose="02010609060101010101" pitchFamily="49" charset="-122"/>
+                <a:ea typeface="黑体" panose="02010609060101010101" pitchFamily="49" charset="-122"/>
+              </a:rPr>
               <a:t>3</a:t>
             </a:r>
             <a:r>
-              <a:rPr lang="zh-CN" altLang="en-US" smtClean="0"/>
-              <a:t>、主要是通过随机，凑出一个可以运行的公式。</a:t>
-            </a:r>
-            <a:endParaRPr lang="zh-CN" altLang="en-US" dirty="0"/>
+              <a:rPr lang="zh-CN" altLang="en-US" dirty="0" smtClean="0">
+                <a:latin typeface="黑体" panose="02010609060101010101" pitchFamily="49" charset="-122"/>
+                <a:ea typeface="黑体" panose="02010609060101010101" pitchFamily="49" charset="-122"/>
+              </a:rPr>
+              <a:t>、主要是通过随机</a:t>
+            </a:r>
+            <a:r>
+              <a:rPr lang="zh-CN" altLang="en-US" dirty="0" smtClean="0">
+                <a:latin typeface="黑体" panose="02010609060101010101" pitchFamily="49" charset="-122"/>
+                <a:ea typeface="黑体" panose="02010609060101010101" pitchFamily="49" charset="-122"/>
+              </a:rPr>
+              <a:t>，</a:t>
+            </a:r>
+            <a:r>
+              <a:rPr lang="zh-CN" altLang="en-US" dirty="0">
+                <a:latin typeface="黑体" panose="02010609060101010101" pitchFamily="49" charset="-122"/>
+                <a:ea typeface="黑体" panose="02010609060101010101" pitchFamily="49" charset="-122"/>
+              </a:rPr>
+              <a:t>得</a:t>
+            </a:r>
+            <a:r>
+              <a:rPr lang="zh-CN" altLang="en-US" dirty="0" smtClean="0">
+                <a:latin typeface="黑体" panose="02010609060101010101" pitchFamily="49" charset="-122"/>
+                <a:ea typeface="黑体" panose="02010609060101010101" pitchFamily="49" charset="-122"/>
+              </a:rPr>
+              <a:t>出可以得到的答案</a:t>
+            </a:r>
+            <a:r>
+              <a:rPr lang="zh-CN" altLang="en-US" dirty="0" smtClean="0">
+                <a:latin typeface="黑体" panose="02010609060101010101" pitchFamily="49" charset="-122"/>
+                <a:ea typeface="黑体" panose="02010609060101010101" pitchFamily="49" charset="-122"/>
+              </a:rPr>
+              <a:t>。</a:t>
+            </a:r>
+            <a:endParaRPr lang="zh-CN" altLang="en-US" dirty="0">
+              <a:latin typeface="黑体" panose="02010609060101010101" pitchFamily="49" charset="-122"/>
+              <a:ea typeface="黑体" panose="02010609060101010101" pitchFamily="49" charset="-122"/>
+            </a:endParaRPr>
           </a:p>
         </p:txBody>
       </p:sp>

--- a/doc/股票分析预测系统.pptx
+++ b/doc/股票分析预测系统.pptx
@@ -9,11 +9,20 @@
     <p:sldId id="257" r:id="rId3"/>
     <p:sldId id="258" r:id="rId4"/>
     <p:sldId id="259" r:id="rId5"/>
-    <p:sldId id="260" r:id="rId6"/>
-    <p:sldId id="261" r:id="rId7"/>
-    <p:sldId id="262" r:id="rId8"/>
-    <p:sldId id="263" r:id="rId9"/>
-    <p:sldId id="264" r:id="rId10"/>
+    <p:sldId id="268" r:id="rId6"/>
+    <p:sldId id="260" r:id="rId7"/>
+    <p:sldId id="261" r:id="rId8"/>
+    <p:sldId id="262" r:id="rId9"/>
+    <p:sldId id="263" r:id="rId10"/>
+    <p:sldId id="264" r:id="rId11"/>
+    <p:sldId id="267" r:id="rId12"/>
+    <p:sldId id="265" r:id="rId13"/>
+    <p:sldId id="266" r:id="rId14"/>
+    <p:sldId id="269" r:id="rId15"/>
+    <p:sldId id="270" r:id="rId16"/>
+    <p:sldId id="271" r:id="rId17"/>
+    <p:sldId id="272" r:id="rId18"/>
+    <p:sldId id="273" r:id="rId19"/>
   </p:sldIdLst>
   <p:sldSz cx="12192000" cy="6858000"/>
   <p:notesSz cx="6858000" cy="9144000"/>
@@ -3131,8 +3140,8 @@
         </p:nvSpPr>
         <p:spPr>
           <a:xfrm>
-            <a:off x="4052451" y="1162051"/>
-            <a:ext cx="3883232" cy="646331"/>
+            <a:off x="2908714" y="1133973"/>
+            <a:ext cx="6170706" cy="646331"/>
           </a:xfrm>
           <a:prstGeom prst="rect">
             <a:avLst/>
@@ -3154,7 +3163,17 @@
                 <a:latin typeface="黑体" panose="02010609060101010101" pitchFamily="49" charset="-122"/>
                 <a:ea typeface="黑体" panose="02010609060101010101" pitchFamily="49" charset="-122"/>
               </a:rPr>
-              <a:t>毕业设计答辩</a:t>
+              <a:t>毕业设计</a:t>
+            </a:r>
+            <a:r>
+              <a:rPr lang="zh-CN" altLang="en-US" sz="3600" dirty="0" smtClean="0">
+                <a:solidFill>
+                  <a:srgbClr val="FF0000"/>
+                </a:solidFill>
+                <a:latin typeface="黑体" panose="02010609060101010101" pitchFamily="49" charset="-122"/>
+                <a:ea typeface="黑体" panose="02010609060101010101" pitchFamily="49" charset="-122"/>
+              </a:rPr>
+              <a:t>答辩</a:t>
             </a:r>
             <a:endParaRPr lang="zh-CN" altLang="en-US" sz="3600" dirty="0">
               <a:solidFill>
@@ -3166,10 +3185,2309 @@
           </a:p>
         </p:txBody>
       </p:sp>
+      <p:pic>
+        <p:nvPicPr>
+          <p:cNvPr id="3" name="图片 2"/>
+          <p:cNvPicPr>
+            <a:picLocks noChangeAspect="1"/>
+          </p:cNvPicPr>
+          <p:nvPr/>
+        </p:nvPicPr>
+        <p:blipFill>
+          <a:blip r:embed="rId2">
+            <a:extLst>
+              <a:ext uri="{28A0092B-C50C-407E-A947-70E740481C1C}">
+                <a14:useLocalDpi xmlns:a14="http://schemas.microsoft.com/office/drawing/2010/main" val="0"/>
+              </a:ext>
+            </a:extLst>
+          </a:blip>
+          <a:stretch>
+            <a:fillRect/>
+          </a:stretch>
+        </p:blipFill>
+        <p:spPr>
+          <a:xfrm>
+            <a:off x="10569147" y="247335"/>
+            <a:ext cx="1350574" cy="1336506"/>
+          </a:xfrm>
+          <a:prstGeom prst="rect">
+            <a:avLst/>
+          </a:prstGeom>
+        </p:spPr>
+      </p:pic>
     </p:spTree>
     <p:extLst>
       <p:ext uri="{BB962C8B-B14F-4D97-AF65-F5344CB8AC3E}">
         <p14:creationId xmlns:p14="http://schemas.microsoft.com/office/powerpoint/2010/main" val="3189788702"/>
+      </p:ext>
+    </p:extLst>
+  </p:cSld>
+  <p:clrMapOvr>
+    <a:masterClrMapping/>
+  </p:clrMapOvr>
+</p:sld>
+</file>
+
+<file path=ppt/slides/slide10.xml><?xml version="1.0" encoding="utf-8"?>
+<p:sld xmlns:a="http://schemas.openxmlformats.org/drawingml/2006/main" xmlns:r="http://schemas.openxmlformats.org/officeDocument/2006/relationships" xmlns:p="http://schemas.openxmlformats.org/presentationml/2006/main">
+  <p:cSld>
+    <p:spTree>
+      <p:nvGrpSpPr>
+        <p:cNvPr id="1" name=""/>
+        <p:cNvGrpSpPr/>
+        <p:nvPr/>
+      </p:nvGrpSpPr>
+      <p:grpSpPr>
+        <a:xfrm>
+          <a:off x="0" y="0"/>
+          <a:ext cx="0" cy="0"/>
+          <a:chOff x="0" y="0"/>
+          <a:chExt cx="0" cy="0"/>
+        </a:xfrm>
+      </p:grpSpPr>
+      <p:sp>
+        <p:nvSpPr>
+          <p:cNvPr id="2" name="标题 1"/>
+          <p:cNvSpPr>
+            <a:spLocks noGrp="1"/>
+          </p:cNvSpPr>
+          <p:nvPr>
+            <p:ph type="title"/>
+          </p:nvPr>
+        </p:nvSpPr>
+        <p:spPr>
+          <a:xfrm>
+            <a:off x="554864" y="140124"/>
+            <a:ext cx="10515600" cy="1325563"/>
+          </a:xfrm>
+        </p:spPr>
+        <p:txBody>
+          <a:bodyPr/>
+          <a:lstStyle/>
+          <a:p>
+            <a:r>
+              <a:rPr lang="zh-CN" altLang="en-US" dirty="0" smtClean="0">
+                <a:solidFill>
+                  <a:srgbClr val="FF0000"/>
+                </a:solidFill>
+                <a:latin typeface="黑体" panose="02010609060101010101" pitchFamily="49" charset="-122"/>
+                <a:ea typeface="黑体" panose="02010609060101010101" pitchFamily="49" charset="-122"/>
+              </a:rPr>
+              <a:t>两种预测方式：公式预测</a:t>
+            </a:r>
+            <a:endParaRPr lang="zh-CN" altLang="en-US" dirty="0">
+              <a:solidFill>
+                <a:srgbClr val="FF0000"/>
+              </a:solidFill>
+              <a:latin typeface="黑体" panose="02010609060101010101" pitchFamily="49" charset="-122"/>
+              <a:ea typeface="黑体" panose="02010609060101010101" pitchFamily="49" charset="-122"/>
+            </a:endParaRPr>
+          </a:p>
+        </p:txBody>
+      </p:sp>
+      <p:sp>
+        <p:nvSpPr>
+          <p:cNvPr id="3" name="内容占位符 2"/>
+          <p:cNvSpPr>
+            <a:spLocks noGrp="1"/>
+          </p:cNvSpPr>
+          <p:nvPr>
+            <p:ph idx="1"/>
+          </p:nvPr>
+        </p:nvSpPr>
+        <p:spPr>
+          <a:xfrm>
+            <a:off x="622478" y="1704815"/>
+            <a:ext cx="5190186" cy="4837560"/>
+          </a:xfrm>
+        </p:spPr>
+        <p:txBody>
+          <a:bodyPr/>
+          <a:lstStyle/>
+          <a:p>
+            <a:r>
+              <a:rPr lang="en-US" altLang="zh-CN" dirty="0" smtClean="0">
+                <a:latin typeface="黑体" panose="02010609060101010101" pitchFamily="49" charset="-122"/>
+                <a:ea typeface="黑体" panose="02010609060101010101" pitchFamily="49" charset="-122"/>
+              </a:rPr>
+              <a:t>1</a:t>
+            </a:r>
+            <a:r>
+              <a:rPr lang="zh-CN" altLang="en-US" dirty="0" smtClean="0">
+                <a:latin typeface="黑体" panose="02010609060101010101" pitchFamily="49" charset="-122"/>
+                <a:ea typeface="黑体" panose="02010609060101010101" pitchFamily="49" charset="-122"/>
+              </a:rPr>
+              <a:t>、将股票预测结果分类，得出三种结果，</a:t>
+            </a:r>
+            <a:r>
+              <a:rPr lang="zh-CN" altLang="en-US" dirty="0" smtClean="0">
+                <a:solidFill>
+                  <a:srgbClr val="FF0000"/>
+                </a:solidFill>
+                <a:latin typeface="黑体" panose="02010609060101010101" pitchFamily="49" charset="-122"/>
+                <a:ea typeface="黑体" panose="02010609060101010101" pitchFamily="49" charset="-122"/>
+              </a:rPr>
+              <a:t>涨跌平</a:t>
+            </a:r>
+            <a:endParaRPr lang="en-US" altLang="zh-CN" dirty="0" smtClean="0">
+              <a:solidFill>
+                <a:srgbClr val="FF0000"/>
+              </a:solidFill>
+              <a:latin typeface="黑体" panose="02010609060101010101" pitchFamily="49" charset="-122"/>
+              <a:ea typeface="黑体" panose="02010609060101010101" pitchFamily="49" charset="-122"/>
+            </a:endParaRPr>
+          </a:p>
+          <a:p>
+            <a:r>
+              <a:rPr lang="en-US" altLang="zh-CN" dirty="0" smtClean="0">
+                <a:latin typeface="黑体" panose="02010609060101010101" pitchFamily="49" charset="-122"/>
+                <a:ea typeface="黑体" panose="02010609060101010101" pitchFamily="49" charset="-122"/>
+              </a:rPr>
+              <a:t>2</a:t>
+            </a:r>
+            <a:r>
+              <a:rPr lang="zh-CN" altLang="en-US" dirty="0" smtClean="0">
+                <a:latin typeface="黑体" panose="02010609060101010101" pitchFamily="49" charset="-122"/>
+                <a:ea typeface="黑体" panose="02010609060101010101" pitchFamily="49" charset="-122"/>
+              </a:rPr>
+              <a:t>、所以这</a:t>
+            </a:r>
+            <a:r>
+              <a:rPr lang="zh-CN" altLang="en-US" dirty="0">
+                <a:latin typeface="黑体" panose="02010609060101010101" pitchFamily="49" charset="-122"/>
+                <a:ea typeface="黑体" panose="02010609060101010101" pitchFamily="49" charset="-122"/>
+              </a:rPr>
+              <a:t>是一</a:t>
+            </a:r>
+            <a:r>
+              <a:rPr lang="zh-CN" altLang="en-US" dirty="0" smtClean="0">
+                <a:latin typeface="黑体" panose="02010609060101010101" pitchFamily="49" charset="-122"/>
+                <a:ea typeface="黑体" panose="02010609060101010101" pitchFamily="49" charset="-122"/>
+              </a:rPr>
+              <a:t>个</a:t>
+            </a:r>
+            <a:r>
+              <a:rPr lang="zh-CN" altLang="en-US" dirty="0" smtClean="0">
+                <a:solidFill>
+                  <a:srgbClr val="FF0000"/>
+                </a:solidFill>
+                <a:latin typeface="黑体" panose="02010609060101010101" pitchFamily="49" charset="-122"/>
+                <a:ea typeface="黑体" panose="02010609060101010101" pitchFamily="49" charset="-122"/>
+              </a:rPr>
+              <a:t>二分类问题</a:t>
+            </a:r>
+            <a:r>
+              <a:rPr lang="zh-CN" altLang="en-US" dirty="0" smtClean="0">
+                <a:latin typeface="黑体" panose="02010609060101010101" pitchFamily="49" charset="-122"/>
+                <a:ea typeface="黑体" panose="02010609060101010101" pitchFamily="49" charset="-122"/>
+              </a:rPr>
+              <a:t>，结合以上论述可得右侧公式</a:t>
+            </a:r>
+            <a:endParaRPr lang="en-US" altLang="zh-CN" dirty="0" smtClean="0">
+              <a:latin typeface="黑体" panose="02010609060101010101" pitchFamily="49" charset="-122"/>
+              <a:ea typeface="黑体" panose="02010609060101010101" pitchFamily="49" charset="-122"/>
+            </a:endParaRPr>
+          </a:p>
+          <a:p>
+            <a:r>
+              <a:rPr lang="en-US" altLang="zh-CN" dirty="0" smtClean="0">
+                <a:latin typeface="黑体" panose="02010609060101010101" pitchFamily="49" charset="-122"/>
+                <a:ea typeface="黑体" panose="02010609060101010101" pitchFamily="49" charset="-122"/>
+              </a:rPr>
+              <a:t>3</a:t>
+            </a:r>
+            <a:r>
+              <a:rPr lang="zh-CN" altLang="en-US" dirty="0" smtClean="0">
+                <a:latin typeface="黑体" panose="02010609060101010101" pitchFamily="49" charset="-122"/>
+                <a:ea typeface="黑体" panose="02010609060101010101" pitchFamily="49" charset="-122"/>
+              </a:rPr>
+              <a:t>、主要是通过随机，</a:t>
+            </a:r>
+            <a:r>
+              <a:rPr lang="zh-CN" altLang="en-US" dirty="0">
+                <a:latin typeface="黑体" panose="02010609060101010101" pitchFamily="49" charset="-122"/>
+                <a:ea typeface="黑体" panose="02010609060101010101" pitchFamily="49" charset="-122"/>
+              </a:rPr>
+              <a:t>得</a:t>
+            </a:r>
+            <a:r>
+              <a:rPr lang="zh-CN" altLang="en-US" dirty="0" smtClean="0">
+                <a:latin typeface="黑体" panose="02010609060101010101" pitchFamily="49" charset="-122"/>
+                <a:ea typeface="黑体" panose="02010609060101010101" pitchFamily="49" charset="-122"/>
+              </a:rPr>
+              <a:t>出可以得到的答案</a:t>
+            </a:r>
+            <a:r>
+              <a:rPr lang="zh-CN" altLang="en-US" dirty="0" smtClean="0">
+                <a:latin typeface="黑体" panose="02010609060101010101" pitchFamily="49" charset="-122"/>
+                <a:ea typeface="黑体" panose="02010609060101010101" pitchFamily="49" charset="-122"/>
+              </a:rPr>
+              <a:t>。</a:t>
+            </a:r>
+            <a:endParaRPr lang="en-US" altLang="zh-CN" dirty="0" smtClean="0">
+              <a:latin typeface="黑体" panose="02010609060101010101" pitchFamily="49" charset="-122"/>
+              <a:ea typeface="黑体" panose="02010609060101010101" pitchFamily="49" charset="-122"/>
+            </a:endParaRPr>
+          </a:p>
+        </p:txBody>
+      </p:sp>
+      <p:pic>
+        <p:nvPicPr>
+          <p:cNvPr id="5" name="图片 4"/>
+          <p:cNvPicPr>
+            <a:picLocks noChangeAspect="1"/>
+          </p:cNvPicPr>
+          <p:nvPr/>
+        </p:nvPicPr>
+        <p:blipFill>
+          <a:blip r:embed="rId2"/>
+          <a:stretch>
+            <a:fillRect/>
+          </a:stretch>
+        </p:blipFill>
+        <p:spPr>
+          <a:xfrm>
+            <a:off x="5653826" y="1704815"/>
+            <a:ext cx="5951246" cy="1197735"/>
+          </a:xfrm>
+          <a:prstGeom prst="rect">
+            <a:avLst/>
+          </a:prstGeom>
+        </p:spPr>
+      </p:pic>
+      <p:pic>
+        <p:nvPicPr>
+          <p:cNvPr id="6" name="图片 5"/>
+          <p:cNvPicPr>
+            <a:picLocks noChangeAspect="1"/>
+          </p:cNvPicPr>
+          <p:nvPr/>
+        </p:nvPicPr>
+        <p:blipFill rotWithShape="1">
+          <a:blip r:embed="rId3"/>
+          <a:srcRect l="9152"/>
+          <a:stretch/>
+        </p:blipFill>
+        <p:spPr>
+          <a:xfrm>
+            <a:off x="6456273" y="3321549"/>
+            <a:ext cx="4346352" cy="2436415"/>
+          </a:xfrm>
+          <a:prstGeom prst="rect">
+            <a:avLst/>
+          </a:prstGeom>
+        </p:spPr>
+      </p:pic>
+      <p:pic>
+        <p:nvPicPr>
+          <p:cNvPr id="8" name="图片 7"/>
+          <p:cNvPicPr>
+            <a:picLocks noChangeAspect="1"/>
+          </p:cNvPicPr>
+          <p:nvPr/>
+        </p:nvPicPr>
+        <p:blipFill>
+          <a:blip r:embed="rId4">
+            <a:extLst>
+              <a:ext uri="{28A0092B-C50C-407E-A947-70E740481C1C}">
+                <a14:useLocalDpi xmlns:a14="http://schemas.microsoft.com/office/drawing/2010/main" val="0"/>
+              </a:ext>
+            </a:extLst>
+          </a:blip>
+          <a:stretch>
+            <a:fillRect/>
+          </a:stretch>
+        </p:blipFill>
+        <p:spPr>
+          <a:xfrm>
+            <a:off x="10569147" y="247335"/>
+            <a:ext cx="1350574" cy="1336506"/>
+          </a:xfrm>
+          <a:prstGeom prst="rect">
+            <a:avLst/>
+          </a:prstGeom>
+        </p:spPr>
+      </p:pic>
+    </p:spTree>
+    <p:extLst>
+      <p:ext uri="{BB962C8B-B14F-4D97-AF65-F5344CB8AC3E}">
+        <p14:creationId xmlns:p14="http://schemas.microsoft.com/office/powerpoint/2010/main" val="3875925042"/>
+      </p:ext>
+    </p:extLst>
+  </p:cSld>
+  <p:clrMapOvr>
+    <a:masterClrMapping/>
+  </p:clrMapOvr>
+</p:sld>
+</file>
+
+<file path=ppt/slides/slide11.xml><?xml version="1.0" encoding="utf-8"?>
+<p:sld xmlns:a="http://schemas.openxmlformats.org/drawingml/2006/main" xmlns:r="http://schemas.openxmlformats.org/officeDocument/2006/relationships" xmlns:p="http://schemas.openxmlformats.org/presentationml/2006/main">
+  <p:cSld>
+    <p:spTree>
+      <p:nvGrpSpPr>
+        <p:cNvPr id="1" name=""/>
+        <p:cNvGrpSpPr/>
+        <p:nvPr/>
+      </p:nvGrpSpPr>
+      <p:grpSpPr>
+        <a:xfrm>
+          <a:off x="0" y="0"/>
+          <a:ext cx="0" cy="0"/>
+          <a:chOff x="0" y="0"/>
+          <a:chExt cx="0" cy="0"/>
+        </a:xfrm>
+      </p:grpSpPr>
+      <p:sp>
+        <p:nvSpPr>
+          <p:cNvPr id="2" name="标题 1"/>
+          <p:cNvSpPr>
+            <a:spLocks noGrp="1"/>
+          </p:cNvSpPr>
+          <p:nvPr>
+            <p:ph type="title"/>
+          </p:nvPr>
+        </p:nvSpPr>
+        <p:spPr/>
+        <p:txBody>
+          <a:bodyPr/>
+          <a:lstStyle/>
+          <a:p>
+            <a:r>
+              <a:rPr lang="zh-CN" altLang="en-US" dirty="0">
+                <a:solidFill>
+                  <a:srgbClr val="FF0000"/>
+                </a:solidFill>
+                <a:latin typeface="黑体" panose="02010609060101010101" pitchFamily="49" charset="-122"/>
+                <a:ea typeface="黑体" panose="02010609060101010101" pitchFamily="49" charset="-122"/>
+              </a:rPr>
+              <a:t>公式</a:t>
+            </a:r>
+            <a:r>
+              <a:rPr lang="zh-CN" altLang="en-US" dirty="0" smtClean="0">
+                <a:solidFill>
+                  <a:srgbClr val="FF0000"/>
+                </a:solidFill>
+                <a:latin typeface="黑体" panose="02010609060101010101" pitchFamily="49" charset="-122"/>
+                <a:ea typeface="黑体" panose="02010609060101010101" pitchFamily="49" charset="-122"/>
+              </a:rPr>
+              <a:t>预测</a:t>
+            </a:r>
+            <a:r>
+              <a:rPr lang="en-US" altLang="zh-CN" dirty="0" smtClean="0">
+                <a:solidFill>
+                  <a:srgbClr val="FF0000"/>
+                </a:solidFill>
+                <a:latin typeface="黑体" panose="02010609060101010101" pitchFamily="49" charset="-122"/>
+                <a:ea typeface="黑体" panose="02010609060101010101" pitchFamily="49" charset="-122"/>
+              </a:rPr>
+              <a:t>---------</a:t>
+            </a:r>
+            <a:r>
+              <a:rPr lang="zh-CN" altLang="en-US" dirty="0" smtClean="0">
+                <a:solidFill>
+                  <a:srgbClr val="FF0000"/>
+                </a:solidFill>
+                <a:latin typeface="黑体" panose="02010609060101010101" pitchFamily="49" charset="-122"/>
+                <a:ea typeface="黑体" panose="02010609060101010101" pitchFamily="49" charset="-122"/>
+              </a:rPr>
+              <a:t>结果</a:t>
+            </a:r>
+            <a:endParaRPr lang="zh-CN" altLang="en-US" dirty="0">
+              <a:solidFill>
+                <a:srgbClr val="FF0000"/>
+              </a:solidFill>
+              <a:latin typeface="黑体" panose="02010609060101010101" pitchFamily="49" charset="-122"/>
+              <a:ea typeface="黑体" panose="02010609060101010101" pitchFamily="49" charset="-122"/>
+            </a:endParaRPr>
+          </a:p>
+        </p:txBody>
+      </p:sp>
+      <p:sp>
+        <p:nvSpPr>
+          <p:cNvPr id="3" name="内容占位符 2"/>
+          <p:cNvSpPr>
+            <a:spLocks noGrp="1"/>
+          </p:cNvSpPr>
+          <p:nvPr>
+            <p:ph idx="1"/>
+          </p:nvPr>
+        </p:nvSpPr>
+        <p:spPr/>
+        <p:txBody>
+          <a:bodyPr/>
+          <a:lstStyle/>
+          <a:p>
+            <a:r>
+              <a:rPr lang="zh-CN" altLang="en-US" dirty="0" smtClean="0">
+                <a:latin typeface="黑体" panose="02010609060101010101" pitchFamily="49" charset="-122"/>
+                <a:ea typeface="黑体" panose="02010609060101010101" pitchFamily="49" charset="-122"/>
+              </a:rPr>
+              <a:t>经过累计超过</a:t>
+            </a:r>
+            <a:r>
+              <a:rPr lang="en-US" altLang="zh-CN" dirty="0" smtClean="0">
+                <a:latin typeface="黑体" panose="02010609060101010101" pitchFamily="49" charset="-122"/>
+                <a:ea typeface="黑体" panose="02010609060101010101" pitchFamily="49" charset="-122"/>
+              </a:rPr>
+              <a:t>3</a:t>
+            </a:r>
+            <a:r>
+              <a:rPr lang="zh-CN" altLang="en-US" dirty="0" smtClean="0">
+                <a:latin typeface="黑体" panose="02010609060101010101" pitchFamily="49" charset="-122"/>
+                <a:ea typeface="黑体" panose="02010609060101010101" pitchFamily="49" charset="-122"/>
+              </a:rPr>
+              <a:t>亿次运算，最终发现无法实现</a:t>
+            </a:r>
+            <a:endParaRPr lang="en-US" altLang="zh-CN" dirty="0" smtClean="0">
+              <a:latin typeface="黑体" panose="02010609060101010101" pitchFamily="49" charset="-122"/>
+              <a:ea typeface="黑体" panose="02010609060101010101" pitchFamily="49" charset="-122"/>
+            </a:endParaRPr>
+          </a:p>
+          <a:p>
+            <a:r>
+              <a:rPr lang="zh-CN" altLang="en-US" dirty="0" smtClean="0">
+                <a:latin typeface="黑体" panose="02010609060101010101" pitchFamily="49" charset="-122"/>
+                <a:ea typeface="黑体" panose="02010609060101010101" pitchFamily="49" charset="-122"/>
+              </a:rPr>
+              <a:t>原因</a:t>
+            </a:r>
+            <a:r>
+              <a:rPr lang="zh-CN" altLang="en-US" dirty="0">
+                <a:latin typeface="黑体" panose="02010609060101010101" pitchFamily="49" charset="-122"/>
+                <a:ea typeface="黑体" panose="02010609060101010101" pitchFamily="49" charset="-122"/>
+              </a:rPr>
+              <a:t>一</a:t>
+            </a:r>
+            <a:r>
+              <a:rPr lang="zh-CN" altLang="en-US" dirty="0" smtClean="0">
+                <a:latin typeface="黑体" panose="02010609060101010101" pitchFamily="49" charset="-122"/>
+                <a:ea typeface="黑体" panose="02010609060101010101" pitchFamily="49" charset="-122"/>
+              </a:rPr>
+              <a:t>：应该利用神经网络的知识，动态地调整每一次的权重，以此来慢慢接近最终答案。</a:t>
+            </a:r>
+            <a:endParaRPr lang="en-US" altLang="zh-CN" dirty="0" smtClean="0">
+              <a:latin typeface="黑体" panose="02010609060101010101" pitchFamily="49" charset="-122"/>
+              <a:ea typeface="黑体" panose="02010609060101010101" pitchFamily="49" charset="-122"/>
+            </a:endParaRPr>
+          </a:p>
+          <a:p>
+            <a:r>
+              <a:rPr lang="zh-CN" altLang="en-US" dirty="0" smtClean="0">
+                <a:latin typeface="黑体" panose="02010609060101010101" pitchFamily="49" charset="-122"/>
+                <a:ea typeface="黑体" panose="02010609060101010101" pitchFamily="49" charset="-122"/>
+              </a:rPr>
+              <a:t>原因二：的确无法找出这个答案</a:t>
+            </a:r>
+            <a:endParaRPr lang="zh-CN" altLang="en-US" dirty="0">
+              <a:latin typeface="黑体" panose="02010609060101010101" pitchFamily="49" charset="-122"/>
+              <a:ea typeface="黑体" panose="02010609060101010101" pitchFamily="49" charset="-122"/>
+            </a:endParaRPr>
+          </a:p>
+        </p:txBody>
+      </p:sp>
+      <p:pic>
+        <p:nvPicPr>
+          <p:cNvPr id="4" name="图片 3"/>
+          <p:cNvPicPr>
+            <a:picLocks noChangeAspect="1"/>
+          </p:cNvPicPr>
+          <p:nvPr/>
+        </p:nvPicPr>
+        <p:blipFill>
+          <a:blip r:embed="rId2">
+            <a:extLst>
+              <a:ext uri="{28A0092B-C50C-407E-A947-70E740481C1C}">
+                <a14:useLocalDpi xmlns:a14="http://schemas.microsoft.com/office/drawing/2010/main" val="0"/>
+              </a:ext>
+            </a:extLst>
+          </a:blip>
+          <a:stretch>
+            <a:fillRect/>
+          </a:stretch>
+        </p:blipFill>
+        <p:spPr>
+          <a:xfrm>
+            <a:off x="10569147" y="247335"/>
+            <a:ext cx="1350574" cy="1336506"/>
+          </a:xfrm>
+          <a:prstGeom prst="rect">
+            <a:avLst/>
+          </a:prstGeom>
+        </p:spPr>
+      </p:pic>
+      <p:pic>
+        <p:nvPicPr>
+          <p:cNvPr id="5" name="图片 4"/>
+          <p:cNvPicPr>
+            <a:picLocks noChangeAspect="1"/>
+          </p:cNvPicPr>
+          <p:nvPr/>
+        </p:nvPicPr>
+        <p:blipFill>
+          <a:blip r:embed="rId3">
+            <a:extLst>
+              <a:ext uri="{28A0092B-C50C-407E-A947-70E740481C1C}">
+                <a14:useLocalDpi xmlns:a14="http://schemas.microsoft.com/office/drawing/2010/main" val="0"/>
+              </a:ext>
+            </a:extLst>
+          </a:blip>
+          <a:stretch>
+            <a:fillRect/>
+          </a:stretch>
+        </p:blipFill>
+        <p:spPr>
+          <a:xfrm>
+            <a:off x="838200" y="3834712"/>
+            <a:ext cx="7373379" cy="1857634"/>
+          </a:xfrm>
+          <a:prstGeom prst="rect">
+            <a:avLst/>
+          </a:prstGeom>
+        </p:spPr>
+      </p:pic>
+    </p:spTree>
+    <p:extLst>
+      <p:ext uri="{BB962C8B-B14F-4D97-AF65-F5344CB8AC3E}">
+        <p14:creationId xmlns:p14="http://schemas.microsoft.com/office/powerpoint/2010/main" val="2621001224"/>
+      </p:ext>
+    </p:extLst>
+  </p:cSld>
+  <p:clrMapOvr>
+    <a:masterClrMapping/>
+  </p:clrMapOvr>
+</p:sld>
+</file>
+
+<file path=ppt/slides/slide12.xml><?xml version="1.0" encoding="utf-8"?>
+<p:sld xmlns:a="http://schemas.openxmlformats.org/drawingml/2006/main" xmlns:r="http://schemas.openxmlformats.org/officeDocument/2006/relationships" xmlns:p="http://schemas.openxmlformats.org/presentationml/2006/main">
+  <p:cSld>
+    <p:spTree>
+      <p:nvGrpSpPr>
+        <p:cNvPr id="1" name=""/>
+        <p:cNvGrpSpPr/>
+        <p:nvPr/>
+      </p:nvGrpSpPr>
+      <p:grpSpPr>
+        <a:xfrm>
+          <a:off x="0" y="0"/>
+          <a:ext cx="0" cy="0"/>
+          <a:chOff x="0" y="0"/>
+          <a:chExt cx="0" cy="0"/>
+        </a:xfrm>
+      </p:grpSpPr>
+      <p:sp>
+        <p:nvSpPr>
+          <p:cNvPr id="2" name="标题 1"/>
+          <p:cNvSpPr>
+            <a:spLocks noGrp="1"/>
+          </p:cNvSpPr>
+          <p:nvPr>
+            <p:ph type="title"/>
+          </p:nvPr>
+        </p:nvSpPr>
+        <p:spPr/>
+        <p:txBody>
+          <a:bodyPr/>
+          <a:lstStyle/>
+          <a:p>
+            <a:r>
+              <a:rPr lang="zh-CN" altLang="en-US" dirty="0">
+                <a:solidFill>
+                  <a:srgbClr val="FF0000"/>
+                </a:solidFill>
+                <a:latin typeface="黑体" panose="02010609060101010101" pitchFamily="49" charset="-122"/>
+                <a:ea typeface="黑体" panose="02010609060101010101" pitchFamily="49" charset="-122"/>
+              </a:rPr>
+              <a:t>两种预测</a:t>
+            </a:r>
+            <a:r>
+              <a:rPr lang="zh-CN" altLang="en-US" dirty="0" smtClean="0">
+                <a:solidFill>
+                  <a:srgbClr val="FF0000"/>
+                </a:solidFill>
+                <a:latin typeface="黑体" panose="02010609060101010101" pitchFamily="49" charset="-122"/>
+                <a:ea typeface="黑体" panose="02010609060101010101" pitchFamily="49" charset="-122"/>
+              </a:rPr>
+              <a:t>方式：概率分布与图表</a:t>
+            </a:r>
+            <a:endParaRPr lang="zh-CN" altLang="en-US" dirty="0">
+              <a:solidFill>
+                <a:srgbClr val="FF0000"/>
+              </a:solidFill>
+              <a:latin typeface="黑体" panose="02010609060101010101" pitchFamily="49" charset="-122"/>
+              <a:ea typeface="黑体" panose="02010609060101010101" pitchFamily="49" charset="-122"/>
+            </a:endParaRPr>
+          </a:p>
+        </p:txBody>
+      </p:sp>
+      <p:sp>
+        <p:nvSpPr>
+          <p:cNvPr id="3" name="内容占位符 2"/>
+          <p:cNvSpPr>
+            <a:spLocks noGrp="1"/>
+          </p:cNvSpPr>
+          <p:nvPr>
+            <p:ph idx="1"/>
+          </p:nvPr>
+        </p:nvSpPr>
+        <p:spPr/>
+        <p:txBody>
+          <a:bodyPr/>
+          <a:lstStyle/>
+          <a:p>
+            <a:r>
+              <a:rPr lang="zh-CN" altLang="en-US" dirty="0" smtClean="0">
+                <a:latin typeface="黑体" panose="02010609060101010101" pitchFamily="49" charset="-122"/>
+                <a:ea typeface="黑体" panose="02010609060101010101" pitchFamily="49" charset="-122"/>
+              </a:rPr>
+              <a:t>理论基础：将一个</a:t>
+            </a:r>
+            <a:r>
+              <a:rPr lang="zh-CN" altLang="en-US" dirty="0">
+                <a:latin typeface="黑体" panose="02010609060101010101" pitchFamily="49" charset="-122"/>
+                <a:ea typeface="黑体" panose="02010609060101010101" pitchFamily="49" charset="-122"/>
+              </a:rPr>
+              <a:t>符合</a:t>
+            </a:r>
+            <a:r>
+              <a:rPr lang="zh-CN" altLang="en-US" dirty="0" smtClean="0">
+                <a:latin typeface="黑体" panose="02010609060101010101" pitchFamily="49" charset="-122"/>
+                <a:ea typeface="黑体" panose="02010609060101010101" pitchFamily="49" charset="-122"/>
+              </a:rPr>
+              <a:t>概率分布的函数以不同权重的方式相加，得出的函数依然符合概率分布。</a:t>
+            </a:r>
+            <a:endParaRPr lang="en-US" altLang="zh-CN" dirty="0" smtClean="0">
+              <a:latin typeface="黑体" panose="02010609060101010101" pitchFamily="49" charset="-122"/>
+              <a:ea typeface="黑体" panose="02010609060101010101" pitchFamily="49" charset="-122"/>
+            </a:endParaRPr>
+          </a:p>
+          <a:p>
+            <a:r>
+              <a:rPr lang="zh-CN" altLang="en-US" dirty="0">
+                <a:latin typeface="黑体" panose="02010609060101010101" pitchFamily="49" charset="-122"/>
+                <a:ea typeface="黑体" panose="02010609060101010101" pitchFamily="49" charset="-122"/>
+              </a:rPr>
+              <a:t>由此</a:t>
+            </a:r>
+            <a:r>
+              <a:rPr lang="zh-CN" altLang="en-US" dirty="0" smtClean="0">
+                <a:latin typeface="黑体" panose="02010609060101010101" pitchFamily="49" charset="-122"/>
+                <a:ea typeface="黑体" panose="02010609060101010101" pitchFamily="49" charset="-122"/>
+              </a:rPr>
+              <a:t>猜测：如果涨跌两种股票进行同样的计算，并研究他们的概率分布，那么我们是不是能够通过概率分布的结果来对股票进行预测。</a:t>
+            </a:r>
+            <a:endParaRPr lang="en-US" altLang="zh-CN" dirty="0" smtClean="0">
+              <a:latin typeface="黑体" panose="02010609060101010101" pitchFamily="49" charset="-122"/>
+              <a:ea typeface="黑体" panose="02010609060101010101" pitchFamily="49" charset="-122"/>
+            </a:endParaRPr>
+          </a:p>
+          <a:p>
+            <a:r>
+              <a:rPr lang="zh-CN" altLang="en-US" dirty="0" smtClean="0">
+                <a:latin typeface="黑体" panose="02010609060101010101" pitchFamily="49" charset="-122"/>
+                <a:ea typeface="黑体" panose="02010609060101010101" pitchFamily="49" charset="-122"/>
+              </a:rPr>
+              <a:t>结论：统计每一个</a:t>
+            </a:r>
+            <a:r>
+              <a:rPr lang="en-US" altLang="zh-CN" dirty="0" smtClean="0">
+                <a:latin typeface="黑体" panose="02010609060101010101" pitchFamily="49" charset="-122"/>
+                <a:ea typeface="黑体" panose="02010609060101010101" pitchFamily="49" charset="-122"/>
+              </a:rPr>
+              <a:t>F(x)</a:t>
+            </a:r>
+            <a:r>
+              <a:rPr lang="zh-CN" altLang="en-US" dirty="0" smtClean="0">
+                <a:latin typeface="黑体" panose="02010609060101010101" pitchFamily="49" charset="-122"/>
+                <a:ea typeface="黑体" panose="02010609060101010101" pitchFamily="49" charset="-122"/>
+              </a:rPr>
+              <a:t>结果区间总数，以此从</a:t>
+            </a:r>
+            <a:r>
+              <a:rPr lang="zh-CN" altLang="en-US" dirty="0" smtClean="0">
+                <a:solidFill>
+                  <a:srgbClr val="FF0000"/>
+                </a:solidFill>
+                <a:latin typeface="黑体" panose="02010609060101010101" pitchFamily="49" charset="-122"/>
+                <a:ea typeface="黑体" panose="02010609060101010101" pitchFamily="49" charset="-122"/>
+              </a:rPr>
+              <a:t>概率分布的角度</a:t>
+            </a:r>
+            <a:r>
+              <a:rPr lang="zh-CN" altLang="en-US" dirty="0" smtClean="0">
+                <a:latin typeface="黑体" panose="02010609060101010101" pitchFamily="49" charset="-122"/>
+                <a:ea typeface="黑体" panose="02010609060101010101" pitchFamily="49" charset="-122"/>
+              </a:rPr>
+              <a:t>来预测股票</a:t>
+            </a:r>
+            <a:endParaRPr lang="zh-CN" altLang="en-US" dirty="0">
+              <a:latin typeface="黑体" panose="02010609060101010101" pitchFamily="49" charset="-122"/>
+              <a:ea typeface="黑体" panose="02010609060101010101" pitchFamily="49" charset="-122"/>
+            </a:endParaRPr>
+          </a:p>
+        </p:txBody>
+      </p:sp>
+      <p:pic>
+        <p:nvPicPr>
+          <p:cNvPr id="4" name="图片 3"/>
+          <p:cNvPicPr>
+            <a:picLocks noChangeAspect="1"/>
+          </p:cNvPicPr>
+          <p:nvPr/>
+        </p:nvPicPr>
+        <p:blipFill>
+          <a:blip r:embed="rId2"/>
+          <a:stretch>
+            <a:fillRect/>
+          </a:stretch>
+        </p:blipFill>
+        <p:spPr>
+          <a:xfrm>
+            <a:off x="1685925" y="5178124"/>
+            <a:ext cx="8820150" cy="752475"/>
+          </a:xfrm>
+          <a:prstGeom prst="rect">
+            <a:avLst/>
+          </a:prstGeom>
+        </p:spPr>
+      </p:pic>
+      <p:pic>
+        <p:nvPicPr>
+          <p:cNvPr id="6" name="图片 5"/>
+          <p:cNvPicPr>
+            <a:picLocks noChangeAspect="1"/>
+          </p:cNvPicPr>
+          <p:nvPr/>
+        </p:nvPicPr>
+        <p:blipFill>
+          <a:blip r:embed="rId3">
+            <a:extLst>
+              <a:ext uri="{28A0092B-C50C-407E-A947-70E740481C1C}">
+                <a14:useLocalDpi xmlns:a14="http://schemas.microsoft.com/office/drawing/2010/main" val="0"/>
+              </a:ext>
+            </a:extLst>
+          </a:blip>
+          <a:stretch>
+            <a:fillRect/>
+          </a:stretch>
+        </p:blipFill>
+        <p:spPr>
+          <a:xfrm>
+            <a:off x="10569147" y="247335"/>
+            <a:ext cx="1350574" cy="1336506"/>
+          </a:xfrm>
+          <a:prstGeom prst="rect">
+            <a:avLst/>
+          </a:prstGeom>
+        </p:spPr>
+      </p:pic>
+    </p:spTree>
+    <p:extLst>
+      <p:ext uri="{BB962C8B-B14F-4D97-AF65-F5344CB8AC3E}">
+        <p14:creationId xmlns:p14="http://schemas.microsoft.com/office/powerpoint/2010/main" val="3744272862"/>
+      </p:ext>
+    </p:extLst>
+  </p:cSld>
+  <p:clrMapOvr>
+    <a:masterClrMapping/>
+  </p:clrMapOvr>
+</p:sld>
+</file>
+
+<file path=ppt/slides/slide13.xml><?xml version="1.0" encoding="utf-8"?>
+<p:sld xmlns:a="http://schemas.openxmlformats.org/drawingml/2006/main" xmlns:r="http://schemas.openxmlformats.org/officeDocument/2006/relationships" xmlns:p="http://schemas.openxmlformats.org/presentationml/2006/main">
+  <p:cSld>
+    <p:spTree>
+      <p:nvGrpSpPr>
+        <p:cNvPr id="1" name=""/>
+        <p:cNvGrpSpPr/>
+        <p:nvPr/>
+      </p:nvGrpSpPr>
+      <p:grpSpPr>
+        <a:xfrm>
+          <a:off x="0" y="0"/>
+          <a:ext cx="0" cy="0"/>
+          <a:chOff x="0" y="0"/>
+          <a:chExt cx="0" cy="0"/>
+        </a:xfrm>
+      </p:grpSpPr>
+      <p:sp>
+        <p:nvSpPr>
+          <p:cNvPr id="2" name="标题 1"/>
+          <p:cNvSpPr>
+            <a:spLocks noGrp="1"/>
+          </p:cNvSpPr>
+          <p:nvPr>
+            <p:ph type="title"/>
+          </p:nvPr>
+        </p:nvSpPr>
+        <p:spPr/>
+        <p:txBody>
+          <a:bodyPr/>
+          <a:lstStyle/>
+          <a:p>
+            <a:r>
+              <a:rPr lang="zh-CN" altLang="en-US" dirty="0" smtClean="0">
+                <a:solidFill>
+                  <a:srgbClr val="FF0000"/>
+                </a:solidFill>
+                <a:latin typeface="黑体" panose="02010609060101010101" pitchFamily="49" charset="-122"/>
+                <a:ea typeface="黑体" panose="02010609060101010101" pitchFamily="49" charset="-122"/>
+              </a:rPr>
+              <a:t>概率分布与图表</a:t>
+            </a:r>
+            <a:r>
+              <a:rPr lang="en-US" altLang="zh-CN" dirty="0" smtClean="0">
+                <a:solidFill>
+                  <a:srgbClr val="FF0000"/>
+                </a:solidFill>
+                <a:latin typeface="黑体" panose="02010609060101010101" pitchFamily="49" charset="-122"/>
+                <a:ea typeface="黑体" panose="02010609060101010101" pitchFamily="49" charset="-122"/>
+              </a:rPr>
+              <a:t>----------</a:t>
+            </a:r>
+            <a:r>
+              <a:rPr lang="zh-CN" altLang="en-US" dirty="0" smtClean="0">
+                <a:solidFill>
+                  <a:srgbClr val="FF0000"/>
+                </a:solidFill>
+                <a:latin typeface="黑体" panose="02010609060101010101" pitchFamily="49" charset="-122"/>
+                <a:ea typeface="黑体" panose="02010609060101010101" pitchFamily="49" charset="-122"/>
+              </a:rPr>
+              <a:t>结果</a:t>
+            </a:r>
+            <a:endParaRPr lang="zh-CN" altLang="en-US" dirty="0">
+              <a:solidFill>
+                <a:srgbClr val="FF0000"/>
+              </a:solidFill>
+              <a:latin typeface="黑体" panose="02010609060101010101" pitchFamily="49" charset="-122"/>
+              <a:ea typeface="黑体" panose="02010609060101010101" pitchFamily="49" charset="-122"/>
+            </a:endParaRPr>
+          </a:p>
+        </p:txBody>
+      </p:sp>
+      <p:pic>
+        <p:nvPicPr>
+          <p:cNvPr id="4" name="图片 3"/>
+          <p:cNvPicPr>
+            <a:picLocks noChangeAspect="1"/>
+          </p:cNvPicPr>
+          <p:nvPr/>
+        </p:nvPicPr>
+        <p:blipFill>
+          <a:blip r:embed="rId2">
+            <a:extLst>
+              <a:ext uri="{28A0092B-C50C-407E-A947-70E740481C1C}">
+                <a14:useLocalDpi xmlns:a14="http://schemas.microsoft.com/office/drawing/2010/main" val="0"/>
+              </a:ext>
+            </a:extLst>
+          </a:blip>
+          <a:stretch>
+            <a:fillRect/>
+          </a:stretch>
+        </p:blipFill>
+        <p:spPr>
+          <a:xfrm>
+            <a:off x="10569147" y="247335"/>
+            <a:ext cx="1350574" cy="1336506"/>
+          </a:xfrm>
+          <a:prstGeom prst="rect">
+            <a:avLst/>
+          </a:prstGeom>
+        </p:spPr>
+      </p:pic>
+      <p:pic>
+        <p:nvPicPr>
+          <p:cNvPr id="5" name="图片 4"/>
+          <p:cNvPicPr>
+            <a:picLocks noChangeAspect="1"/>
+          </p:cNvPicPr>
+          <p:nvPr/>
+        </p:nvPicPr>
+        <p:blipFill rotWithShape="1">
+          <a:blip r:embed="rId3"/>
+          <a:srcRect r="6270"/>
+          <a:stretch/>
+        </p:blipFill>
+        <p:spPr>
+          <a:xfrm>
+            <a:off x="158921" y="1583841"/>
+            <a:ext cx="10331451" cy="5113022"/>
+          </a:xfrm>
+          <a:prstGeom prst="rect">
+            <a:avLst/>
+          </a:prstGeom>
+        </p:spPr>
+      </p:pic>
+      <p:sp>
+        <p:nvSpPr>
+          <p:cNvPr id="7" name="文本框 6"/>
+          <p:cNvSpPr txBox="1"/>
+          <p:nvPr/>
+        </p:nvSpPr>
+        <p:spPr>
+          <a:xfrm>
+            <a:off x="6170141" y="2993446"/>
+            <a:ext cx="4843848" cy="1200329"/>
+          </a:xfrm>
+          <a:prstGeom prst="rect">
+            <a:avLst/>
+          </a:prstGeom>
+          <a:noFill/>
+        </p:spPr>
+        <p:txBody>
+          <a:bodyPr wrap="square" rtlCol="0">
+            <a:spAutoFit/>
+          </a:bodyPr>
+          <a:lstStyle/>
+          <a:p>
+            <a:r>
+              <a:rPr lang="en-US" altLang="zh-CN" dirty="0" smtClean="0"/>
+              <a:t>1*10^7</a:t>
+            </a:r>
+            <a:r>
+              <a:rPr lang="zh-CN" altLang="en-US" dirty="0" smtClean="0"/>
+              <a:t>次拟合（一千万）</a:t>
+            </a:r>
+            <a:endParaRPr lang="en-US" altLang="zh-CN" dirty="0" smtClean="0"/>
+          </a:p>
+          <a:p>
+            <a:endParaRPr lang="en-US" altLang="zh-CN" dirty="0"/>
+          </a:p>
+          <a:p>
+            <a:r>
+              <a:rPr lang="zh-CN" altLang="en-US" dirty="0" smtClean="0">
+                <a:solidFill>
+                  <a:schemeClr val="accent1">
+                    <a:lumMod val="75000"/>
+                  </a:schemeClr>
+                </a:solidFill>
+              </a:rPr>
+              <a:t>蓝色曲线</a:t>
+            </a:r>
+            <a:r>
+              <a:rPr lang="en-US" altLang="zh-CN" dirty="0" smtClean="0"/>
+              <a:t>------------</a:t>
+            </a:r>
+            <a:r>
+              <a:rPr lang="zh-CN" altLang="en-US" dirty="0" smtClean="0"/>
+              <a:t>上涨股票的计算后概率分布</a:t>
+            </a:r>
+            <a:endParaRPr lang="en-US" altLang="zh-CN" dirty="0" smtClean="0"/>
+          </a:p>
+          <a:p>
+            <a:r>
+              <a:rPr lang="zh-CN" altLang="en-US" dirty="0" smtClean="0"/>
+              <a:t>黑色曲线</a:t>
+            </a:r>
+            <a:r>
+              <a:rPr lang="en-US" altLang="zh-CN" dirty="0" smtClean="0"/>
+              <a:t>------------</a:t>
+            </a:r>
+            <a:r>
+              <a:rPr lang="zh-CN" altLang="en-US" dirty="0" smtClean="0"/>
+              <a:t>下跌股票的计算后概率分布</a:t>
+            </a:r>
+            <a:endParaRPr lang="zh-CN" altLang="en-US" dirty="0"/>
+          </a:p>
+        </p:txBody>
+      </p:sp>
+    </p:spTree>
+    <p:extLst>
+      <p:ext uri="{BB962C8B-B14F-4D97-AF65-F5344CB8AC3E}">
+        <p14:creationId xmlns:p14="http://schemas.microsoft.com/office/powerpoint/2010/main" val="827877749"/>
+      </p:ext>
+    </p:extLst>
+  </p:cSld>
+  <p:clrMapOvr>
+    <a:masterClrMapping/>
+  </p:clrMapOvr>
+</p:sld>
+</file>
+
+<file path=ppt/slides/slide14.xml><?xml version="1.0" encoding="utf-8"?>
+<p:sld xmlns:a="http://schemas.openxmlformats.org/drawingml/2006/main" xmlns:r="http://schemas.openxmlformats.org/officeDocument/2006/relationships" xmlns:p="http://schemas.openxmlformats.org/presentationml/2006/main">
+  <p:cSld>
+    <p:spTree>
+      <p:nvGrpSpPr>
+        <p:cNvPr id="1" name=""/>
+        <p:cNvGrpSpPr/>
+        <p:nvPr/>
+      </p:nvGrpSpPr>
+      <p:grpSpPr>
+        <a:xfrm>
+          <a:off x="0" y="0"/>
+          <a:ext cx="0" cy="0"/>
+          <a:chOff x="0" y="0"/>
+          <a:chExt cx="0" cy="0"/>
+        </a:xfrm>
+      </p:grpSpPr>
+      <p:sp>
+        <p:nvSpPr>
+          <p:cNvPr id="2" name="标题 1"/>
+          <p:cNvSpPr>
+            <a:spLocks noGrp="1"/>
+          </p:cNvSpPr>
+          <p:nvPr>
+            <p:ph type="title"/>
+          </p:nvPr>
+        </p:nvSpPr>
+        <p:spPr>
+          <a:xfrm>
+            <a:off x="838199" y="247335"/>
+            <a:ext cx="10515600" cy="1071563"/>
+          </a:xfrm>
+        </p:spPr>
+        <p:txBody>
+          <a:bodyPr/>
+          <a:lstStyle/>
+          <a:p>
+            <a:r>
+              <a:rPr lang="zh-CN" altLang="en-US" dirty="0" smtClean="0">
+                <a:solidFill>
+                  <a:srgbClr val="FF0000"/>
+                </a:solidFill>
+                <a:latin typeface="黑体" panose="02010609060101010101" pitchFamily="49" charset="-122"/>
+                <a:ea typeface="黑体" panose="02010609060101010101" pitchFamily="49" charset="-122"/>
+              </a:rPr>
+              <a:t>概率分布与图表</a:t>
+            </a:r>
+            <a:r>
+              <a:rPr lang="en-US" altLang="zh-CN" dirty="0" smtClean="0">
+                <a:solidFill>
+                  <a:srgbClr val="FF0000"/>
+                </a:solidFill>
+                <a:latin typeface="黑体" panose="02010609060101010101" pitchFamily="49" charset="-122"/>
+                <a:ea typeface="黑体" panose="02010609060101010101" pitchFamily="49" charset="-122"/>
+              </a:rPr>
+              <a:t>----------</a:t>
+            </a:r>
+            <a:r>
+              <a:rPr lang="zh-CN" altLang="en-US" dirty="0" smtClean="0">
+                <a:solidFill>
+                  <a:srgbClr val="FF0000"/>
+                </a:solidFill>
+                <a:latin typeface="黑体" panose="02010609060101010101" pitchFamily="49" charset="-122"/>
+                <a:ea typeface="黑体" panose="02010609060101010101" pitchFamily="49" charset="-122"/>
+              </a:rPr>
+              <a:t>预测结果</a:t>
+            </a:r>
+            <a:endParaRPr lang="zh-CN" altLang="en-US" dirty="0">
+              <a:solidFill>
+                <a:srgbClr val="FF0000"/>
+              </a:solidFill>
+              <a:latin typeface="黑体" panose="02010609060101010101" pitchFamily="49" charset="-122"/>
+              <a:ea typeface="黑体" panose="02010609060101010101" pitchFamily="49" charset="-122"/>
+            </a:endParaRPr>
+          </a:p>
+        </p:txBody>
+      </p:sp>
+      <p:pic>
+        <p:nvPicPr>
+          <p:cNvPr id="14" name="图片 13"/>
+          <p:cNvPicPr>
+            <a:picLocks noChangeAspect="1"/>
+          </p:cNvPicPr>
+          <p:nvPr/>
+        </p:nvPicPr>
+        <p:blipFill>
+          <a:blip r:embed="rId2"/>
+          <a:stretch>
+            <a:fillRect/>
+          </a:stretch>
+        </p:blipFill>
+        <p:spPr>
+          <a:xfrm>
+            <a:off x="315709" y="1247776"/>
+            <a:ext cx="11560581" cy="5362574"/>
+          </a:xfrm>
+          <a:prstGeom prst="rect">
+            <a:avLst/>
+          </a:prstGeom>
+        </p:spPr>
+      </p:pic>
+      <p:sp>
+        <p:nvSpPr>
+          <p:cNvPr id="15" name="文本框 14"/>
+          <p:cNvSpPr txBox="1"/>
+          <p:nvPr/>
+        </p:nvSpPr>
+        <p:spPr>
+          <a:xfrm>
+            <a:off x="6170141" y="3009900"/>
+            <a:ext cx="5288434" cy="1754326"/>
+          </a:xfrm>
+          <a:prstGeom prst="rect">
+            <a:avLst/>
+          </a:prstGeom>
+          <a:noFill/>
+        </p:spPr>
+        <p:txBody>
+          <a:bodyPr wrap="square" rtlCol="0">
+            <a:spAutoFit/>
+          </a:bodyPr>
+          <a:lstStyle/>
+          <a:p>
+            <a:r>
+              <a:rPr lang="en-US" altLang="zh-CN" dirty="0" smtClean="0"/>
+              <a:t>1*10^7</a:t>
+            </a:r>
+            <a:r>
+              <a:rPr lang="zh-CN" altLang="en-US" dirty="0" smtClean="0"/>
+              <a:t>次拟合（一千万）</a:t>
+            </a:r>
+            <a:endParaRPr lang="en-US" altLang="zh-CN" dirty="0" smtClean="0"/>
+          </a:p>
+          <a:p>
+            <a:endParaRPr lang="en-US" altLang="zh-CN" dirty="0"/>
+          </a:p>
+          <a:p>
+            <a:r>
+              <a:rPr lang="zh-CN" altLang="en-US" dirty="0" smtClean="0">
+                <a:solidFill>
+                  <a:schemeClr val="accent1">
+                    <a:lumMod val="75000"/>
+                  </a:schemeClr>
+                </a:solidFill>
+              </a:rPr>
+              <a:t>蓝色曲线</a:t>
+            </a:r>
+            <a:r>
+              <a:rPr lang="en-US" altLang="zh-CN" dirty="0" smtClean="0"/>
+              <a:t>------------</a:t>
+            </a:r>
+            <a:r>
+              <a:rPr lang="zh-CN" altLang="en-US" dirty="0" smtClean="0"/>
+              <a:t>上涨股票的计算后概率分布</a:t>
+            </a:r>
+            <a:endParaRPr lang="en-US" altLang="zh-CN" dirty="0" smtClean="0"/>
+          </a:p>
+          <a:p>
+            <a:r>
+              <a:rPr lang="zh-CN" altLang="en-US" dirty="0" smtClean="0"/>
+              <a:t>黑色曲线</a:t>
+            </a:r>
+            <a:r>
+              <a:rPr lang="en-US" altLang="zh-CN" dirty="0" smtClean="0"/>
+              <a:t>------------</a:t>
+            </a:r>
+            <a:r>
+              <a:rPr lang="zh-CN" altLang="en-US" dirty="0" smtClean="0"/>
+              <a:t>下跌股票的计算后概率分布</a:t>
+            </a:r>
+            <a:endParaRPr lang="en-US" altLang="zh-CN" dirty="0" smtClean="0"/>
+          </a:p>
+          <a:p>
+            <a:r>
+              <a:rPr lang="zh-CN" altLang="en-US" dirty="0" smtClean="0">
+                <a:solidFill>
+                  <a:schemeClr val="accent6">
+                    <a:lumMod val="75000"/>
+                  </a:schemeClr>
+                </a:solidFill>
+              </a:rPr>
+              <a:t>绿色曲线</a:t>
+            </a:r>
+            <a:r>
+              <a:rPr lang="en-US" altLang="zh-CN" dirty="0" smtClean="0"/>
+              <a:t>------------002295</a:t>
+            </a:r>
+            <a:r>
+              <a:rPr lang="zh-CN" altLang="en-US" dirty="0" smtClean="0"/>
+              <a:t>编号股票预测结果（该股   </a:t>
+            </a:r>
+            <a:r>
+              <a:rPr lang="en-US" altLang="zh-CN" dirty="0" smtClean="0"/>
+              <a:t>		</a:t>
+            </a:r>
+            <a:r>
+              <a:rPr lang="zh-CN" altLang="en-US" dirty="0" smtClean="0"/>
+              <a:t>票最终结果为上涨）</a:t>
+            </a:r>
+            <a:endParaRPr lang="zh-CN" altLang="en-US" dirty="0"/>
+          </a:p>
+        </p:txBody>
+      </p:sp>
+      <p:pic>
+        <p:nvPicPr>
+          <p:cNvPr id="16" name="图片 15"/>
+          <p:cNvPicPr>
+            <a:picLocks noChangeAspect="1"/>
+          </p:cNvPicPr>
+          <p:nvPr/>
+        </p:nvPicPr>
+        <p:blipFill>
+          <a:blip r:embed="rId3">
+            <a:extLst>
+              <a:ext uri="{28A0092B-C50C-407E-A947-70E740481C1C}">
+                <a14:useLocalDpi xmlns:a14="http://schemas.microsoft.com/office/drawing/2010/main" val="0"/>
+              </a:ext>
+            </a:extLst>
+          </a:blip>
+          <a:stretch>
+            <a:fillRect/>
+          </a:stretch>
+        </p:blipFill>
+        <p:spPr>
+          <a:xfrm>
+            <a:off x="10569147" y="247335"/>
+            <a:ext cx="1350574" cy="1336506"/>
+          </a:xfrm>
+          <a:prstGeom prst="rect">
+            <a:avLst/>
+          </a:prstGeom>
+        </p:spPr>
+      </p:pic>
+    </p:spTree>
+    <p:extLst>
+      <p:ext uri="{BB962C8B-B14F-4D97-AF65-F5344CB8AC3E}">
+        <p14:creationId xmlns:p14="http://schemas.microsoft.com/office/powerpoint/2010/main" val="3483406474"/>
+      </p:ext>
+    </p:extLst>
+  </p:cSld>
+  <p:clrMapOvr>
+    <a:masterClrMapping/>
+  </p:clrMapOvr>
+</p:sld>
+</file>
+
+<file path=ppt/slides/slide15.xml><?xml version="1.0" encoding="utf-8"?>
+<p:sld xmlns:a="http://schemas.openxmlformats.org/drawingml/2006/main" xmlns:r="http://schemas.openxmlformats.org/officeDocument/2006/relationships" xmlns:p="http://schemas.openxmlformats.org/presentationml/2006/main">
+  <p:cSld>
+    <p:spTree>
+      <p:nvGrpSpPr>
+        <p:cNvPr id="1" name=""/>
+        <p:cNvGrpSpPr/>
+        <p:nvPr/>
+      </p:nvGrpSpPr>
+      <p:grpSpPr>
+        <a:xfrm>
+          <a:off x="0" y="0"/>
+          <a:ext cx="0" cy="0"/>
+          <a:chOff x="0" y="0"/>
+          <a:chExt cx="0" cy="0"/>
+        </a:xfrm>
+      </p:grpSpPr>
+      <p:sp>
+        <p:nvSpPr>
+          <p:cNvPr id="2" name="标题 1"/>
+          <p:cNvSpPr>
+            <a:spLocks noGrp="1"/>
+          </p:cNvSpPr>
+          <p:nvPr>
+            <p:ph type="title"/>
+          </p:nvPr>
+        </p:nvSpPr>
+        <p:spPr>
+          <a:xfrm>
+            <a:off x="457199" y="256545"/>
+            <a:ext cx="10515600" cy="1071563"/>
+          </a:xfrm>
+        </p:spPr>
+        <p:txBody>
+          <a:bodyPr>
+            <a:normAutofit fontScale="90000"/>
+          </a:bodyPr>
+          <a:lstStyle/>
+          <a:p>
+            <a:r>
+              <a:rPr lang="zh-CN" altLang="en-US" dirty="0" smtClean="0">
+                <a:solidFill>
+                  <a:srgbClr val="FF0000"/>
+                </a:solidFill>
+                <a:latin typeface="黑体" panose="02010609060101010101" pitchFamily="49" charset="-122"/>
+                <a:ea typeface="黑体" panose="02010609060101010101" pitchFamily="49" charset="-122"/>
+              </a:rPr>
+              <a:t>概率分布与图表的衍生</a:t>
+            </a:r>
+            <a:r>
+              <a:rPr lang="en-US" altLang="zh-CN" dirty="0" smtClean="0">
+                <a:solidFill>
+                  <a:srgbClr val="FF0000"/>
+                </a:solidFill>
+                <a:latin typeface="黑体" panose="02010609060101010101" pitchFamily="49" charset="-122"/>
+                <a:ea typeface="黑体" panose="02010609060101010101" pitchFamily="49" charset="-122"/>
+              </a:rPr>
+              <a:t>---------</a:t>
+            </a:r>
+            <a:r>
+              <a:rPr lang="zh-CN" altLang="en-US" dirty="0" smtClean="0">
+                <a:solidFill>
+                  <a:srgbClr val="FF0000"/>
+                </a:solidFill>
+                <a:latin typeface="黑体" panose="02010609060101010101" pitchFamily="49" charset="-122"/>
+                <a:ea typeface="黑体" panose="02010609060101010101" pitchFamily="49" charset="-122"/>
+              </a:rPr>
+              <a:t>峰值预测</a:t>
+            </a:r>
+            <a:endParaRPr lang="zh-CN" altLang="en-US" dirty="0">
+              <a:solidFill>
+                <a:srgbClr val="FF0000"/>
+              </a:solidFill>
+              <a:latin typeface="黑体" panose="02010609060101010101" pitchFamily="49" charset="-122"/>
+              <a:ea typeface="黑体" panose="02010609060101010101" pitchFamily="49" charset="-122"/>
+            </a:endParaRPr>
+          </a:p>
+        </p:txBody>
+      </p:sp>
+      <p:pic>
+        <p:nvPicPr>
+          <p:cNvPr id="13" name="图片 12"/>
+          <p:cNvPicPr>
+            <a:picLocks noChangeAspect="1"/>
+          </p:cNvPicPr>
+          <p:nvPr/>
+        </p:nvPicPr>
+        <p:blipFill>
+          <a:blip r:embed="rId2"/>
+          <a:stretch>
+            <a:fillRect/>
+          </a:stretch>
+        </p:blipFill>
+        <p:spPr>
+          <a:xfrm>
+            <a:off x="113272" y="1285184"/>
+            <a:ext cx="11538434" cy="5480756"/>
+          </a:xfrm>
+          <a:prstGeom prst="rect">
+            <a:avLst/>
+          </a:prstGeom>
+        </p:spPr>
+      </p:pic>
+      <p:cxnSp>
+        <p:nvCxnSpPr>
+          <p:cNvPr id="19" name="直接连接符 18"/>
+          <p:cNvCxnSpPr/>
+          <p:nvPr/>
+        </p:nvCxnSpPr>
+        <p:spPr>
+          <a:xfrm flipH="1">
+            <a:off x="3197930" y="1218616"/>
+            <a:ext cx="24714" cy="5547324"/>
+          </a:xfrm>
+          <a:prstGeom prst="line">
+            <a:avLst/>
+          </a:prstGeom>
+          <a:ln/>
+        </p:spPr>
+        <p:style>
+          <a:lnRef idx="3">
+            <a:schemeClr val="accent2"/>
+          </a:lnRef>
+          <a:fillRef idx="0">
+            <a:schemeClr val="accent2"/>
+          </a:fillRef>
+          <a:effectRef idx="2">
+            <a:schemeClr val="accent2"/>
+          </a:effectRef>
+          <a:fontRef idx="minor">
+            <a:schemeClr val="tx1"/>
+          </a:fontRef>
+        </p:style>
+      </p:cxnSp>
+      <p:sp>
+        <p:nvSpPr>
+          <p:cNvPr id="20" name="文本框 19"/>
+          <p:cNvSpPr txBox="1"/>
+          <p:nvPr/>
+        </p:nvSpPr>
+        <p:spPr>
+          <a:xfrm>
+            <a:off x="6307302" y="2809875"/>
+            <a:ext cx="5288434" cy="2031325"/>
+          </a:xfrm>
+          <a:prstGeom prst="rect">
+            <a:avLst/>
+          </a:prstGeom>
+          <a:noFill/>
+        </p:spPr>
+        <p:txBody>
+          <a:bodyPr wrap="square" rtlCol="0">
+            <a:spAutoFit/>
+          </a:bodyPr>
+          <a:lstStyle/>
+          <a:p>
+            <a:r>
+              <a:rPr lang="en-US" altLang="zh-CN" dirty="0" smtClean="0"/>
+              <a:t>3*10^5</a:t>
+            </a:r>
+            <a:r>
+              <a:rPr lang="zh-CN" altLang="en-US" dirty="0" smtClean="0"/>
+              <a:t>次拟合（</a:t>
+            </a:r>
+            <a:r>
+              <a:rPr lang="zh-CN" altLang="en-US" dirty="0"/>
+              <a:t>三十万</a:t>
+            </a:r>
+            <a:r>
+              <a:rPr lang="zh-CN" altLang="en-US" dirty="0" smtClean="0"/>
+              <a:t>）</a:t>
+            </a:r>
+            <a:endParaRPr lang="en-US" altLang="zh-CN" dirty="0" smtClean="0"/>
+          </a:p>
+          <a:p>
+            <a:endParaRPr lang="en-US" altLang="zh-CN" dirty="0"/>
+          </a:p>
+          <a:p>
+            <a:r>
+              <a:rPr lang="zh-CN" altLang="en-US" dirty="0" smtClean="0">
+                <a:solidFill>
+                  <a:schemeClr val="accent1">
+                    <a:lumMod val="75000"/>
+                  </a:schemeClr>
+                </a:solidFill>
+              </a:rPr>
+              <a:t>蓝色曲线</a:t>
+            </a:r>
+            <a:r>
+              <a:rPr lang="en-US" altLang="zh-CN" dirty="0" smtClean="0"/>
+              <a:t>------------</a:t>
+            </a:r>
+            <a:r>
+              <a:rPr lang="zh-CN" altLang="en-US" dirty="0" smtClean="0"/>
+              <a:t>上涨股票的计算后概率分布</a:t>
+            </a:r>
+            <a:endParaRPr lang="en-US" altLang="zh-CN" dirty="0" smtClean="0"/>
+          </a:p>
+          <a:p>
+            <a:r>
+              <a:rPr lang="zh-CN" altLang="en-US" dirty="0" smtClean="0"/>
+              <a:t>黑色曲线</a:t>
+            </a:r>
+            <a:r>
+              <a:rPr lang="en-US" altLang="zh-CN" dirty="0" smtClean="0"/>
+              <a:t>------------</a:t>
+            </a:r>
+            <a:r>
+              <a:rPr lang="zh-CN" altLang="en-US" dirty="0" smtClean="0"/>
+              <a:t>下跌股票的计算后概率分布</a:t>
+            </a:r>
+            <a:endParaRPr lang="en-US" altLang="zh-CN" dirty="0" smtClean="0"/>
+          </a:p>
+          <a:p>
+            <a:endParaRPr lang="en-US" altLang="zh-CN" dirty="0"/>
+          </a:p>
+          <a:p>
+            <a:r>
+              <a:rPr lang="zh-CN" altLang="en-US" dirty="0" smtClean="0"/>
+              <a:t>由右图可知，当一只股票的峰值预测处于</a:t>
+            </a:r>
+            <a:r>
+              <a:rPr lang="en-US" altLang="zh-CN" dirty="0" smtClean="0"/>
+              <a:t>4.7</a:t>
+            </a:r>
+            <a:r>
+              <a:rPr lang="zh-CN" altLang="en-US" dirty="0" smtClean="0"/>
+              <a:t>时，上涨的概率最大</a:t>
+            </a:r>
+            <a:endParaRPr lang="en-US" altLang="zh-CN" dirty="0" smtClean="0"/>
+          </a:p>
+        </p:txBody>
+      </p:sp>
+      <p:sp>
+        <p:nvSpPr>
+          <p:cNvPr id="21" name="文本框 20"/>
+          <p:cNvSpPr txBox="1"/>
+          <p:nvPr/>
+        </p:nvSpPr>
+        <p:spPr>
+          <a:xfrm>
+            <a:off x="5269385" y="1984268"/>
+            <a:ext cx="4599546" cy="646331"/>
+          </a:xfrm>
+          <a:prstGeom prst="rect">
+            <a:avLst/>
+          </a:prstGeom>
+          <a:noFill/>
+        </p:spPr>
+        <p:txBody>
+          <a:bodyPr wrap="square" rtlCol="0">
+            <a:spAutoFit/>
+          </a:bodyPr>
+          <a:lstStyle/>
+          <a:p>
+            <a:r>
+              <a:rPr lang="zh-CN" altLang="en-US" dirty="0" smtClean="0"/>
+              <a:t>将以上概率分布图的峰值进行标识，</a:t>
+            </a:r>
+            <a:endParaRPr lang="en-US" altLang="zh-CN" dirty="0" smtClean="0"/>
+          </a:p>
+          <a:p>
+            <a:r>
+              <a:rPr lang="zh-CN" altLang="en-US" dirty="0" smtClean="0"/>
+              <a:t>更加清晰的从另一维度展现了数据统计</a:t>
+            </a:r>
+            <a:endParaRPr lang="zh-CN" altLang="en-US" dirty="0"/>
+          </a:p>
+        </p:txBody>
+      </p:sp>
+      <p:pic>
+        <p:nvPicPr>
+          <p:cNvPr id="22" name="图片 21"/>
+          <p:cNvPicPr>
+            <a:picLocks noChangeAspect="1"/>
+          </p:cNvPicPr>
+          <p:nvPr/>
+        </p:nvPicPr>
+        <p:blipFill>
+          <a:blip r:embed="rId3">
+            <a:extLst>
+              <a:ext uri="{28A0092B-C50C-407E-A947-70E740481C1C}">
+                <a14:useLocalDpi xmlns:a14="http://schemas.microsoft.com/office/drawing/2010/main" val="0"/>
+              </a:ext>
+            </a:extLst>
+          </a:blip>
+          <a:stretch>
+            <a:fillRect/>
+          </a:stretch>
+        </p:blipFill>
+        <p:spPr>
+          <a:xfrm>
+            <a:off x="10569147" y="247335"/>
+            <a:ext cx="1350574" cy="1336506"/>
+          </a:xfrm>
+          <a:prstGeom prst="rect">
+            <a:avLst/>
+          </a:prstGeom>
+        </p:spPr>
+      </p:pic>
+    </p:spTree>
+    <p:extLst>
+      <p:ext uri="{BB962C8B-B14F-4D97-AF65-F5344CB8AC3E}">
+        <p14:creationId xmlns:p14="http://schemas.microsoft.com/office/powerpoint/2010/main" val="3233430734"/>
+      </p:ext>
+    </p:extLst>
+  </p:cSld>
+  <p:clrMapOvr>
+    <a:masterClrMapping/>
+  </p:clrMapOvr>
+</p:sld>
+</file>
+
+<file path=ppt/slides/slide16.xml><?xml version="1.0" encoding="utf-8"?>
+<p:sld xmlns:a="http://schemas.openxmlformats.org/drawingml/2006/main" xmlns:r="http://schemas.openxmlformats.org/officeDocument/2006/relationships" xmlns:p="http://schemas.openxmlformats.org/presentationml/2006/main">
+  <p:cSld>
+    <p:spTree>
+      <p:nvGrpSpPr>
+        <p:cNvPr id="1" name=""/>
+        <p:cNvGrpSpPr/>
+        <p:nvPr/>
+      </p:nvGrpSpPr>
+      <p:grpSpPr>
+        <a:xfrm>
+          <a:off x="0" y="0"/>
+          <a:ext cx="0" cy="0"/>
+          <a:chOff x="0" y="0"/>
+          <a:chExt cx="0" cy="0"/>
+        </a:xfrm>
+      </p:grpSpPr>
+      <p:sp>
+        <p:nvSpPr>
+          <p:cNvPr id="2" name="标题 1"/>
+          <p:cNvSpPr>
+            <a:spLocks noGrp="1"/>
+          </p:cNvSpPr>
+          <p:nvPr>
+            <p:ph type="title"/>
+          </p:nvPr>
+        </p:nvSpPr>
+        <p:spPr>
+          <a:xfrm>
+            <a:off x="549876" y="150941"/>
+            <a:ext cx="10515600" cy="1325563"/>
+          </a:xfrm>
+        </p:spPr>
+        <p:txBody>
+          <a:bodyPr/>
+          <a:lstStyle/>
+          <a:p>
+            <a:r>
+              <a:rPr lang="zh-CN" altLang="en-US" dirty="0" smtClean="0">
+                <a:solidFill>
+                  <a:srgbClr val="FF0000"/>
+                </a:solidFill>
+                <a:latin typeface="黑体" panose="02010609060101010101" pitchFamily="49" charset="-122"/>
+                <a:ea typeface="黑体" panose="02010609060101010101" pitchFamily="49" charset="-122"/>
+              </a:rPr>
+              <a:t>数据说明与部署及其他概况</a:t>
+            </a:r>
+            <a:endParaRPr lang="zh-CN" altLang="en-US" dirty="0">
+              <a:solidFill>
+                <a:srgbClr val="FF0000"/>
+              </a:solidFill>
+              <a:latin typeface="黑体" panose="02010609060101010101" pitchFamily="49" charset="-122"/>
+              <a:ea typeface="黑体" panose="02010609060101010101" pitchFamily="49" charset="-122"/>
+            </a:endParaRPr>
+          </a:p>
+        </p:txBody>
+      </p:sp>
+      <p:sp>
+        <p:nvSpPr>
+          <p:cNvPr id="3" name="内容占位符 2"/>
+          <p:cNvSpPr>
+            <a:spLocks noGrp="1"/>
+          </p:cNvSpPr>
+          <p:nvPr>
+            <p:ph idx="1"/>
+          </p:nvPr>
+        </p:nvSpPr>
+        <p:spPr/>
+        <p:txBody>
+          <a:bodyPr/>
+          <a:lstStyle/>
+          <a:p>
+            <a:r>
+              <a:rPr lang="zh-CN" altLang="en-US" dirty="0" smtClean="0"/>
+              <a:t>数据来源为：搜狐财经，雪球网，百度财经，东方财富网</a:t>
+            </a:r>
+            <a:endParaRPr lang="en-US" altLang="zh-CN" dirty="0" smtClean="0"/>
+          </a:p>
+          <a:p>
+            <a:r>
+              <a:rPr lang="zh-CN" altLang="en-US" dirty="0"/>
+              <a:t>筛选后</a:t>
+            </a:r>
+            <a:r>
+              <a:rPr lang="zh-CN" altLang="en-US" dirty="0" smtClean="0"/>
+              <a:t>进入预测计算的截至</a:t>
+            </a:r>
+            <a:r>
+              <a:rPr lang="en-US" altLang="zh-CN" dirty="0" smtClean="0"/>
+              <a:t>18/06/10</a:t>
+            </a:r>
+            <a:r>
+              <a:rPr lang="zh-CN" altLang="en-US" dirty="0" smtClean="0"/>
+              <a:t>有</a:t>
+            </a:r>
+            <a:r>
+              <a:rPr lang="en-US" altLang="zh-CN" dirty="0" smtClean="0"/>
+              <a:t>1011</a:t>
+            </a:r>
+            <a:r>
+              <a:rPr lang="zh-CN" altLang="en-US" dirty="0" smtClean="0"/>
+              <a:t>支股票，截至</a:t>
+            </a:r>
+            <a:r>
+              <a:rPr lang="en-US" altLang="zh-CN" dirty="0" smtClean="0"/>
+              <a:t>18/05/14</a:t>
+            </a:r>
+            <a:r>
+              <a:rPr lang="zh-CN" altLang="en-US" dirty="0" smtClean="0"/>
+              <a:t>有</a:t>
+            </a:r>
+            <a:r>
+              <a:rPr lang="en-US" altLang="zh-CN" dirty="0" smtClean="0"/>
+              <a:t>938</a:t>
+            </a:r>
+            <a:r>
+              <a:rPr lang="zh-CN" altLang="en-US" dirty="0"/>
+              <a:t>支</a:t>
+            </a:r>
+            <a:r>
+              <a:rPr lang="zh-CN" altLang="en-US" dirty="0" smtClean="0"/>
+              <a:t>股票。经两次计算，得出结果大致相同，可得出普遍结论。</a:t>
+            </a:r>
+            <a:endParaRPr lang="en-US" altLang="zh-CN" dirty="0" smtClean="0"/>
+          </a:p>
+          <a:p>
+            <a:r>
+              <a:rPr lang="zh-CN" altLang="en-US" dirty="0" smtClean="0"/>
+              <a:t>部署：</a:t>
+            </a:r>
+            <a:r>
+              <a:rPr lang="en-US" altLang="zh-CN" dirty="0" smtClean="0"/>
+              <a:t>maven</a:t>
+            </a:r>
+            <a:r>
+              <a:rPr lang="zh-CN" altLang="en-US" dirty="0" smtClean="0"/>
+              <a:t>打包部署生成 </a:t>
+            </a:r>
+            <a:r>
+              <a:rPr lang="en-US" altLang="zh-CN" dirty="0" smtClean="0"/>
+              <a:t>*.jar </a:t>
+            </a:r>
+            <a:r>
+              <a:rPr lang="zh-CN" altLang="en-US" dirty="0" smtClean="0"/>
+              <a:t>文件可直接运行（请注意环境正确）</a:t>
+            </a:r>
+            <a:endParaRPr lang="en-US" altLang="zh-CN" dirty="0" smtClean="0"/>
+          </a:p>
+          <a:p>
+            <a:endParaRPr lang="zh-CN" altLang="en-US" dirty="0"/>
+          </a:p>
+        </p:txBody>
+      </p:sp>
+      <p:pic>
+        <p:nvPicPr>
+          <p:cNvPr id="4" name="图片 3"/>
+          <p:cNvPicPr>
+            <a:picLocks noChangeAspect="1"/>
+          </p:cNvPicPr>
+          <p:nvPr/>
+        </p:nvPicPr>
+        <p:blipFill>
+          <a:blip r:embed="rId2">
+            <a:extLst>
+              <a:ext uri="{28A0092B-C50C-407E-A947-70E740481C1C}">
+                <a14:useLocalDpi xmlns:a14="http://schemas.microsoft.com/office/drawing/2010/main" val="0"/>
+              </a:ext>
+            </a:extLst>
+          </a:blip>
+          <a:stretch>
+            <a:fillRect/>
+          </a:stretch>
+        </p:blipFill>
+        <p:spPr>
+          <a:xfrm>
+            <a:off x="10569147" y="247335"/>
+            <a:ext cx="1350574" cy="1336506"/>
+          </a:xfrm>
+          <a:prstGeom prst="rect">
+            <a:avLst/>
+          </a:prstGeom>
+        </p:spPr>
+      </p:pic>
+    </p:spTree>
+    <p:extLst>
+      <p:ext uri="{BB962C8B-B14F-4D97-AF65-F5344CB8AC3E}">
+        <p14:creationId xmlns:p14="http://schemas.microsoft.com/office/powerpoint/2010/main" val="3562128751"/>
+      </p:ext>
+    </p:extLst>
+  </p:cSld>
+  <p:clrMapOvr>
+    <a:masterClrMapping/>
+  </p:clrMapOvr>
+</p:sld>
+</file>
+
+<file path=ppt/slides/slide17.xml><?xml version="1.0" encoding="utf-8"?>
+<p:sld xmlns:a="http://schemas.openxmlformats.org/drawingml/2006/main" xmlns:r="http://schemas.openxmlformats.org/officeDocument/2006/relationships" xmlns:p="http://schemas.openxmlformats.org/presentationml/2006/main">
+  <p:cSld>
+    <p:spTree>
+      <p:nvGrpSpPr>
+        <p:cNvPr id="1" name=""/>
+        <p:cNvGrpSpPr/>
+        <p:nvPr/>
+      </p:nvGrpSpPr>
+      <p:grpSpPr>
+        <a:xfrm>
+          <a:off x="0" y="0"/>
+          <a:ext cx="0" cy="0"/>
+          <a:chOff x="0" y="0"/>
+          <a:chExt cx="0" cy="0"/>
+        </a:xfrm>
+      </p:grpSpPr>
+      <p:sp>
+        <p:nvSpPr>
+          <p:cNvPr id="3" name="内容占位符 2"/>
+          <p:cNvSpPr>
+            <a:spLocks noGrp="1"/>
+          </p:cNvSpPr>
+          <p:nvPr>
+            <p:ph idx="1"/>
+          </p:nvPr>
+        </p:nvSpPr>
+        <p:spPr>
+          <a:xfrm>
+            <a:off x="797010" y="1726771"/>
+            <a:ext cx="10515600" cy="4351338"/>
+          </a:xfrm>
+        </p:spPr>
+        <p:txBody>
+          <a:bodyPr>
+            <a:normAutofit fontScale="92500"/>
+          </a:bodyPr>
+          <a:lstStyle/>
+          <a:p>
+            <a:pPr marL="0" indent="0" algn="ctr">
+              <a:buNone/>
+            </a:pPr>
+            <a:r>
+              <a:rPr lang="zh-CN" altLang="en-US" sz="5400" dirty="0" smtClean="0">
+                <a:solidFill>
+                  <a:srgbClr val="FF0000"/>
+                </a:solidFill>
+                <a:latin typeface="黑体" panose="02010609060101010101" pitchFamily="49" charset="-122"/>
+                <a:ea typeface="黑体" panose="02010609060101010101" pitchFamily="49" charset="-122"/>
+              </a:rPr>
+              <a:t>感谢观看！</a:t>
+            </a:r>
+            <a:endParaRPr lang="en-US" altLang="zh-CN" sz="5400" dirty="0" smtClean="0">
+              <a:solidFill>
+                <a:srgbClr val="FF0000"/>
+              </a:solidFill>
+              <a:latin typeface="黑体" panose="02010609060101010101" pitchFamily="49" charset="-122"/>
+              <a:ea typeface="黑体" panose="02010609060101010101" pitchFamily="49" charset="-122"/>
+            </a:endParaRPr>
+          </a:p>
+          <a:p>
+            <a:pPr marL="0" indent="0">
+              <a:buNone/>
+            </a:pPr>
+            <a:endParaRPr lang="en-US" altLang="zh-CN" dirty="0" smtClean="0">
+              <a:latin typeface="黑体" panose="02010609060101010101" pitchFamily="49" charset="-122"/>
+              <a:ea typeface="黑体" panose="02010609060101010101" pitchFamily="49" charset="-122"/>
+            </a:endParaRPr>
+          </a:p>
+          <a:p>
+            <a:pPr marL="0" indent="0">
+              <a:buNone/>
+            </a:pPr>
+            <a:endParaRPr lang="en-US" altLang="zh-CN" dirty="0" smtClean="0">
+              <a:latin typeface="黑体" panose="02010609060101010101" pitchFamily="49" charset="-122"/>
+              <a:ea typeface="黑体" panose="02010609060101010101" pitchFamily="49" charset="-122"/>
+            </a:endParaRPr>
+          </a:p>
+          <a:p>
+            <a:pPr marL="0" indent="0" algn="ctr">
+              <a:buNone/>
+            </a:pPr>
+            <a:r>
+              <a:rPr lang="zh-CN" altLang="en-US" dirty="0" smtClean="0">
+                <a:latin typeface="黑体" panose="02010609060101010101" pitchFamily="49" charset="-122"/>
+                <a:ea typeface="黑体" panose="02010609060101010101" pitchFamily="49" charset="-122"/>
+              </a:rPr>
+              <a:t>在此，向各位在座老师表示感谢与敬意！</a:t>
+            </a:r>
+            <a:endParaRPr lang="en-US" altLang="zh-CN" dirty="0" smtClean="0">
+              <a:latin typeface="黑体" panose="02010609060101010101" pitchFamily="49" charset="-122"/>
+              <a:ea typeface="黑体" panose="02010609060101010101" pitchFamily="49" charset="-122"/>
+            </a:endParaRPr>
+          </a:p>
+          <a:p>
+            <a:pPr marL="0" indent="0">
+              <a:buNone/>
+            </a:pPr>
+            <a:r>
+              <a:rPr lang="en-US" altLang="zh-CN" dirty="0">
+                <a:latin typeface="黑体" panose="02010609060101010101" pitchFamily="49" charset="-122"/>
+                <a:ea typeface="黑体" panose="02010609060101010101" pitchFamily="49" charset="-122"/>
+              </a:rPr>
+              <a:t> </a:t>
+            </a:r>
+            <a:r>
+              <a:rPr lang="en-US" altLang="zh-CN" dirty="0" smtClean="0">
+                <a:latin typeface="黑体" panose="02010609060101010101" pitchFamily="49" charset="-122"/>
+                <a:ea typeface="黑体" panose="02010609060101010101" pitchFamily="49" charset="-122"/>
+              </a:rPr>
+              <a:t>     </a:t>
+            </a:r>
+            <a:r>
+              <a:rPr lang="zh-CN" altLang="en-US" dirty="0" smtClean="0">
+                <a:latin typeface="黑体" panose="02010609060101010101" pitchFamily="49" charset="-122"/>
+                <a:ea typeface="黑体" panose="02010609060101010101" pitchFamily="49" charset="-122"/>
+              </a:rPr>
+              <a:t>并由衷感谢我的指导老师 周平老师 对本项目带来的帮助！</a:t>
+            </a:r>
+            <a:endParaRPr lang="en-US" altLang="zh-CN" dirty="0" smtClean="0">
+              <a:latin typeface="黑体" panose="02010609060101010101" pitchFamily="49" charset="-122"/>
+              <a:ea typeface="黑体" panose="02010609060101010101" pitchFamily="49" charset="-122"/>
+            </a:endParaRPr>
+          </a:p>
+          <a:p>
+            <a:pPr marL="0" indent="0">
+              <a:buNone/>
+            </a:pPr>
+            <a:r>
+              <a:rPr lang="en-US" altLang="zh-CN" dirty="0" smtClean="0">
+                <a:latin typeface="黑体" panose="02010609060101010101" pitchFamily="49" charset="-122"/>
+                <a:ea typeface="黑体" panose="02010609060101010101" pitchFamily="49" charset="-122"/>
+              </a:rPr>
+              <a:t> </a:t>
+            </a:r>
+          </a:p>
+          <a:p>
+            <a:pPr marL="0" indent="0">
+              <a:buNone/>
+            </a:pPr>
+            <a:endParaRPr lang="en-US" altLang="zh-CN" dirty="0">
+              <a:latin typeface="黑体" panose="02010609060101010101" pitchFamily="49" charset="-122"/>
+              <a:ea typeface="黑体" panose="02010609060101010101" pitchFamily="49" charset="-122"/>
+            </a:endParaRPr>
+          </a:p>
+          <a:p>
+            <a:pPr marL="0" indent="0">
+              <a:buNone/>
+            </a:pPr>
+            <a:r>
+              <a:rPr lang="en-US" altLang="zh-CN" dirty="0" smtClean="0">
+                <a:latin typeface="黑体" panose="02010609060101010101" pitchFamily="49" charset="-122"/>
+                <a:ea typeface="黑体" panose="02010609060101010101" pitchFamily="49" charset="-122"/>
+              </a:rPr>
+              <a:t>								2014055</a:t>
+            </a:r>
+            <a:r>
+              <a:rPr lang="zh-CN" altLang="en-US" dirty="0" smtClean="0">
+                <a:latin typeface="黑体" panose="02010609060101010101" pitchFamily="49" charset="-122"/>
+                <a:ea typeface="黑体" panose="02010609060101010101" pitchFamily="49" charset="-122"/>
+              </a:rPr>
+              <a:t>班  徐智杰</a:t>
+            </a:r>
+            <a:endParaRPr lang="zh-CN" altLang="en-US" dirty="0">
+              <a:latin typeface="黑体" panose="02010609060101010101" pitchFamily="49" charset="-122"/>
+              <a:ea typeface="黑体" panose="02010609060101010101" pitchFamily="49" charset="-122"/>
+            </a:endParaRPr>
+          </a:p>
+        </p:txBody>
+      </p:sp>
+      <p:pic>
+        <p:nvPicPr>
+          <p:cNvPr id="4" name="图片 3"/>
+          <p:cNvPicPr>
+            <a:picLocks noChangeAspect="1"/>
+          </p:cNvPicPr>
+          <p:nvPr/>
+        </p:nvPicPr>
+        <p:blipFill>
+          <a:blip r:embed="rId2">
+            <a:extLst>
+              <a:ext uri="{28A0092B-C50C-407E-A947-70E740481C1C}">
+                <a14:useLocalDpi xmlns:a14="http://schemas.microsoft.com/office/drawing/2010/main" val="0"/>
+              </a:ext>
+            </a:extLst>
+          </a:blip>
+          <a:stretch>
+            <a:fillRect/>
+          </a:stretch>
+        </p:blipFill>
+        <p:spPr>
+          <a:xfrm>
+            <a:off x="10569147" y="247335"/>
+            <a:ext cx="1350574" cy="1336506"/>
+          </a:xfrm>
+          <a:prstGeom prst="rect">
+            <a:avLst/>
+          </a:prstGeom>
+        </p:spPr>
+      </p:pic>
+    </p:spTree>
+    <p:extLst>
+      <p:ext uri="{BB962C8B-B14F-4D97-AF65-F5344CB8AC3E}">
+        <p14:creationId xmlns:p14="http://schemas.microsoft.com/office/powerpoint/2010/main" val="2210287229"/>
+      </p:ext>
+    </p:extLst>
+  </p:cSld>
+  <p:clrMapOvr>
+    <a:masterClrMapping/>
+  </p:clrMapOvr>
+</p:sld>
+</file>
+
+<file path=ppt/slides/slide18.xml><?xml version="1.0" encoding="utf-8"?>
+<p:sld xmlns:a="http://schemas.openxmlformats.org/drawingml/2006/main" xmlns:r="http://schemas.openxmlformats.org/officeDocument/2006/relationships" xmlns:p="http://schemas.openxmlformats.org/presentationml/2006/main">
+  <p:cSld>
+    <p:spTree>
+      <p:nvGrpSpPr>
+        <p:cNvPr id="1" name=""/>
+        <p:cNvGrpSpPr/>
+        <p:nvPr/>
+      </p:nvGrpSpPr>
+      <p:grpSpPr>
+        <a:xfrm>
+          <a:off x="0" y="0"/>
+          <a:ext cx="0" cy="0"/>
+          <a:chOff x="0" y="0"/>
+          <a:chExt cx="0" cy="0"/>
+        </a:xfrm>
+      </p:grpSpPr>
+      <p:sp>
+        <p:nvSpPr>
+          <p:cNvPr id="3" name="内容占位符 2"/>
+          <p:cNvSpPr>
+            <a:spLocks noGrp="1"/>
+          </p:cNvSpPr>
+          <p:nvPr>
+            <p:ph idx="1"/>
+          </p:nvPr>
+        </p:nvSpPr>
+        <p:spPr>
+          <a:xfrm>
+            <a:off x="2915165" y="2064523"/>
+            <a:ext cx="6905368" cy="1617790"/>
+          </a:xfrm>
+        </p:spPr>
+        <p:txBody>
+          <a:bodyPr/>
+          <a:lstStyle/>
+          <a:p>
+            <a:pPr marL="0" indent="0" algn="ctr">
+              <a:buNone/>
+            </a:pPr>
+            <a:r>
+              <a:rPr lang="zh-CN" altLang="en-US" sz="2000" dirty="0" smtClean="0">
+                <a:latin typeface="黑体" panose="02010609060101010101" pitchFamily="49" charset="-122"/>
+                <a:ea typeface="黑体" panose="02010609060101010101" pitchFamily="49" charset="-122"/>
+              </a:rPr>
+              <a:t>在此，再次向在座的各位表示由衷的感谢！</a:t>
+            </a:r>
+            <a:endParaRPr lang="en-US" altLang="zh-CN" sz="2000" dirty="0" smtClean="0">
+              <a:latin typeface="黑体" panose="02010609060101010101" pitchFamily="49" charset="-122"/>
+              <a:ea typeface="黑体" panose="02010609060101010101" pitchFamily="49" charset="-122"/>
+            </a:endParaRPr>
+          </a:p>
+          <a:p>
+            <a:pPr marL="0" indent="0">
+              <a:buNone/>
+            </a:pPr>
+            <a:endParaRPr lang="en-US" altLang="zh-CN" sz="2000" dirty="0">
+              <a:latin typeface="黑体" panose="02010609060101010101" pitchFamily="49" charset="-122"/>
+              <a:ea typeface="黑体" panose="02010609060101010101" pitchFamily="49" charset="-122"/>
+            </a:endParaRPr>
+          </a:p>
+          <a:p>
+            <a:pPr marL="0" indent="0" algn="ctr">
+              <a:buNone/>
+            </a:pPr>
+            <a:r>
+              <a:rPr lang="zh-CN" altLang="en-US" sz="2000" dirty="0" smtClean="0">
+                <a:latin typeface="黑体" panose="02010609060101010101" pitchFamily="49" charset="-122"/>
+                <a:ea typeface="黑体" panose="02010609060101010101" pitchFamily="49" charset="-122"/>
+              </a:rPr>
+              <a:t>本毕业设计的</a:t>
+            </a:r>
+            <a:r>
+              <a:rPr lang="en-US" altLang="zh-CN" sz="2000" dirty="0" smtClean="0">
+                <a:latin typeface="黑体" panose="02010609060101010101" pitchFamily="49" charset="-122"/>
+                <a:ea typeface="黑体" panose="02010609060101010101" pitchFamily="49" charset="-122"/>
+              </a:rPr>
+              <a:t>PPT</a:t>
+            </a:r>
+            <a:r>
+              <a:rPr lang="zh-CN" altLang="en-US" sz="2000" dirty="0" smtClean="0">
+                <a:latin typeface="黑体" panose="02010609060101010101" pitchFamily="49" charset="-122"/>
+                <a:ea typeface="黑体" panose="02010609060101010101" pitchFamily="49" charset="-122"/>
+              </a:rPr>
+              <a:t>演示部分已结束</a:t>
+            </a:r>
+            <a:endParaRPr lang="en-US" altLang="zh-CN" sz="2000" dirty="0" smtClean="0">
+              <a:latin typeface="黑体" panose="02010609060101010101" pitchFamily="49" charset="-122"/>
+              <a:ea typeface="黑体" panose="02010609060101010101" pitchFamily="49" charset="-122"/>
+            </a:endParaRPr>
+          </a:p>
+        </p:txBody>
+      </p:sp>
+      <p:pic>
+        <p:nvPicPr>
+          <p:cNvPr id="4" name="图片 3"/>
+          <p:cNvPicPr>
+            <a:picLocks noChangeAspect="1"/>
+          </p:cNvPicPr>
+          <p:nvPr/>
+        </p:nvPicPr>
+        <p:blipFill>
+          <a:blip r:embed="rId2">
+            <a:extLst>
+              <a:ext uri="{28A0092B-C50C-407E-A947-70E740481C1C}">
+                <a14:useLocalDpi xmlns:a14="http://schemas.microsoft.com/office/drawing/2010/main" val="0"/>
+              </a:ext>
+            </a:extLst>
+          </a:blip>
+          <a:stretch>
+            <a:fillRect/>
+          </a:stretch>
+        </p:blipFill>
+        <p:spPr>
+          <a:xfrm>
+            <a:off x="10569147" y="247335"/>
+            <a:ext cx="1350574" cy="1336506"/>
+          </a:xfrm>
+          <a:prstGeom prst="rect">
+            <a:avLst/>
+          </a:prstGeom>
+        </p:spPr>
+      </p:pic>
+      <p:sp>
+        <p:nvSpPr>
+          <p:cNvPr id="5" name="文本框 4"/>
+          <p:cNvSpPr txBox="1"/>
+          <p:nvPr/>
+        </p:nvSpPr>
+        <p:spPr>
+          <a:xfrm>
+            <a:off x="1161535" y="469557"/>
+            <a:ext cx="5206314" cy="1107996"/>
+          </a:xfrm>
+          <a:prstGeom prst="rect">
+            <a:avLst/>
+          </a:prstGeom>
+          <a:noFill/>
+        </p:spPr>
+        <p:txBody>
+          <a:bodyPr wrap="square" rtlCol="0">
+            <a:spAutoFit/>
+          </a:bodyPr>
+          <a:lstStyle/>
+          <a:p>
+            <a:r>
+              <a:rPr lang="zh-CN" altLang="en-US" sz="6600" dirty="0" smtClean="0">
+                <a:solidFill>
+                  <a:srgbClr val="FF0000"/>
+                </a:solidFill>
+                <a:latin typeface="黑体" panose="02010609060101010101" pitchFamily="49" charset="-122"/>
+                <a:ea typeface="黑体" panose="02010609060101010101" pitchFamily="49" charset="-122"/>
+              </a:rPr>
+              <a:t>提问环节</a:t>
+            </a:r>
+            <a:endParaRPr lang="zh-CN" altLang="en-US" sz="6600" dirty="0">
+              <a:solidFill>
+                <a:srgbClr val="FF0000"/>
+              </a:solidFill>
+              <a:latin typeface="黑体" panose="02010609060101010101" pitchFamily="49" charset="-122"/>
+              <a:ea typeface="黑体" panose="02010609060101010101" pitchFamily="49" charset="-122"/>
+            </a:endParaRPr>
+          </a:p>
+        </p:txBody>
+      </p:sp>
+      <p:sp>
+        <p:nvSpPr>
+          <p:cNvPr id="7" name="文本框 6"/>
+          <p:cNvSpPr txBox="1"/>
+          <p:nvPr/>
+        </p:nvSpPr>
+        <p:spPr>
+          <a:xfrm>
+            <a:off x="1593507" y="3979268"/>
+            <a:ext cx="9548683" cy="707886"/>
+          </a:xfrm>
+          <a:prstGeom prst="rect">
+            <a:avLst/>
+          </a:prstGeom>
+          <a:noFill/>
+        </p:spPr>
+        <p:txBody>
+          <a:bodyPr wrap="square" rtlCol="0">
+            <a:spAutoFit/>
+          </a:bodyPr>
+          <a:lstStyle/>
+          <a:p>
+            <a:r>
+              <a:rPr lang="zh-CN" altLang="en-US" sz="4000" dirty="0" smtClean="0">
+                <a:latin typeface="微软雅黑" panose="020B0503020204020204" pitchFamily="34" charset="-122"/>
+                <a:ea typeface="微软雅黑" panose="020B0503020204020204" pitchFamily="34" charset="-122"/>
+              </a:rPr>
+              <a:t>项目名称：</a:t>
+            </a:r>
+            <a:r>
+              <a:rPr lang="zh-CN" altLang="en-US" sz="4000" dirty="0">
+                <a:latin typeface="微软雅黑" panose="020B0503020204020204" pitchFamily="34" charset="-122"/>
+                <a:ea typeface="微软雅黑" panose="020B0503020204020204" pitchFamily="34" charset="-122"/>
+              </a:rPr>
+              <a:t>股票分析预测</a:t>
+            </a:r>
+            <a:r>
+              <a:rPr lang="zh-CN" altLang="en-US" sz="4000" dirty="0" smtClean="0">
+                <a:latin typeface="微软雅黑" panose="020B0503020204020204" pitchFamily="34" charset="-122"/>
+                <a:ea typeface="微软雅黑" panose="020B0503020204020204" pitchFamily="34" charset="-122"/>
+              </a:rPr>
+              <a:t>系统设计</a:t>
+            </a:r>
+            <a:r>
+              <a:rPr lang="zh-CN" altLang="en-US" sz="4000" dirty="0">
+                <a:latin typeface="微软雅黑" panose="020B0503020204020204" pitchFamily="34" charset="-122"/>
+                <a:ea typeface="微软雅黑" panose="020B0503020204020204" pitchFamily="34" charset="-122"/>
+              </a:rPr>
+              <a:t>与实现</a:t>
+            </a:r>
+          </a:p>
+        </p:txBody>
+      </p:sp>
+      <p:sp>
+        <p:nvSpPr>
+          <p:cNvPr id="8" name="文本框 7"/>
+          <p:cNvSpPr txBox="1"/>
+          <p:nvPr/>
+        </p:nvSpPr>
+        <p:spPr>
+          <a:xfrm>
+            <a:off x="8929130" y="4877411"/>
+            <a:ext cx="2725387" cy="1200329"/>
+          </a:xfrm>
+          <a:prstGeom prst="rect">
+            <a:avLst/>
+          </a:prstGeom>
+          <a:noFill/>
+        </p:spPr>
+        <p:txBody>
+          <a:bodyPr wrap="square" rtlCol="0">
+            <a:spAutoFit/>
+          </a:bodyPr>
+          <a:lstStyle/>
+          <a:p>
+            <a:r>
+              <a:rPr lang="zh-CN" altLang="en-US" dirty="0" smtClean="0">
+                <a:latin typeface="黑体" panose="02010609060101010101" pitchFamily="49" charset="-122"/>
+                <a:ea typeface="黑体" panose="02010609060101010101" pitchFamily="49" charset="-122"/>
+              </a:rPr>
+              <a:t>指导老师：周平</a:t>
+            </a:r>
+            <a:endParaRPr lang="en-US" altLang="zh-CN" dirty="0" smtClean="0">
+              <a:latin typeface="黑体" panose="02010609060101010101" pitchFamily="49" charset="-122"/>
+              <a:ea typeface="黑体" panose="02010609060101010101" pitchFamily="49" charset="-122"/>
+            </a:endParaRPr>
+          </a:p>
+          <a:p>
+            <a:r>
+              <a:rPr lang="zh-CN" altLang="en-US" dirty="0" smtClean="0">
+                <a:latin typeface="黑体" panose="02010609060101010101" pitchFamily="49" charset="-122"/>
+                <a:ea typeface="黑体" panose="02010609060101010101" pitchFamily="49" charset="-122"/>
+              </a:rPr>
+              <a:t>班级：</a:t>
+            </a:r>
+            <a:r>
+              <a:rPr lang="en-US" altLang="zh-CN" dirty="0" smtClean="0">
+                <a:latin typeface="黑体" panose="02010609060101010101" pitchFamily="49" charset="-122"/>
+                <a:ea typeface="黑体" panose="02010609060101010101" pitchFamily="49" charset="-122"/>
+              </a:rPr>
+              <a:t>2014055</a:t>
+            </a:r>
+            <a:r>
+              <a:rPr lang="zh-CN" altLang="en-US" dirty="0" smtClean="0">
+                <a:latin typeface="黑体" panose="02010609060101010101" pitchFamily="49" charset="-122"/>
+                <a:ea typeface="黑体" panose="02010609060101010101" pitchFamily="49" charset="-122"/>
+              </a:rPr>
+              <a:t>班</a:t>
+            </a:r>
+            <a:endParaRPr lang="en-US" altLang="zh-CN" dirty="0">
+              <a:latin typeface="黑体" panose="02010609060101010101" pitchFamily="49" charset="-122"/>
+              <a:ea typeface="黑体" panose="02010609060101010101" pitchFamily="49" charset="-122"/>
+            </a:endParaRPr>
+          </a:p>
+          <a:p>
+            <a:r>
+              <a:rPr lang="zh-CN" altLang="en-US" dirty="0" smtClean="0">
+                <a:latin typeface="黑体" panose="02010609060101010101" pitchFamily="49" charset="-122"/>
+                <a:ea typeface="黑体" panose="02010609060101010101" pitchFamily="49" charset="-122"/>
+              </a:rPr>
+              <a:t>学号：</a:t>
+            </a:r>
+            <a:r>
+              <a:rPr lang="en-US" altLang="zh-CN" dirty="0" smtClean="0">
+                <a:latin typeface="黑体" panose="02010609060101010101" pitchFamily="49" charset="-122"/>
+                <a:ea typeface="黑体" panose="02010609060101010101" pitchFamily="49" charset="-122"/>
+              </a:rPr>
+              <a:t>20140711</a:t>
+            </a:r>
+          </a:p>
+          <a:p>
+            <a:r>
+              <a:rPr lang="zh-CN" altLang="en-US" dirty="0" smtClean="0">
+                <a:latin typeface="黑体" panose="02010609060101010101" pitchFamily="49" charset="-122"/>
+                <a:ea typeface="黑体" panose="02010609060101010101" pitchFamily="49" charset="-122"/>
+              </a:rPr>
+              <a:t>姓名：徐智杰</a:t>
+            </a:r>
+            <a:endParaRPr lang="zh-CN" altLang="en-US" dirty="0">
+              <a:latin typeface="黑体" panose="02010609060101010101" pitchFamily="49" charset="-122"/>
+              <a:ea typeface="黑体" panose="02010609060101010101" pitchFamily="49" charset="-122"/>
+            </a:endParaRPr>
+          </a:p>
+        </p:txBody>
+      </p:sp>
+    </p:spTree>
+    <p:extLst>
+      <p:ext uri="{BB962C8B-B14F-4D97-AF65-F5344CB8AC3E}">
+        <p14:creationId xmlns:p14="http://schemas.microsoft.com/office/powerpoint/2010/main" val="1134079350"/>
       </p:ext>
     </p:extLst>
   </p:cSld>
@@ -3461,6 +5779,36 @@
           </a:p>
         </p:txBody>
       </p:sp>
+      <p:pic>
+        <p:nvPicPr>
+          <p:cNvPr id="5" name="图片 4"/>
+          <p:cNvPicPr>
+            <a:picLocks noChangeAspect="1"/>
+          </p:cNvPicPr>
+          <p:nvPr/>
+        </p:nvPicPr>
+        <p:blipFill>
+          <a:blip r:embed="rId2">
+            <a:extLst>
+              <a:ext uri="{28A0092B-C50C-407E-A947-70E740481C1C}">
+                <a14:useLocalDpi xmlns:a14="http://schemas.microsoft.com/office/drawing/2010/main" val="0"/>
+              </a:ext>
+            </a:extLst>
+          </a:blip>
+          <a:stretch>
+            <a:fillRect/>
+          </a:stretch>
+        </p:blipFill>
+        <p:spPr>
+          <a:xfrm>
+            <a:off x="10569147" y="247335"/>
+            <a:ext cx="1350574" cy="1336506"/>
+          </a:xfrm>
+          <a:prstGeom prst="rect">
+            <a:avLst/>
+          </a:prstGeom>
+        </p:spPr>
+      </p:pic>
     </p:spTree>
     <p:extLst>
       <p:ext uri="{BB962C8B-B14F-4D97-AF65-F5344CB8AC3E}">
@@ -3597,6 +5945,36 @@
           </a:p>
         </p:txBody>
       </p:sp>
+      <p:pic>
+        <p:nvPicPr>
+          <p:cNvPr id="5" name="图片 4"/>
+          <p:cNvPicPr>
+            <a:picLocks noChangeAspect="1"/>
+          </p:cNvPicPr>
+          <p:nvPr/>
+        </p:nvPicPr>
+        <p:blipFill>
+          <a:blip r:embed="rId2">
+            <a:extLst>
+              <a:ext uri="{28A0092B-C50C-407E-A947-70E740481C1C}">
+                <a14:useLocalDpi xmlns:a14="http://schemas.microsoft.com/office/drawing/2010/main" val="0"/>
+              </a:ext>
+            </a:extLst>
+          </a:blip>
+          <a:stretch>
+            <a:fillRect/>
+          </a:stretch>
+        </p:blipFill>
+        <p:spPr>
+          <a:xfrm>
+            <a:off x="10569147" y="247335"/>
+            <a:ext cx="1350574" cy="1336506"/>
+          </a:xfrm>
+          <a:prstGeom prst="rect">
+            <a:avLst/>
+          </a:prstGeom>
+        </p:spPr>
+      </p:pic>
     </p:spTree>
     <p:extLst>
       <p:ext uri="{BB962C8B-B14F-4D97-AF65-F5344CB8AC3E}">
@@ -3672,9 +6050,16 @@
             <p:ph idx="1"/>
           </p:nvPr>
         </p:nvSpPr>
-        <p:spPr/>
-        <p:txBody>
-          <a:bodyPr/>
+        <p:spPr>
+          <a:xfrm>
+            <a:off x="838200" y="1701631"/>
+            <a:ext cx="10515600" cy="4351338"/>
+          </a:xfrm>
+        </p:spPr>
+        <p:txBody>
+          <a:bodyPr>
+            <a:normAutofit/>
+          </a:bodyPr>
           <a:lstStyle/>
           <a:p>
             <a:r>
@@ -3769,43 +6154,38 @@
           </a:p>
           <a:p>
             <a:r>
+              <a:rPr lang="en-US" altLang="zh-CN" dirty="0" err="1">
+                <a:latin typeface="黑体" panose="02010609060101010101" pitchFamily="49" charset="-122"/>
+                <a:ea typeface="黑体" panose="02010609060101010101" pitchFamily="49" charset="-122"/>
+              </a:rPr>
+              <a:t>JfreeChart</a:t>
+            </a:r>
+            <a:r>
+              <a:rPr lang="zh-CN" altLang="en-US" dirty="0">
+                <a:latin typeface="黑体" panose="02010609060101010101" pitchFamily="49" charset="-122"/>
+                <a:ea typeface="黑体" panose="02010609060101010101" pitchFamily="49" charset="-122"/>
+              </a:rPr>
+              <a:t>（图表绘制）</a:t>
+            </a:r>
+            <a:endParaRPr lang="en-US" altLang="zh-CN" dirty="0">
+              <a:latin typeface="黑体" panose="02010609060101010101" pitchFamily="49" charset="-122"/>
+              <a:ea typeface="黑体" panose="02010609060101010101" pitchFamily="49" charset="-122"/>
+            </a:endParaRPr>
+          </a:p>
+          <a:p>
+            <a:r>
+              <a:rPr lang="en-US" altLang="zh-CN" dirty="0" err="1" smtClean="0">
+                <a:latin typeface="黑体" panose="02010609060101010101" pitchFamily="49" charset="-122"/>
+                <a:ea typeface="黑体" panose="02010609060101010101" pitchFamily="49" charset="-122"/>
+              </a:rPr>
+              <a:t>OpenJDK</a:t>
+            </a:r>
+            <a:r>
               <a:rPr lang="en-US" altLang="zh-CN" dirty="0" smtClean="0">
                 <a:latin typeface="黑体" panose="02010609060101010101" pitchFamily="49" charset="-122"/>
                 <a:ea typeface="黑体" panose="02010609060101010101" pitchFamily="49" charset="-122"/>
               </a:rPr>
-              <a:t>MySQL 8.0.1+</a:t>
-            </a:r>
-          </a:p>
-          <a:p>
-            <a:r>
-              <a:rPr lang="en-US" altLang="zh-CN" dirty="0" err="1" smtClean="0">
-                <a:latin typeface="黑体" panose="02010609060101010101" pitchFamily="49" charset="-122"/>
-                <a:ea typeface="黑体" panose="02010609060101010101" pitchFamily="49" charset="-122"/>
-              </a:rPr>
-              <a:t>MongoDB</a:t>
-            </a:r>
-            <a:r>
-              <a:rPr lang="en-US" altLang="zh-CN" dirty="0" smtClean="0">
-                <a:latin typeface="黑体" panose="02010609060101010101" pitchFamily="49" charset="-122"/>
-                <a:ea typeface="黑体" panose="02010609060101010101" pitchFamily="49" charset="-122"/>
-              </a:rPr>
-              <a:t> 3.5+</a:t>
-            </a:r>
-          </a:p>
-          <a:p>
-            <a:r>
-              <a:rPr lang="en-US" altLang="zh-CN" dirty="0" err="1" smtClean="0">
-                <a:latin typeface="黑体" panose="02010609060101010101" pitchFamily="49" charset="-122"/>
-                <a:ea typeface="黑体" panose="02010609060101010101" pitchFamily="49" charset="-122"/>
-              </a:rPr>
-              <a:t>JfreeChart</a:t>
-            </a:r>
-            <a:r>
-              <a:rPr lang="zh-CN" altLang="en-US" dirty="0" smtClean="0">
-                <a:latin typeface="黑体" panose="02010609060101010101" pitchFamily="49" charset="-122"/>
-                <a:ea typeface="黑体" panose="02010609060101010101" pitchFamily="49" charset="-122"/>
-              </a:rPr>
-              <a:t>（图表绘制）</a:t>
+              <a:t> 1.8+</a:t>
             </a:r>
             <a:endParaRPr lang="en-US" altLang="zh-CN" dirty="0" smtClean="0">
               <a:latin typeface="黑体" panose="02010609060101010101" pitchFamily="49" charset="-122"/>
@@ -3814,11 +6194,43 @@
           </a:p>
           <a:p>
             <a:r>
-              <a:rPr lang="zh-CN" altLang="en-US" dirty="0" smtClean="0">
-                <a:latin typeface="黑体" panose="02010609060101010101" pitchFamily="49" charset="-122"/>
-                <a:ea typeface="黑体" panose="02010609060101010101" pitchFamily="49" charset="-122"/>
-              </a:rPr>
-              <a:t>因考</a:t>
+              <a:rPr lang="en-US" altLang="zh-CN" dirty="0" smtClean="0">
+                <a:latin typeface="黑体" panose="02010609060101010101" pitchFamily="49" charset="-122"/>
+                <a:ea typeface="黑体" panose="02010609060101010101" pitchFamily="49" charset="-122"/>
+              </a:rPr>
+              <a:t>MySQL 8.0.1+</a:t>
+            </a:r>
+          </a:p>
+          <a:p>
+            <a:r>
+              <a:rPr lang="en-US" altLang="zh-CN" dirty="0" err="1" smtClean="0">
+                <a:latin typeface="黑体" panose="02010609060101010101" pitchFamily="49" charset="-122"/>
+                <a:ea typeface="黑体" panose="02010609060101010101" pitchFamily="49" charset="-122"/>
+              </a:rPr>
+              <a:t>MongoDB</a:t>
+            </a:r>
+            <a:r>
+              <a:rPr lang="en-US" altLang="zh-CN" dirty="0" smtClean="0">
+                <a:latin typeface="黑体" panose="02010609060101010101" pitchFamily="49" charset="-122"/>
+                <a:ea typeface="黑体" panose="02010609060101010101" pitchFamily="49" charset="-122"/>
+              </a:rPr>
+              <a:t> 3.5+</a:t>
+            </a:r>
+          </a:p>
+          <a:p>
+            <a:r>
+              <a:rPr lang="zh-CN" altLang="en-US" dirty="0" smtClean="0">
+                <a:latin typeface="黑体" panose="02010609060101010101" pitchFamily="49" charset="-122"/>
+                <a:ea typeface="黑体" panose="02010609060101010101" pitchFamily="49" charset="-122"/>
+              </a:rPr>
+              <a:t>因</a:t>
+            </a:r>
+            <a:r>
+              <a:rPr lang="zh-CN" altLang="en-US" dirty="0" smtClean="0">
+                <a:latin typeface="黑体" panose="02010609060101010101" pitchFamily="49" charset="-122"/>
+                <a:ea typeface="黑体" panose="02010609060101010101" pitchFamily="49" charset="-122"/>
+              </a:rPr>
+              <a:t>考</a:t>
             </a:r>
             <a:r>
               <a:rPr lang="zh-CN" altLang="en-US" dirty="0">
@@ -3841,6 +6253,36 @@
           </a:p>
         </p:txBody>
       </p:sp>
+      <p:pic>
+        <p:nvPicPr>
+          <p:cNvPr id="5" name="图片 4"/>
+          <p:cNvPicPr>
+            <a:picLocks noChangeAspect="1"/>
+          </p:cNvPicPr>
+          <p:nvPr/>
+        </p:nvPicPr>
+        <p:blipFill>
+          <a:blip r:embed="rId2">
+            <a:extLst>
+              <a:ext uri="{28A0092B-C50C-407E-A947-70E740481C1C}">
+                <a14:useLocalDpi xmlns:a14="http://schemas.microsoft.com/office/drawing/2010/main" val="0"/>
+              </a:ext>
+            </a:extLst>
+          </a:blip>
+          <a:stretch>
+            <a:fillRect/>
+          </a:stretch>
+        </p:blipFill>
+        <p:spPr>
+          <a:xfrm>
+            <a:off x="10569147" y="247335"/>
+            <a:ext cx="1350574" cy="1336506"/>
+          </a:xfrm>
+          <a:prstGeom prst="rect">
+            <a:avLst/>
+          </a:prstGeom>
+        </p:spPr>
+      </p:pic>
     </p:spTree>
     <p:extLst>
       <p:ext uri="{BB962C8B-B14F-4D97-AF65-F5344CB8AC3E}">
@@ -3887,192 +6329,27 @@
           <a:lstStyle/>
           <a:p>
             <a:r>
-              <a:rPr lang="zh-CN" altLang="en-US" dirty="0" smtClean="0">
-                <a:solidFill>
-                  <a:srgbClr val="FF0000"/>
-                </a:solidFill>
-                <a:latin typeface="黑体" panose="02010609060101010101" pitchFamily="49" charset="-122"/>
-                <a:ea typeface="黑体" panose="02010609060101010101" pitchFamily="49" charset="-122"/>
-              </a:rPr>
-              <a:t>核心问题</a:t>
-            </a:r>
-            <a:endParaRPr lang="zh-CN" altLang="en-US" dirty="0">
-              <a:solidFill>
-                <a:srgbClr val="FF0000"/>
-              </a:solidFill>
-              <a:latin typeface="黑体" panose="02010609060101010101" pitchFamily="49" charset="-122"/>
-              <a:ea typeface="黑体" panose="02010609060101010101" pitchFamily="49" charset="-122"/>
-            </a:endParaRPr>
-          </a:p>
-        </p:txBody>
-      </p:sp>
-      <p:sp>
-        <p:nvSpPr>
-          <p:cNvPr id="3" name="内容占位符 2"/>
-          <p:cNvSpPr>
-            <a:spLocks noGrp="1"/>
-          </p:cNvSpPr>
-          <p:nvPr>
-            <p:ph idx="1"/>
-          </p:nvPr>
-        </p:nvSpPr>
-        <p:spPr/>
-        <p:txBody>
-          <a:bodyPr/>
-          <a:lstStyle/>
-          <a:p>
-            <a:r>
-              <a:rPr lang="zh-CN" altLang="en-US" dirty="0" smtClean="0">
-                <a:latin typeface="黑体" panose="02010609060101010101" pitchFamily="49" charset="-122"/>
-                <a:ea typeface="黑体" panose="02010609060101010101" pitchFamily="49" charset="-122"/>
-              </a:rPr>
-              <a:t>前提条件：大量的判断纬度，股票走势</a:t>
-            </a:r>
-            <a:endParaRPr lang="en-US" altLang="zh-CN" dirty="0" smtClean="0">
-              <a:latin typeface="黑体" panose="02010609060101010101" pitchFamily="49" charset="-122"/>
-              <a:ea typeface="黑体" panose="02010609060101010101" pitchFamily="49" charset="-122"/>
-            </a:endParaRPr>
-          </a:p>
-          <a:p>
-            <a:r>
-              <a:rPr lang="zh-CN" altLang="en-US" dirty="0">
-                <a:latin typeface="黑体" panose="02010609060101010101" pitchFamily="49" charset="-122"/>
-                <a:ea typeface="黑体" panose="02010609060101010101" pitchFamily="49" charset="-122"/>
-              </a:rPr>
-              <a:t>问题转</a:t>
-            </a:r>
-            <a:r>
-              <a:rPr lang="zh-CN" altLang="en-US" dirty="0" smtClean="0">
-                <a:latin typeface="黑体" panose="02010609060101010101" pitchFamily="49" charset="-122"/>
-                <a:ea typeface="黑体" panose="02010609060101010101" pitchFamily="49" charset="-122"/>
-              </a:rPr>
-              <a:t>化：</a:t>
-            </a:r>
-            <a:r>
-              <a:rPr lang="zh-CN" altLang="en-US" dirty="0" smtClean="0">
-                <a:solidFill>
-                  <a:srgbClr val="FF0000"/>
-                </a:solidFill>
-                <a:latin typeface="黑体" panose="02010609060101010101" pitchFamily="49" charset="-122"/>
-                <a:ea typeface="黑体" panose="02010609060101010101" pitchFamily="49" charset="-122"/>
-              </a:rPr>
-              <a:t>基于一堆数据的猜测 </a:t>
-            </a:r>
-            <a:r>
-              <a:rPr lang="en-US" altLang="zh-CN" dirty="0" smtClean="0">
-                <a:solidFill>
-                  <a:srgbClr val="FF0000"/>
-                </a:solidFill>
-                <a:latin typeface="黑体" panose="02010609060101010101" pitchFamily="49" charset="-122"/>
-                <a:ea typeface="黑体" panose="02010609060101010101" pitchFamily="49" charset="-122"/>
-                <a:sym typeface="Wingdings" panose="05000000000000000000" pitchFamily="2" charset="2"/>
-              </a:rPr>
-              <a:t>  </a:t>
-            </a:r>
-            <a:r>
-              <a:rPr lang="zh-CN" altLang="en-US" dirty="0" smtClean="0">
-                <a:solidFill>
-                  <a:srgbClr val="FF0000"/>
-                </a:solidFill>
-                <a:latin typeface="黑体" panose="02010609060101010101" pitchFamily="49" charset="-122"/>
-                <a:ea typeface="黑体" panose="02010609060101010101" pitchFamily="49" charset="-122"/>
-                <a:sym typeface="Wingdings" panose="05000000000000000000" pitchFamily="2" charset="2"/>
-              </a:rPr>
-              <a:t>公式与概率论的结合</a:t>
-            </a:r>
-            <a:endParaRPr lang="en-US" altLang="zh-CN" dirty="0" smtClean="0">
-              <a:solidFill>
-                <a:srgbClr val="FF0000"/>
-              </a:solidFill>
-              <a:latin typeface="黑体" panose="02010609060101010101" pitchFamily="49" charset="-122"/>
-              <a:ea typeface="黑体" panose="02010609060101010101" pitchFamily="49" charset="-122"/>
-              <a:sym typeface="Wingdings" panose="05000000000000000000" pitchFamily="2" charset="2"/>
-            </a:endParaRPr>
-          </a:p>
-          <a:p>
-            <a:r>
-              <a:rPr lang="zh-CN" altLang="en-US" dirty="0">
-                <a:latin typeface="黑体" panose="02010609060101010101" pitchFamily="49" charset="-122"/>
-                <a:ea typeface="黑体" panose="02010609060101010101" pitchFamily="49" charset="-122"/>
-                <a:sym typeface="Wingdings" panose="05000000000000000000" pitchFamily="2" charset="2"/>
-              </a:rPr>
-              <a:t>问题总</a:t>
-            </a:r>
-            <a:r>
-              <a:rPr lang="zh-CN" altLang="en-US" dirty="0" smtClean="0">
-                <a:latin typeface="黑体" panose="02010609060101010101" pitchFamily="49" charset="-122"/>
-                <a:ea typeface="黑体" panose="02010609060101010101" pitchFamily="49" charset="-122"/>
-                <a:sym typeface="Wingdings" panose="05000000000000000000" pitchFamily="2" charset="2"/>
-              </a:rPr>
-              <a:t>结：我们能否得出一个</a:t>
-            </a:r>
-            <a:r>
-              <a:rPr lang="zh-CN" altLang="en-US" dirty="0" smtClean="0">
-                <a:solidFill>
-                  <a:srgbClr val="FF0000"/>
-                </a:solidFill>
-                <a:latin typeface="黑体" panose="02010609060101010101" pitchFamily="49" charset="-122"/>
-                <a:ea typeface="黑体" panose="02010609060101010101" pitchFamily="49" charset="-122"/>
-                <a:sym typeface="Wingdings" panose="05000000000000000000" pitchFamily="2" charset="2"/>
-              </a:rPr>
-              <a:t>规则引擎或模型算法</a:t>
-            </a:r>
-            <a:r>
-              <a:rPr lang="zh-CN" altLang="en-US" dirty="0" smtClean="0">
-                <a:latin typeface="黑体" panose="02010609060101010101" pitchFamily="49" charset="-122"/>
-                <a:ea typeface="黑体" panose="02010609060101010101" pitchFamily="49" charset="-122"/>
-                <a:sym typeface="Wingdings" panose="05000000000000000000" pitchFamily="2" charset="2"/>
-              </a:rPr>
-              <a:t>，在不考虑人为因素的情况下，通过一个</a:t>
-            </a:r>
-            <a:r>
-              <a:rPr lang="zh-CN" altLang="en-US" dirty="0" smtClean="0">
-                <a:solidFill>
-                  <a:srgbClr val="FF0000"/>
-                </a:solidFill>
-                <a:latin typeface="黑体" panose="02010609060101010101" pitchFamily="49" charset="-122"/>
-                <a:ea typeface="黑体" panose="02010609060101010101" pitchFamily="49" charset="-122"/>
-                <a:sym typeface="Wingdings" panose="05000000000000000000" pitchFamily="2" charset="2"/>
-              </a:rPr>
-              <a:t>公式的结果</a:t>
-            </a:r>
-            <a:r>
-              <a:rPr lang="zh-CN" altLang="en-US" dirty="0" smtClean="0">
-                <a:latin typeface="黑体" panose="02010609060101010101" pitchFamily="49" charset="-122"/>
-                <a:ea typeface="黑体" panose="02010609060101010101" pitchFamily="49" charset="-122"/>
-                <a:sym typeface="Wingdings" panose="05000000000000000000" pitchFamily="2" charset="2"/>
-              </a:rPr>
-              <a:t>或者来解决这个问题</a:t>
-            </a:r>
-            <a:r>
               <a:rPr lang="zh-CN" altLang="en-US" dirty="0">
                 <a:solidFill>
                   <a:srgbClr val="FF0000"/>
                 </a:solidFill>
                 <a:latin typeface="黑体" panose="02010609060101010101" pitchFamily="49" charset="-122"/>
                 <a:ea typeface="黑体" panose="02010609060101010101" pitchFamily="49" charset="-122"/>
-                <a:sym typeface="Wingdings" panose="05000000000000000000" pitchFamily="2" charset="2"/>
-              </a:rPr>
-              <a:t>有趣的概率分布</a:t>
-            </a:r>
-            <a:endParaRPr lang="en-US" altLang="zh-CN" dirty="0" smtClean="0">
-              <a:latin typeface="黑体" panose="02010609060101010101" pitchFamily="49" charset="-122"/>
-              <a:ea typeface="黑体" panose="02010609060101010101" pitchFamily="49" charset="-122"/>
-            </a:endParaRPr>
-          </a:p>
-          <a:p>
-            <a:endParaRPr lang="en-US" altLang="zh-CN" dirty="0" smtClean="0">
-              <a:latin typeface="黑体" panose="02010609060101010101" pitchFamily="49" charset="-122"/>
-              <a:ea typeface="黑体" panose="02010609060101010101" pitchFamily="49" charset="-122"/>
-            </a:endParaRPr>
+              </a:rPr>
+              <a:t>系统流程</a:t>
+            </a:r>
           </a:p>
         </p:txBody>
       </p:sp>
       <p:pic>
         <p:nvPicPr>
-          <p:cNvPr id="5" name="图片 4"/>
-          <p:cNvPicPr/>
-          <p:nvPr/>
+          <p:cNvPr id="4" name="内容占位符 3"/>
+          <p:cNvPicPr>
+            <a:picLocks noGrp="1" noChangeAspect="1"/>
+          </p:cNvPicPr>
+          <p:nvPr>
+            <p:ph idx="1"/>
+          </p:nvPr>
         </p:nvPicPr>
         <p:blipFill>
           <a:blip r:embed="rId2"/>
@@ -4082,48 +6359,48 @@
         </p:blipFill>
         <p:spPr>
           <a:xfrm>
-            <a:off x="1552591" y="4401347"/>
-            <a:ext cx="9086816" cy="1264986"/>
+            <a:off x="3104665" y="1817387"/>
+            <a:ext cx="4944702" cy="4351338"/>
           </a:xfrm>
           <a:prstGeom prst="rect">
             <a:avLst/>
           </a:prstGeom>
         </p:spPr>
       </p:pic>
-      <p:sp>
-        <p:nvSpPr>
-          <p:cNvPr id="6" name="文本框 5"/>
-          <p:cNvSpPr txBox="1"/>
+      <p:pic>
+        <p:nvPicPr>
+          <p:cNvPr id="5" name="图片 4"/>
+          <p:cNvPicPr>
+            <a:picLocks noChangeAspect="1"/>
+          </p:cNvPicPr>
           <p:nvPr/>
-        </p:nvSpPr>
+        </p:nvPicPr>
+        <p:blipFill>
+          <a:blip r:embed="rId3">
+            <a:extLst>
+              <a:ext uri="{28A0092B-C50C-407E-A947-70E740481C1C}">
+                <a14:useLocalDpi xmlns:a14="http://schemas.microsoft.com/office/drawing/2010/main" val="0"/>
+              </a:ext>
+            </a:extLst>
+          </a:blip>
+          <a:stretch>
+            <a:fillRect/>
+          </a:stretch>
+        </p:blipFill>
         <p:spPr>
           <a:xfrm>
-            <a:off x="4241442" y="5481667"/>
-            <a:ext cx="3709115" cy="369332"/>
+            <a:off x="10569147" y="247335"/>
+            <a:ext cx="1350574" cy="1336506"/>
           </a:xfrm>
           <a:prstGeom prst="rect">
             <a:avLst/>
           </a:prstGeom>
-          <a:noFill/>
         </p:spPr>
-        <p:txBody>
-          <a:bodyPr wrap="square" rtlCol="0">
-            <a:spAutoFit/>
-          </a:bodyPr>
-          <a:lstStyle/>
-          <a:p>
-            <a:r>
-              <a:rPr lang="zh-CN" altLang="en-US" dirty="0" smtClean="0"/>
-              <a:t>模型与公式的基本公式思路</a:t>
-            </a:r>
-            <a:endParaRPr lang="zh-CN" altLang="en-US" dirty="0"/>
-          </a:p>
-        </p:txBody>
-      </p:sp>
+      </p:pic>
     </p:spTree>
     <p:extLst>
       <p:ext uri="{BB962C8B-B14F-4D97-AF65-F5344CB8AC3E}">
-        <p14:creationId xmlns:p14="http://schemas.microsoft.com/office/powerpoint/2010/main" val="3777426735"/>
+        <p14:creationId xmlns:p14="http://schemas.microsoft.com/office/powerpoint/2010/main" val="1974084448"/>
       </p:ext>
     </p:extLst>
   </p:cSld>
@@ -4173,6 +6450,345 @@
                 <a:latin typeface="黑体" panose="02010609060101010101" pitchFamily="49" charset="-122"/>
                 <a:ea typeface="黑体" panose="02010609060101010101" pitchFamily="49" charset="-122"/>
               </a:rPr>
+              <a:t>核心问题</a:t>
+            </a:r>
+            <a:endParaRPr lang="zh-CN" altLang="en-US" dirty="0">
+              <a:solidFill>
+                <a:srgbClr val="FF0000"/>
+              </a:solidFill>
+              <a:latin typeface="黑体" panose="02010609060101010101" pitchFamily="49" charset="-122"/>
+              <a:ea typeface="黑体" panose="02010609060101010101" pitchFamily="49" charset="-122"/>
+            </a:endParaRPr>
+          </a:p>
+        </p:txBody>
+      </p:sp>
+      <p:sp>
+        <p:nvSpPr>
+          <p:cNvPr id="3" name="内容占位符 2"/>
+          <p:cNvSpPr>
+            <a:spLocks noGrp="1"/>
+          </p:cNvSpPr>
+          <p:nvPr>
+            <p:ph idx="1"/>
+          </p:nvPr>
+        </p:nvSpPr>
+        <p:spPr/>
+        <p:txBody>
+          <a:bodyPr/>
+          <a:lstStyle/>
+          <a:p>
+            <a:r>
+              <a:rPr lang="zh-CN" altLang="en-US" dirty="0" smtClean="0">
+                <a:latin typeface="黑体" panose="02010609060101010101" pitchFamily="49" charset="-122"/>
+                <a:ea typeface="黑体" panose="02010609060101010101" pitchFamily="49" charset="-122"/>
+              </a:rPr>
+              <a:t>前提条件：大量的判断纬度，股票走势</a:t>
+            </a:r>
+            <a:endParaRPr lang="en-US" altLang="zh-CN" dirty="0" smtClean="0">
+              <a:latin typeface="黑体" panose="02010609060101010101" pitchFamily="49" charset="-122"/>
+              <a:ea typeface="黑体" panose="02010609060101010101" pitchFamily="49" charset="-122"/>
+            </a:endParaRPr>
+          </a:p>
+          <a:p>
+            <a:r>
+              <a:rPr lang="zh-CN" altLang="en-US" dirty="0">
+                <a:latin typeface="黑体" panose="02010609060101010101" pitchFamily="49" charset="-122"/>
+                <a:ea typeface="黑体" panose="02010609060101010101" pitchFamily="49" charset="-122"/>
+              </a:rPr>
+              <a:t>问题转</a:t>
+            </a:r>
+            <a:r>
+              <a:rPr lang="zh-CN" altLang="en-US" dirty="0" smtClean="0">
+                <a:latin typeface="黑体" panose="02010609060101010101" pitchFamily="49" charset="-122"/>
+                <a:ea typeface="黑体" panose="02010609060101010101" pitchFamily="49" charset="-122"/>
+              </a:rPr>
+              <a:t>化：</a:t>
+            </a:r>
+            <a:r>
+              <a:rPr lang="zh-CN" altLang="en-US" dirty="0" smtClean="0">
+                <a:solidFill>
+                  <a:srgbClr val="FF0000"/>
+                </a:solidFill>
+                <a:latin typeface="黑体" panose="02010609060101010101" pitchFamily="49" charset="-122"/>
+                <a:ea typeface="黑体" panose="02010609060101010101" pitchFamily="49" charset="-122"/>
+              </a:rPr>
+              <a:t>基于一堆数据的猜测 </a:t>
+            </a:r>
+            <a:r>
+              <a:rPr lang="en-US" altLang="zh-CN" dirty="0" smtClean="0">
+                <a:solidFill>
+                  <a:srgbClr val="FF0000"/>
+                </a:solidFill>
+                <a:latin typeface="黑体" panose="02010609060101010101" pitchFamily="49" charset="-122"/>
+                <a:ea typeface="黑体" panose="02010609060101010101" pitchFamily="49" charset="-122"/>
+                <a:sym typeface="Wingdings" panose="05000000000000000000" pitchFamily="2" charset="2"/>
+              </a:rPr>
+              <a:t>  </a:t>
+            </a:r>
+            <a:r>
+              <a:rPr lang="zh-CN" altLang="en-US" dirty="0" smtClean="0">
+                <a:solidFill>
+                  <a:srgbClr val="FF0000"/>
+                </a:solidFill>
+                <a:latin typeface="黑体" panose="02010609060101010101" pitchFamily="49" charset="-122"/>
+                <a:ea typeface="黑体" panose="02010609060101010101" pitchFamily="49" charset="-122"/>
+                <a:sym typeface="Wingdings" panose="05000000000000000000" pitchFamily="2" charset="2"/>
+              </a:rPr>
+              <a:t>公式与概率论的结合</a:t>
+            </a:r>
+            <a:endParaRPr lang="en-US" altLang="zh-CN" dirty="0" smtClean="0">
+              <a:solidFill>
+                <a:srgbClr val="FF0000"/>
+              </a:solidFill>
+              <a:latin typeface="黑体" panose="02010609060101010101" pitchFamily="49" charset="-122"/>
+              <a:ea typeface="黑体" panose="02010609060101010101" pitchFamily="49" charset="-122"/>
+              <a:sym typeface="Wingdings" panose="05000000000000000000" pitchFamily="2" charset="2"/>
+            </a:endParaRPr>
+          </a:p>
+          <a:p>
+            <a:r>
+              <a:rPr lang="zh-CN" altLang="en-US" dirty="0">
+                <a:latin typeface="黑体" panose="02010609060101010101" pitchFamily="49" charset="-122"/>
+                <a:ea typeface="黑体" panose="02010609060101010101" pitchFamily="49" charset="-122"/>
+                <a:sym typeface="Wingdings" panose="05000000000000000000" pitchFamily="2" charset="2"/>
+              </a:rPr>
+              <a:t>问题总</a:t>
+            </a:r>
+            <a:r>
+              <a:rPr lang="zh-CN" altLang="en-US" dirty="0" smtClean="0">
+                <a:latin typeface="黑体" panose="02010609060101010101" pitchFamily="49" charset="-122"/>
+                <a:ea typeface="黑体" panose="02010609060101010101" pitchFamily="49" charset="-122"/>
+                <a:sym typeface="Wingdings" panose="05000000000000000000" pitchFamily="2" charset="2"/>
+              </a:rPr>
+              <a:t>结：我们能否得出一个</a:t>
+            </a:r>
+            <a:r>
+              <a:rPr lang="zh-CN" altLang="en-US" dirty="0" smtClean="0">
+                <a:solidFill>
+                  <a:srgbClr val="FF0000"/>
+                </a:solidFill>
+                <a:latin typeface="黑体" panose="02010609060101010101" pitchFamily="49" charset="-122"/>
+                <a:ea typeface="黑体" panose="02010609060101010101" pitchFamily="49" charset="-122"/>
+                <a:sym typeface="Wingdings" panose="05000000000000000000" pitchFamily="2" charset="2"/>
+              </a:rPr>
+              <a:t>规则引擎或模型算法</a:t>
+            </a:r>
+            <a:r>
+              <a:rPr lang="zh-CN" altLang="en-US" dirty="0" smtClean="0">
+                <a:latin typeface="黑体" panose="02010609060101010101" pitchFamily="49" charset="-122"/>
+                <a:ea typeface="黑体" panose="02010609060101010101" pitchFamily="49" charset="-122"/>
+                <a:sym typeface="Wingdings" panose="05000000000000000000" pitchFamily="2" charset="2"/>
+              </a:rPr>
+              <a:t>，在不考虑人为因素的情况下，通过一个</a:t>
+            </a:r>
+            <a:r>
+              <a:rPr lang="zh-CN" altLang="en-US" dirty="0" smtClean="0">
+                <a:solidFill>
+                  <a:srgbClr val="FF0000"/>
+                </a:solidFill>
+                <a:latin typeface="黑体" panose="02010609060101010101" pitchFamily="49" charset="-122"/>
+                <a:ea typeface="黑体" panose="02010609060101010101" pitchFamily="49" charset="-122"/>
+                <a:sym typeface="Wingdings" panose="05000000000000000000" pitchFamily="2" charset="2"/>
+              </a:rPr>
+              <a:t>公式的结果</a:t>
+            </a:r>
+            <a:r>
+              <a:rPr lang="zh-CN" altLang="en-US" dirty="0" smtClean="0">
+                <a:latin typeface="黑体" panose="02010609060101010101" pitchFamily="49" charset="-122"/>
+                <a:ea typeface="黑体" panose="02010609060101010101" pitchFamily="49" charset="-122"/>
+                <a:sym typeface="Wingdings" panose="05000000000000000000" pitchFamily="2" charset="2"/>
+              </a:rPr>
+              <a:t>或者一个</a:t>
+            </a:r>
+            <a:r>
+              <a:rPr lang="zh-CN" altLang="en-US" dirty="0" smtClean="0">
+                <a:solidFill>
+                  <a:srgbClr val="FF0000"/>
+                </a:solidFill>
+                <a:latin typeface="黑体" panose="02010609060101010101" pitchFamily="49" charset="-122"/>
+                <a:ea typeface="黑体" panose="02010609060101010101" pitchFamily="49" charset="-122"/>
+                <a:sym typeface="Wingdings" panose="05000000000000000000" pitchFamily="2" charset="2"/>
+              </a:rPr>
+              <a:t>有趣</a:t>
+            </a:r>
+            <a:r>
+              <a:rPr lang="zh-CN" altLang="en-US" dirty="0">
+                <a:solidFill>
+                  <a:srgbClr val="FF0000"/>
+                </a:solidFill>
+                <a:latin typeface="黑体" panose="02010609060101010101" pitchFamily="49" charset="-122"/>
+                <a:ea typeface="黑体" panose="02010609060101010101" pitchFamily="49" charset="-122"/>
+                <a:sym typeface="Wingdings" panose="05000000000000000000" pitchFamily="2" charset="2"/>
+              </a:rPr>
+              <a:t>的</a:t>
+            </a:r>
+            <a:r>
+              <a:rPr lang="zh-CN" altLang="en-US" dirty="0" smtClean="0">
+                <a:solidFill>
+                  <a:srgbClr val="FF0000"/>
+                </a:solidFill>
+                <a:latin typeface="黑体" panose="02010609060101010101" pitchFamily="49" charset="-122"/>
+                <a:ea typeface="黑体" panose="02010609060101010101" pitchFamily="49" charset="-122"/>
+                <a:sym typeface="Wingdings" panose="05000000000000000000" pitchFamily="2" charset="2"/>
+              </a:rPr>
+              <a:t>概率分布</a:t>
+            </a:r>
+            <a:r>
+              <a:rPr lang="zh-CN" altLang="en-US" dirty="0">
+                <a:latin typeface="黑体" panose="02010609060101010101" pitchFamily="49" charset="-122"/>
+                <a:ea typeface="黑体" panose="02010609060101010101" pitchFamily="49" charset="-122"/>
+                <a:sym typeface="Wingdings" panose="05000000000000000000" pitchFamily="2" charset="2"/>
+              </a:rPr>
+              <a:t>来解决这个问题</a:t>
+            </a:r>
+            <a:endParaRPr lang="en-US" altLang="zh-CN" dirty="0" smtClean="0">
+              <a:latin typeface="黑体" panose="02010609060101010101" pitchFamily="49" charset="-122"/>
+              <a:ea typeface="黑体" panose="02010609060101010101" pitchFamily="49" charset="-122"/>
+            </a:endParaRPr>
+          </a:p>
+          <a:p>
+            <a:endParaRPr lang="en-US" altLang="zh-CN" dirty="0" smtClean="0">
+              <a:latin typeface="黑体" panose="02010609060101010101" pitchFamily="49" charset="-122"/>
+              <a:ea typeface="黑体" panose="02010609060101010101" pitchFamily="49" charset="-122"/>
+            </a:endParaRPr>
+          </a:p>
+        </p:txBody>
+      </p:sp>
+      <p:pic>
+        <p:nvPicPr>
+          <p:cNvPr id="5" name="图片 4"/>
+          <p:cNvPicPr/>
+          <p:nvPr/>
+        </p:nvPicPr>
+        <p:blipFill>
+          <a:blip r:embed="rId2"/>
+          <a:stretch>
+            <a:fillRect/>
+          </a:stretch>
+        </p:blipFill>
+        <p:spPr>
+          <a:xfrm>
+            <a:off x="1552591" y="4401347"/>
+            <a:ext cx="9086816" cy="1264986"/>
+          </a:xfrm>
+          <a:prstGeom prst="rect">
+            <a:avLst/>
+          </a:prstGeom>
+        </p:spPr>
+      </p:pic>
+      <p:sp>
+        <p:nvSpPr>
+          <p:cNvPr id="6" name="文本框 5"/>
+          <p:cNvSpPr txBox="1"/>
+          <p:nvPr/>
+        </p:nvSpPr>
+        <p:spPr>
+          <a:xfrm>
+            <a:off x="4241442" y="5481667"/>
+            <a:ext cx="3709115" cy="369332"/>
+          </a:xfrm>
+          <a:prstGeom prst="rect">
+            <a:avLst/>
+          </a:prstGeom>
+          <a:noFill/>
+        </p:spPr>
+        <p:txBody>
+          <a:bodyPr wrap="square" rtlCol="0">
+            <a:spAutoFit/>
+          </a:bodyPr>
+          <a:lstStyle/>
+          <a:p>
+            <a:r>
+              <a:rPr lang="zh-CN" altLang="en-US" dirty="0" smtClean="0"/>
+              <a:t>模型与公式的基本公式思路</a:t>
+            </a:r>
+            <a:endParaRPr lang="zh-CN" altLang="en-US" dirty="0"/>
+          </a:p>
+        </p:txBody>
+      </p:sp>
+      <p:pic>
+        <p:nvPicPr>
+          <p:cNvPr id="8" name="图片 7"/>
+          <p:cNvPicPr>
+            <a:picLocks noChangeAspect="1"/>
+          </p:cNvPicPr>
+          <p:nvPr/>
+        </p:nvPicPr>
+        <p:blipFill>
+          <a:blip r:embed="rId3">
+            <a:extLst>
+              <a:ext uri="{28A0092B-C50C-407E-A947-70E740481C1C}">
+                <a14:useLocalDpi xmlns:a14="http://schemas.microsoft.com/office/drawing/2010/main" val="0"/>
+              </a:ext>
+            </a:extLst>
+          </a:blip>
+          <a:stretch>
+            <a:fillRect/>
+          </a:stretch>
+        </p:blipFill>
+        <p:spPr>
+          <a:xfrm>
+            <a:off x="10569147" y="247335"/>
+            <a:ext cx="1350574" cy="1336506"/>
+          </a:xfrm>
+          <a:prstGeom prst="rect">
+            <a:avLst/>
+          </a:prstGeom>
+        </p:spPr>
+      </p:pic>
+    </p:spTree>
+    <p:extLst>
+      <p:ext uri="{BB962C8B-B14F-4D97-AF65-F5344CB8AC3E}">
+        <p14:creationId xmlns:p14="http://schemas.microsoft.com/office/powerpoint/2010/main" val="3777426735"/>
+      </p:ext>
+    </p:extLst>
+  </p:cSld>
+  <p:clrMapOvr>
+    <a:masterClrMapping/>
+  </p:clrMapOvr>
+</p:sld>
+</file>
+
+<file path=ppt/slides/slide7.xml><?xml version="1.0" encoding="utf-8"?>
+<p:sld xmlns:a="http://schemas.openxmlformats.org/drawingml/2006/main" xmlns:r="http://schemas.openxmlformats.org/officeDocument/2006/relationships" xmlns:p="http://schemas.openxmlformats.org/presentationml/2006/main">
+  <p:cSld>
+    <p:spTree>
+      <p:nvGrpSpPr>
+        <p:cNvPr id="1" name=""/>
+        <p:cNvGrpSpPr/>
+        <p:nvPr/>
+      </p:nvGrpSpPr>
+      <p:grpSpPr>
+        <a:xfrm>
+          <a:off x="0" y="0"/>
+          <a:ext cx="0" cy="0"/>
+          <a:chOff x="0" y="0"/>
+          <a:chExt cx="0" cy="0"/>
+        </a:xfrm>
+      </p:grpSpPr>
+      <p:sp>
+        <p:nvSpPr>
+          <p:cNvPr id="2" name="标题 1"/>
+          <p:cNvSpPr>
+            <a:spLocks noGrp="1"/>
+          </p:cNvSpPr>
+          <p:nvPr>
+            <p:ph type="title"/>
+          </p:nvPr>
+        </p:nvSpPr>
+        <p:spPr/>
+        <p:txBody>
+          <a:bodyPr/>
+          <a:lstStyle/>
+          <a:p>
+            <a:r>
+              <a:rPr lang="zh-CN" altLang="en-US" dirty="0" smtClean="0">
+                <a:solidFill>
+                  <a:srgbClr val="FF0000"/>
+                </a:solidFill>
+                <a:latin typeface="黑体" panose="02010609060101010101" pitchFamily="49" charset="-122"/>
+                <a:ea typeface="黑体" panose="02010609060101010101" pitchFamily="49" charset="-122"/>
+              </a:rPr>
               <a:t>核心理论与公式</a:t>
             </a:r>
             <a:endParaRPr lang="zh-CN" altLang="en-US" dirty="0">
@@ -4374,7 +6990,7 @@
         </p:blipFill>
         <p:spPr>
           <a:xfrm>
-            <a:off x="5684978" y="1103663"/>
+            <a:off x="5684977" y="1553847"/>
             <a:ext cx="5792487" cy="1443924"/>
           </a:xfrm>
           <a:prstGeom prst="rect">
@@ -4398,8 +7014,38 @@
         </p:blipFill>
         <p:spPr>
           <a:xfrm>
-            <a:off x="5553773" y="2946853"/>
+            <a:off x="5552271" y="3286125"/>
             <a:ext cx="6057900" cy="3181350"/>
+          </a:xfrm>
+          <a:prstGeom prst="rect">
+            <a:avLst/>
+          </a:prstGeom>
+        </p:spPr>
+      </p:pic>
+      <p:pic>
+        <p:nvPicPr>
+          <p:cNvPr id="7" name="图片 6"/>
+          <p:cNvPicPr>
+            <a:picLocks noChangeAspect="1"/>
+          </p:cNvPicPr>
+          <p:nvPr/>
+        </p:nvPicPr>
+        <p:blipFill>
+          <a:blip r:embed="rId4">
+            <a:extLst>
+              <a:ext uri="{28A0092B-C50C-407E-A947-70E740481C1C}">
+                <a14:useLocalDpi xmlns:a14="http://schemas.microsoft.com/office/drawing/2010/main" val="0"/>
+              </a:ext>
+            </a:extLst>
+          </a:blip>
+          <a:stretch>
+            <a:fillRect/>
+          </a:stretch>
+        </p:blipFill>
+        <p:spPr>
+          <a:xfrm>
+            <a:off x="10569147" y="247335"/>
+            <a:ext cx="1350574" cy="1336506"/>
           </a:xfrm>
           <a:prstGeom prst="rect">
             <a:avLst/>
@@ -4419,7 +7065,7 @@
 </p:sld>
 </file>
 
-<file path=ppt/slides/slide7.xml><?xml version="1.0" encoding="utf-8"?>
+<file path=ppt/slides/slide8.xml><?xml version="1.0" encoding="utf-8"?>
 <p:sld xmlns:a="http://schemas.openxmlformats.org/drawingml/2006/main" xmlns:r="http://schemas.openxmlformats.org/officeDocument/2006/relationships" xmlns:p="http://schemas.openxmlformats.org/presentationml/2006/main">
   <p:cSld>
     <p:spTree>
@@ -5137,7 +7783,7 @@
         <p:spPr>
           <a:xfrm>
             <a:off x="838200" y="4705815"/>
-            <a:ext cx="10138317" cy="400110"/>
+            <a:ext cx="10138317" cy="707886"/>
           </a:xfrm>
           <a:prstGeom prst="rect">
             <a:avLst/>
@@ -5155,7 +7801,41 @@
                 <a:latin typeface="黑体" panose="02010609060101010101" pitchFamily="49" charset="-122"/>
                 <a:ea typeface="黑体" panose="02010609060101010101" pitchFamily="49" charset="-122"/>
               </a:rPr>
-              <a:t>以上数据为必须经过处理才能被使用，也就是“降权”，下降原本数值不同所带有的权重</a:t>
+              <a:t>以上时价均为</a:t>
+            </a:r>
+            <a:r>
+              <a:rPr lang="en-US" altLang="zh-CN" sz="2000" dirty="0" smtClean="0">
+                <a:latin typeface="黑体" panose="02010609060101010101" pitchFamily="49" charset="-122"/>
+                <a:ea typeface="黑体" panose="02010609060101010101" pitchFamily="49" charset="-122"/>
+              </a:rPr>
+              <a:t>60</a:t>
+            </a:r>
+            <a:r>
+              <a:rPr lang="zh-CN" altLang="en-US" sz="2000" dirty="0" smtClean="0">
+                <a:latin typeface="黑体" panose="02010609060101010101" pitchFamily="49" charset="-122"/>
+                <a:ea typeface="黑体" panose="02010609060101010101" pitchFamily="49" charset="-122"/>
+              </a:rPr>
+              <a:t>日以前的时价，并非当前时价</a:t>
+            </a:r>
+            <a:endParaRPr lang="en-US" altLang="zh-CN" sz="2000" dirty="0" smtClean="0">
+              <a:latin typeface="黑体" panose="02010609060101010101" pitchFamily="49" charset="-122"/>
+              <a:ea typeface="黑体" panose="02010609060101010101" pitchFamily="49" charset="-122"/>
+            </a:endParaRPr>
+          </a:p>
+          <a:p>
+            <a:r>
+              <a:rPr lang="zh-CN" altLang="en-US" sz="2000" dirty="0" smtClean="0">
+                <a:latin typeface="黑体" panose="02010609060101010101" pitchFamily="49" charset="-122"/>
+                <a:ea typeface="黑体" panose="02010609060101010101" pitchFamily="49" charset="-122"/>
+              </a:rPr>
+              <a:t>以上</a:t>
+            </a:r>
+            <a:r>
+              <a:rPr lang="zh-CN" altLang="en-US" sz="2000" dirty="0" smtClean="0">
+                <a:latin typeface="黑体" panose="02010609060101010101" pitchFamily="49" charset="-122"/>
+                <a:ea typeface="黑体" panose="02010609060101010101" pitchFamily="49" charset="-122"/>
+              </a:rPr>
+              <a:t>数据为必须经过处理才能被使用，也就是“降权”，下降原本数值不同所带有的权重</a:t>
             </a:r>
             <a:endParaRPr lang="zh-CN" altLang="en-US" sz="2000" dirty="0">
               <a:latin typeface="黑体" panose="02010609060101010101" pitchFamily="49" charset="-122"/>
@@ -5164,291 +7844,30 @@
           </a:p>
         </p:txBody>
       </p:sp>
-    </p:spTree>
-    <p:extLst>
-      <p:ext uri="{BB962C8B-B14F-4D97-AF65-F5344CB8AC3E}">
-        <p14:creationId xmlns:p14="http://schemas.microsoft.com/office/powerpoint/2010/main" val="3940082697"/>
-      </p:ext>
-    </p:extLst>
-  </p:cSld>
-  <p:clrMapOvr>
-    <a:masterClrMapping/>
-  </p:clrMapOvr>
-</p:sld>
-</file>
-
-<file path=ppt/slides/slide8.xml><?xml version="1.0" encoding="utf-8"?>
-<p:sld xmlns:a="http://schemas.openxmlformats.org/drawingml/2006/main" xmlns:r="http://schemas.openxmlformats.org/officeDocument/2006/relationships" xmlns:p="http://schemas.openxmlformats.org/presentationml/2006/main">
-  <p:cSld>
-    <p:spTree>
-      <p:nvGrpSpPr>
-        <p:cNvPr id="1" name=""/>
-        <p:cNvGrpSpPr/>
-        <p:nvPr/>
-      </p:nvGrpSpPr>
-      <p:grpSpPr>
-        <a:xfrm>
-          <a:off x="0" y="0"/>
-          <a:ext cx="0" cy="0"/>
-          <a:chOff x="0" y="0"/>
-          <a:chExt cx="0" cy="0"/>
-        </a:xfrm>
-      </p:grpSpPr>
-      <p:sp>
-        <p:nvSpPr>
-          <p:cNvPr id="2" name="标题 1"/>
-          <p:cNvSpPr>
-            <a:spLocks noGrp="1"/>
-          </p:cNvSpPr>
-          <p:nvPr>
-            <p:ph type="title"/>
-          </p:nvPr>
-        </p:nvSpPr>
-        <p:spPr/>
-        <p:txBody>
-          <a:bodyPr/>
-          <a:lstStyle/>
-          <a:p>
-            <a:r>
-              <a:rPr lang="zh-CN" altLang="en-US" dirty="0" smtClean="0">
-                <a:solidFill>
-                  <a:srgbClr val="FF0000"/>
-                </a:solidFill>
-                <a:latin typeface="黑体" panose="02010609060101010101" pitchFamily="49" charset="-122"/>
-                <a:ea typeface="黑体" panose="02010609060101010101" pitchFamily="49" charset="-122"/>
-              </a:rPr>
-              <a:t>数据处理与筛选</a:t>
-            </a:r>
-            <a:endParaRPr lang="zh-CN" altLang="en-US" dirty="0">
-              <a:solidFill>
-                <a:srgbClr val="FF0000"/>
-              </a:solidFill>
-              <a:latin typeface="黑体" panose="02010609060101010101" pitchFamily="49" charset="-122"/>
-              <a:ea typeface="黑体" panose="02010609060101010101" pitchFamily="49" charset="-122"/>
-            </a:endParaRPr>
-          </a:p>
-        </p:txBody>
-      </p:sp>
-      <p:sp>
-        <p:nvSpPr>
-          <p:cNvPr id="3" name="内容占位符 2"/>
-          <p:cNvSpPr>
-            <a:spLocks noGrp="1"/>
-          </p:cNvSpPr>
-          <p:nvPr>
-            <p:ph idx="1"/>
-          </p:nvPr>
-        </p:nvSpPr>
-        <p:spPr>
-          <a:xfrm>
-            <a:off x="838200" y="1758719"/>
-            <a:ext cx="10515600" cy="4351338"/>
-          </a:xfrm>
-        </p:spPr>
-        <p:txBody>
-          <a:bodyPr/>
-          <a:lstStyle/>
-          <a:p>
-            <a:r>
-              <a:rPr lang="en-US" altLang="zh-CN" dirty="0" smtClean="0">
-                <a:latin typeface="黑体" panose="02010609060101010101" pitchFamily="49" charset="-122"/>
-                <a:ea typeface="黑体" panose="02010609060101010101" pitchFamily="49" charset="-122"/>
-              </a:rPr>
-              <a:t>1</a:t>
-            </a:r>
-            <a:r>
-              <a:rPr lang="zh-CN" altLang="en-US" dirty="0" smtClean="0">
-                <a:latin typeface="黑体" panose="02010609060101010101" pitchFamily="49" charset="-122"/>
-                <a:ea typeface="黑体" panose="02010609060101010101" pitchFamily="49" charset="-122"/>
-              </a:rPr>
-              <a:t>、</a:t>
-            </a:r>
-            <a:r>
-              <a:rPr lang="zh-CN" altLang="en-US" sz="2400" dirty="0" smtClean="0">
-                <a:solidFill>
-                  <a:srgbClr val="FF0000"/>
-                </a:solidFill>
-                <a:latin typeface="黑体" panose="02010609060101010101" pitchFamily="49" charset="-122"/>
-                <a:ea typeface="黑体" panose="02010609060101010101" pitchFamily="49" charset="-122"/>
-              </a:rPr>
-              <a:t>总计开市日期大于</a:t>
-            </a:r>
-            <a:r>
-              <a:rPr lang="en-US" altLang="zh-CN" sz="2400" dirty="0" smtClean="0">
-                <a:solidFill>
-                  <a:srgbClr val="FF0000"/>
-                </a:solidFill>
-                <a:latin typeface="黑体" panose="02010609060101010101" pitchFamily="49" charset="-122"/>
-                <a:ea typeface="黑体" panose="02010609060101010101" pitchFamily="49" charset="-122"/>
-              </a:rPr>
-              <a:t>1500</a:t>
-            </a:r>
-            <a:r>
-              <a:rPr lang="zh-CN" altLang="en-US" sz="2400" dirty="0" smtClean="0">
-                <a:latin typeface="黑体" panose="02010609060101010101" pitchFamily="49" charset="-122"/>
-                <a:ea typeface="黑体" panose="02010609060101010101" pitchFamily="49" charset="-122"/>
-              </a:rPr>
-              <a:t>（找出一个稳定的股票，并不是一个绝对的数值，这个可以按照每个人的不同想法所改变）</a:t>
-            </a:r>
-            <a:endParaRPr lang="en-US" altLang="zh-CN" sz="2400" dirty="0" smtClean="0">
-              <a:latin typeface="黑体" panose="02010609060101010101" pitchFamily="49" charset="-122"/>
-              <a:ea typeface="黑体" panose="02010609060101010101" pitchFamily="49" charset="-122"/>
-            </a:endParaRPr>
-          </a:p>
-          <a:p>
-            <a:r>
-              <a:rPr lang="en-US" altLang="zh-CN" sz="2400" dirty="0" smtClean="0">
-                <a:latin typeface="黑体" panose="02010609060101010101" pitchFamily="49" charset="-122"/>
-                <a:ea typeface="黑体" panose="02010609060101010101" pitchFamily="49" charset="-122"/>
-              </a:rPr>
-              <a:t>2</a:t>
-            </a:r>
-            <a:r>
-              <a:rPr lang="zh-CN" altLang="en-US" sz="2400" dirty="0" smtClean="0">
-                <a:latin typeface="黑体" panose="02010609060101010101" pitchFamily="49" charset="-122"/>
-                <a:ea typeface="黑体" panose="02010609060101010101" pitchFamily="49" charset="-122"/>
-              </a:rPr>
-              <a:t>、</a:t>
-            </a:r>
-            <a:r>
-              <a:rPr lang="zh-CN" altLang="en-US" sz="2400" dirty="0" smtClean="0">
-                <a:solidFill>
-                  <a:srgbClr val="FF0000"/>
-                </a:solidFill>
-                <a:latin typeface="黑体" panose="02010609060101010101" pitchFamily="49" charset="-122"/>
-                <a:ea typeface="黑体" panose="02010609060101010101" pitchFamily="49" charset="-122"/>
-              </a:rPr>
-              <a:t>市盈率小于</a:t>
-            </a:r>
-            <a:r>
-              <a:rPr lang="en-US" altLang="zh-CN" sz="2400" dirty="0" smtClean="0">
-                <a:solidFill>
-                  <a:srgbClr val="FF0000"/>
-                </a:solidFill>
-                <a:latin typeface="黑体" panose="02010609060101010101" pitchFamily="49" charset="-122"/>
-                <a:ea typeface="黑体" panose="02010609060101010101" pitchFamily="49" charset="-122"/>
-              </a:rPr>
-              <a:t>50</a:t>
-            </a:r>
-            <a:r>
-              <a:rPr lang="zh-CN" altLang="en-US" sz="2400" dirty="0" smtClean="0">
-                <a:latin typeface="黑体" panose="02010609060101010101" pitchFamily="49" charset="-122"/>
-                <a:ea typeface="黑体" panose="02010609060101010101" pitchFamily="49" charset="-122"/>
-              </a:rPr>
-              <a:t>（巴菲特曾说过：他不会购入一支市盈率大于</a:t>
-            </a:r>
-            <a:r>
-              <a:rPr lang="en-US" altLang="zh-CN" sz="2400" dirty="0" smtClean="0">
-                <a:latin typeface="黑体" panose="02010609060101010101" pitchFamily="49" charset="-122"/>
-                <a:ea typeface="黑体" panose="02010609060101010101" pitchFamily="49" charset="-122"/>
-              </a:rPr>
-              <a:t>50</a:t>
-            </a:r>
-            <a:r>
-              <a:rPr lang="zh-CN" altLang="en-US" sz="2400" dirty="0" smtClean="0">
-                <a:latin typeface="黑体" panose="02010609060101010101" pitchFamily="49" charset="-122"/>
-                <a:ea typeface="黑体" panose="02010609060101010101" pitchFamily="49" charset="-122"/>
-              </a:rPr>
-              <a:t>的股票）</a:t>
-            </a:r>
-            <a:endParaRPr lang="en-US" altLang="zh-CN" dirty="0">
-              <a:latin typeface="黑体" panose="02010609060101010101" pitchFamily="49" charset="-122"/>
-              <a:ea typeface="黑体" panose="02010609060101010101" pitchFamily="49" charset="-122"/>
-            </a:endParaRPr>
-          </a:p>
-          <a:p>
-            <a:pPr marL="0" indent="0">
-              <a:buNone/>
-            </a:pPr>
-            <a:r>
-              <a:rPr lang="zh-CN" altLang="en-US" b="1" i="1" dirty="0" smtClean="0">
-                <a:latin typeface="黑体" panose="02010609060101010101" pitchFamily="49" charset="-122"/>
-                <a:ea typeface="黑体" panose="02010609060101010101" pitchFamily="49" charset="-122"/>
-              </a:rPr>
-              <a:t>降权（最为重要的事情）</a:t>
-            </a:r>
-            <a:endParaRPr lang="en-US" altLang="zh-CN" b="1" i="1" dirty="0" smtClean="0">
-              <a:latin typeface="黑体" panose="02010609060101010101" pitchFamily="49" charset="-122"/>
-              <a:ea typeface="黑体" panose="02010609060101010101" pitchFamily="49" charset="-122"/>
-            </a:endParaRPr>
-          </a:p>
-          <a:p>
-            <a:pPr marL="0" indent="0">
-              <a:buNone/>
-            </a:pPr>
-            <a:r>
-              <a:rPr lang="zh-CN" altLang="en-US" sz="2000" dirty="0" smtClean="0">
-                <a:latin typeface="黑体" panose="02010609060101010101" pitchFamily="49" charset="-122"/>
-                <a:ea typeface="黑体" panose="02010609060101010101" pitchFamily="49" charset="-122"/>
-              </a:rPr>
-              <a:t>我们要将所有的维度降低其数值不带有的权重，主要的降权手段是将它们套用</a:t>
-            </a:r>
-            <a:r>
-              <a:rPr lang="en-US" altLang="zh-CN" sz="2000" dirty="0" smtClean="0">
-                <a:latin typeface="黑体" panose="02010609060101010101" pitchFamily="49" charset="-122"/>
-                <a:ea typeface="黑体" panose="02010609060101010101" pitchFamily="49" charset="-122"/>
-              </a:rPr>
-              <a:t>sigmoid</a:t>
-            </a:r>
-            <a:r>
-              <a:rPr lang="zh-CN" altLang="en-US" sz="2000" dirty="0" smtClean="0">
-                <a:latin typeface="黑体" panose="02010609060101010101" pitchFamily="49" charset="-122"/>
-                <a:ea typeface="黑体" panose="02010609060101010101" pitchFamily="49" charset="-122"/>
-              </a:rPr>
-              <a:t>函数或是其他手段</a:t>
-            </a:r>
-            <a:endParaRPr lang="en-US" altLang="zh-CN" sz="2000" dirty="0" smtClean="0">
-              <a:latin typeface="黑体" panose="02010609060101010101" pitchFamily="49" charset="-122"/>
-              <a:ea typeface="黑体" panose="02010609060101010101" pitchFamily="49" charset="-122"/>
-            </a:endParaRPr>
-          </a:p>
-          <a:p>
-            <a:pPr marL="0" indent="0">
-              <a:buNone/>
-            </a:pPr>
-            <a:endParaRPr lang="en-US" altLang="zh-CN" dirty="0" smtClean="0">
-              <a:latin typeface="黑体" panose="02010609060101010101" pitchFamily="49" charset="-122"/>
-              <a:ea typeface="黑体" panose="02010609060101010101" pitchFamily="49" charset="-122"/>
-            </a:endParaRPr>
-          </a:p>
-          <a:p>
-            <a:pPr marL="0" indent="0">
-              <a:buNone/>
-            </a:pPr>
-            <a:endParaRPr lang="en-US" altLang="zh-CN" dirty="0">
-              <a:latin typeface="黑体" panose="02010609060101010101" pitchFamily="49" charset="-122"/>
-              <a:ea typeface="黑体" panose="02010609060101010101" pitchFamily="49" charset="-122"/>
-            </a:endParaRPr>
-          </a:p>
-          <a:p>
-            <a:pPr marL="0" indent="0">
-              <a:buNone/>
-            </a:pPr>
-            <a:endParaRPr lang="en-US" altLang="zh-CN" dirty="0" smtClean="0">
-              <a:latin typeface="黑体" panose="02010609060101010101" pitchFamily="49" charset="-122"/>
-              <a:ea typeface="黑体" panose="02010609060101010101" pitchFamily="49" charset="-122"/>
-            </a:endParaRPr>
-          </a:p>
-        </p:txBody>
-      </p:sp>
       <p:pic>
         <p:nvPicPr>
-          <p:cNvPr id="5" name="图片 4"/>
+          <p:cNvPr id="8" name="图片 7"/>
           <p:cNvPicPr>
             <a:picLocks noChangeAspect="1"/>
           </p:cNvPicPr>
           <p:nvPr/>
         </p:nvPicPr>
         <p:blipFill>
-          <a:blip r:embed="rId2"/>
+          <a:blip r:embed="rId2">
+            <a:extLst>
+              <a:ext uri="{28A0092B-C50C-407E-A947-70E740481C1C}">
+                <a14:useLocalDpi xmlns:a14="http://schemas.microsoft.com/office/drawing/2010/main" val="0"/>
+              </a:ext>
+            </a:extLst>
+          </a:blip>
           <a:stretch>
             <a:fillRect/>
           </a:stretch>
         </p:blipFill>
         <p:spPr>
           <a:xfrm>
-            <a:off x="2533381" y="4004071"/>
-            <a:ext cx="6219579" cy="2174017"/>
+            <a:off x="10569147" y="247335"/>
+            <a:ext cx="1350574" cy="1336506"/>
           </a:xfrm>
           <a:prstGeom prst="rect">
             <a:avLst/>
@@ -5458,7 +7877,7 @@
     </p:spTree>
     <p:extLst>
       <p:ext uri="{BB962C8B-B14F-4D97-AF65-F5344CB8AC3E}">
-        <p14:creationId xmlns:p14="http://schemas.microsoft.com/office/powerpoint/2010/main" val="1396711621"/>
+        <p14:creationId xmlns:p14="http://schemas.microsoft.com/office/powerpoint/2010/main" val="3940082697"/>
       </p:ext>
     </p:extLst>
   </p:cSld>
@@ -5495,12 +7914,7 @@
             <p:ph type="title"/>
           </p:nvPr>
         </p:nvSpPr>
-        <p:spPr>
-          <a:xfrm>
-            <a:off x="554864" y="140124"/>
-            <a:ext cx="10515600" cy="1325563"/>
-          </a:xfrm>
-        </p:spPr>
+        <p:spPr/>
         <p:txBody>
           <a:bodyPr/>
           <a:lstStyle/>
@@ -5513,7 +7927,7 @@
                 <a:latin typeface="黑体" panose="02010609060101010101" pitchFamily="49" charset="-122"/>
                 <a:ea typeface="黑体" panose="02010609060101010101" pitchFamily="49" charset="-122"/>
               </a:rPr>
-              <a:t>两种预测方式：公式预测</a:t>
+              <a:t>数据处理与筛选</a:t>
             </a:r>
             <a:endParaRPr lang="zh-CN" altLang="en-US" dirty="0">
               <a:solidFill>
@@ -5537,8 +7951,8 @@
         </p:nvSpPr>
         <p:spPr>
           <a:xfrm>
-            <a:off x="622478" y="1704815"/>
-            <a:ext cx="5190186" cy="4837560"/>
+            <a:off x="838200" y="1758719"/>
+            <a:ext cx="10515600" cy="4351338"/>
           </a:xfrm>
         </p:spPr>
         <p:txBody>
@@ -5557,91 +7971,170 @@
                 <a:latin typeface="黑体" panose="02010609060101010101" pitchFamily="49" charset="-122"/>
                 <a:ea typeface="黑体" panose="02010609060101010101" pitchFamily="49" charset="-122"/>
               </a:rPr>
-              <a:t>、将股票预测结果分类，得出三种结果，涨跌平</a:t>
-            </a:r>
+              <a:t>、</a:t>
+            </a:r>
+            <a:r>
+              <a:rPr lang="zh-CN" altLang="en-US" sz="2400" dirty="0" smtClean="0">
+                <a:solidFill>
+                  <a:srgbClr val="FF0000"/>
+                </a:solidFill>
+                <a:latin typeface="黑体" panose="02010609060101010101" pitchFamily="49" charset="-122"/>
+                <a:ea typeface="黑体" panose="02010609060101010101" pitchFamily="49" charset="-122"/>
+              </a:rPr>
+              <a:t>总计开市日期大于</a:t>
+            </a:r>
+            <a:r>
+              <a:rPr lang="en-US" altLang="zh-CN" sz="2400" dirty="0" smtClean="0">
+                <a:solidFill>
+                  <a:srgbClr val="FF0000"/>
+                </a:solidFill>
+                <a:latin typeface="黑体" panose="02010609060101010101" pitchFamily="49" charset="-122"/>
+                <a:ea typeface="黑体" panose="02010609060101010101" pitchFamily="49" charset="-122"/>
+              </a:rPr>
+              <a:t>1500</a:t>
+            </a:r>
+            <a:r>
+              <a:rPr lang="zh-CN" altLang="en-US" sz="2400" dirty="0" smtClean="0">
+                <a:latin typeface="黑体" panose="02010609060101010101" pitchFamily="49" charset="-122"/>
+                <a:ea typeface="黑体" panose="02010609060101010101" pitchFamily="49" charset="-122"/>
+              </a:rPr>
+              <a:t>（找出一个稳定的股票，并不是一个绝对的数值，这个可以按照每个人的不同想法所改变）</a:t>
+            </a:r>
+            <a:endParaRPr lang="en-US" altLang="zh-CN" sz="2400" dirty="0" smtClean="0">
+              <a:latin typeface="黑体" panose="02010609060101010101" pitchFamily="49" charset="-122"/>
+              <a:ea typeface="黑体" panose="02010609060101010101" pitchFamily="49" charset="-122"/>
+            </a:endParaRPr>
+          </a:p>
+          <a:p>
+            <a:r>
+              <a:rPr lang="en-US" altLang="zh-CN" sz="2400" dirty="0" smtClean="0">
+                <a:latin typeface="黑体" panose="02010609060101010101" pitchFamily="49" charset="-122"/>
+                <a:ea typeface="黑体" panose="02010609060101010101" pitchFamily="49" charset="-122"/>
+              </a:rPr>
+              <a:t>2</a:t>
+            </a:r>
+            <a:r>
+              <a:rPr lang="zh-CN" altLang="en-US" sz="2400" dirty="0" smtClean="0">
+                <a:latin typeface="黑体" panose="02010609060101010101" pitchFamily="49" charset="-122"/>
+                <a:ea typeface="黑体" panose="02010609060101010101" pitchFamily="49" charset="-122"/>
+              </a:rPr>
+              <a:t>、</a:t>
+            </a:r>
+            <a:r>
+              <a:rPr lang="zh-CN" altLang="en-US" sz="2400" dirty="0" smtClean="0">
+                <a:solidFill>
+                  <a:srgbClr val="FF0000"/>
+                </a:solidFill>
+                <a:latin typeface="黑体" panose="02010609060101010101" pitchFamily="49" charset="-122"/>
+                <a:ea typeface="黑体" panose="02010609060101010101" pitchFamily="49" charset="-122"/>
+              </a:rPr>
+              <a:t>市盈率小于</a:t>
+            </a:r>
+            <a:r>
+              <a:rPr lang="en-US" altLang="zh-CN" sz="2400" dirty="0" smtClean="0">
+                <a:solidFill>
+                  <a:srgbClr val="FF0000"/>
+                </a:solidFill>
+                <a:latin typeface="黑体" panose="02010609060101010101" pitchFamily="49" charset="-122"/>
+                <a:ea typeface="黑体" panose="02010609060101010101" pitchFamily="49" charset="-122"/>
+              </a:rPr>
+              <a:t>50</a:t>
+            </a:r>
+            <a:r>
+              <a:rPr lang="zh-CN" altLang="en-US" sz="2400" dirty="0" smtClean="0">
+                <a:latin typeface="黑体" panose="02010609060101010101" pitchFamily="49" charset="-122"/>
+                <a:ea typeface="黑体" panose="02010609060101010101" pitchFamily="49" charset="-122"/>
+              </a:rPr>
+              <a:t>（巴菲特曾说过：他不会购入一支市盈率大于</a:t>
+            </a:r>
+            <a:r>
+              <a:rPr lang="en-US" altLang="zh-CN" sz="2400" dirty="0" smtClean="0">
+                <a:latin typeface="黑体" panose="02010609060101010101" pitchFamily="49" charset="-122"/>
+                <a:ea typeface="黑体" panose="02010609060101010101" pitchFamily="49" charset="-122"/>
+              </a:rPr>
+              <a:t>50</a:t>
+            </a:r>
+            <a:r>
+              <a:rPr lang="zh-CN" altLang="en-US" sz="2400" dirty="0" smtClean="0">
+                <a:latin typeface="黑体" panose="02010609060101010101" pitchFamily="49" charset="-122"/>
+                <a:ea typeface="黑体" panose="02010609060101010101" pitchFamily="49" charset="-122"/>
+              </a:rPr>
+              <a:t>的股票）</a:t>
+            </a:r>
+            <a:endParaRPr lang="en-US" altLang="zh-CN" dirty="0">
+              <a:latin typeface="黑体" panose="02010609060101010101" pitchFamily="49" charset="-122"/>
+              <a:ea typeface="黑体" panose="02010609060101010101" pitchFamily="49" charset="-122"/>
+            </a:endParaRPr>
+          </a:p>
+          <a:p>
+            <a:pPr marL="0" indent="0">
+              <a:buNone/>
+            </a:pPr>
+            <a:r>
+              <a:rPr lang="zh-CN" altLang="en-US" b="1" i="1" dirty="0" smtClean="0">
+                <a:latin typeface="黑体" panose="02010609060101010101" pitchFamily="49" charset="-122"/>
+                <a:ea typeface="黑体" panose="02010609060101010101" pitchFamily="49" charset="-122"/>
+              </a:rPr>
+              <a:t>降权（最为重要的事情）</a:t>
+            </a:r>
+            <a:endParaRPr lang="en-US" altLang="zh-CN" b="1" i="1" dirty="0" smtClean="0">
+              <a:latin typeface="黑体" panose="02010609060101010101" pitchFamily="49" charset="-122"/>
+              <a:ea typeface="黑体" panose="02010609060101010101" pitchFamily="49" charset="-122"/>
+            </a:endParaRPr>
+          </a:p>
+          <a:p>
+            <a:pPr marL="0" indent="0">
+              <a:buNone/>
+            </a:pPr>
+            <a:r>
+              <a:rPr lang="zh-CN" altLang="en-US" sz="2000" dirty="0" smtClean="0">
+                <a:latin typeface="黑体" panose="02010609060101010101" pitchFamily="49" charset="-122"/>
+                <a:ea typeface="黑体" panose="02010609060101010101" pitchFamily="49" charset="-122"/>
+              </a:rPr>
+              <a:t>我们要将所有的维度降低其数值不带有的权重，主要的降权手段是将它们套用</a:t>
+            </a:r>
+            <a:r>
+              <a:rPr lang="en-US" altLang="zh-CN" sz="2000" dirty="0" smtClean="0">
+                <a:latin typeface="黑体" panose="02010609060101010101" pitchFamily="49" charset="-122"/>
+                <a:ea typeface="黑体" panose="02010609060101010101" pitchFamily="49" charset="-122"/>
+              </a:rPr>
+              <a:t>sigmoid</a:t>
+            </a:r>
+            <a:r>
+              <a:rPr lang="zh-CN" altLang="en-US" sz="2000" dirty="0" smtClean="0">
+                <a:latin typeface="黑体" panose="02010609060101010101" pitchFamily="49" charset="-122"/>
+                <a:ea typeface="黑体" panose="02010609060101010101" pitchFamily="49" charset="-122"/>
+              </a:rPr>
+              <a:t>函数或是其他手段</a:t>
+            </a:r>
+            <a:endParaRPr lang="en-US" altLang="zh-CN" sz="2000" dirty="0" smtClean="0">
+              <a:latin typeface="黑体" panose="02010609060101010101" pitchFamily="49" charset="-122"/>
+              <a:ea typeface="黑体" panose="02010609060101010101" pitchFamily="49" charset="-122"/>
+            </a:endParaRPr>
+          </a:p>
+          <a:p>
+            <a:pPr marL="0" indent="0">
+              <a:buNone/>
+            </a:pPr>
             <a:endParaRPr lang="en-US" altLang="zh-CN" dirty="0" smtClean="0">
               <a:latin typeface="黑体" panose="02010609060101010101" pitchFamily="49" charset="-122"/>
               <a:ea typeface="黑体" panose="02010609060101010101" pitchFamily="49" charset="-122"/>
             </a:endParaRPr>
           </a:p>
           <a:p>
-            <a:r>
-              <a:rPr lang="en-US" altLang="zh-CN" dirty="0" smtClean="0">
-                <a:latin typeface="黑体" panose="02010609060101010101" pitchFamily="49" charset="-122"/>
-                <a:ea typeface="黑体" panose="02010609060101010101" pitchFamily="49" charset="-122"/>
-              </a:rPr>
-              <a:t>2</a:t>
-            </a:r>
-            <a:r>
-              <a:rPr lang="zh-CN" altLang="en-US" dirty="0" smtClean="0">
-                <a:latin typeface="黑体" panose="02010609060101010101" pitchFamily="49" charset="-122"/>
-                <a:ea typeface="黑体" panose="02010609060101010101" pitchFamily="49" charset="-122"/>
-              </a:rPr>
-              <a:t>、所以这</a:t>
-            </a:r>
-            <a:r>
-              <a:rPr lang="zh-CN" altLang="en-US" dirty="0">
-                <a:latin typeface="黑体" panose="02010609060101010101" pitchFamily="49" charset="-122"/>
-                <a:ea typeface="黑体" panose="02010609060101010101" pitchFamily="49" charset="-122"/>
-              </a:rPr>
-              <a:t>是一</a:t>
-            </a:r>
-            <a:r>
-              <a:rPr lang="zh-CN" altLang="en-US" dirty="0" smtClean="0">
-                <a:latin typeface="黑体" panose="02010609060101010101" pitchFamily="49" charset="-122"/>
-                <a:ea typeface="黑体" panose="02010609060101010101" pitchFamily="49" charset="-122"/>
-              </a:rPr>
-              <a:t>个二分类问题，结合以上论述可得右侧公式</a:t>
-            </a:r>
-            <a:endParaRPr lang="en-US" altLang="zh-CN" dirty="0" smtClean="0">
+            <a:pPr marL="0" indent="0">
+              <a:buNone/>
+            </a:pPr>
+            <a:endParaRPr lang="en-US" altLang="zh-CN" dirty="0">
               <a:latin typeface="黑体" panose="02010609060101010101" pitchFamily="49" charset="-122"/>
               <a:ea typeface="黑体" panose="02010609060101010101" pitchFamily="49" charset="-122"/>
             </a:endParaRPr>
           </a:p>
           <a:p>
-            <a:r>
-              <a:rPr lang="en-US" altLang="zh-CN" dirty="0" smtClean="0">
-                <a:latin typeface="黑体" panose="02010609060101010101" pitchFamily="49" charset="-122"/>
-                <a:ea typeface="黑体" panose="02010609060101010101" pitchFamily="49" charset="-122"/>
-              </a:rPr>
-              <a:t>3</a:t>
-            </a:r>
-            <a:r>
-              <a:rPr lang="zh-CN" altLang="en-US" dirty="0" smtClean="0">
-                <a:latin typeface="黑体" panose="02010609060101010101" pitchFamily="49" charset="-122"/>
-                <a:ea typeface="黑体" panose="02010609060101010101" pitchFamily="49" charset="-122"/>
-              </a:rPr>
-              <a:t>、主要是通过随机</a:t>
-            </a:r>
-            <a:r>
-              <a:rPr lang="zh-CN" altLang="en-US" dirty="0" smtClean="0">
-                <a:latin typeface="黑体" panose="02010609060101010101" pitchFamily="49" charset="-122"/>
-                <a:ea typeface="黑体" panose="02010609060101010101" pitchFamily="49" charset="-122"/>
-              </a:rPr>
-              <a:t>，</a:t>
-            </a:r>
-            <a:r>
-              <a:rPr lang="zh-CN" altLang="en-US" dirty="0">
-                <a:latin typeface="黑体" panose="02010609060101010101" pitchFamily="49" charset="-122"/>
-                <a:ea typeface="黑体" panose="02010609060101010101" pitchFamily="49" charset="-122"/>
-              </a:rPr>
-              <a:t>得</a:t>
-            </a:r>
-            <a:r>
-              <a:rPr lang="zh-CN" altLang="en-US" dirty="0" smtClean="0">
-                <a:latin typeface="黑体" panose="02010609060101010101" pitchFamily="49" charset="-122"/>
-                <a:ea typeface="黑体" panose="02010609060101010101" pitchFamily="49" charset="-122"/>
-              </a:rPr>
-              <a:t>出可以得到的答案</a:t>
-            </a:r>
-            <a:r>
-              <a:rPr lang="zh-CN" altLang="en-US" dirty="0" smtClean="0">
-                <a:latin typeface="黑体" panose="02010609060101010101" pitchFamily="49" charset="-122"/>
-                <a:ea typeface="黑体" panose="02010609060101010101" pitchFamily="49" charset="-122"/>
-              </a:rPr>
-              <a:t>。</a:t>
-            </a:r>
-            <a:endParaRPr lang="zh-CN" altLang="en-US" dirty="0">
+            <a:pPr marL="0" indent="0">
+              <a:buNone/>
+            </a:pPr>
+            <a:endParaRPr lang="en-US" altLang="zh-CN" dirty="0" smtClean="0">
               <a:latin typeface="黑体" panose="02010609060101010101" pitchFamily="49" charset="-122"/>
               <a:ea typeface="黑体" panose="02010609060101010101" pitchFamily="49" charset="-122"/>
             </a:endParaRPr>
@@ -5664,8 +8157,8 @@
         </p:blipFill>
         <p:spPr>
           <a:xfrm>
-            <a:off x="5653826" y="1704815"/>
-            <a:ext cx="5951246" cy="1197735"/>
+            <a:off x="2533381" y="4004071"/>
+            <a:ext cx="6219579" cy="2174017"/>
           </a:xfrm>
           <a:prstGeom prst="rect">
             <a:avLst/>
@@ -5674,21 +8167,28 @@
       </p:pic>
       <p:pic>
         <p:nvPicPr>
-          <p:cNvPr id="6" name="图片 5"/>
+          <p:cNvPr id="7" name="图片 6"/>
           <p:cNvPicPr>
             <a:picLocks noChangeAspect="1"/>
           </p:cNvPicPr>
           <p:nvPr/>
         </p:nvPicPr>
-        <p:blipFill rotWithShape="1">
-          <a:blip r:embed="rId3"/>
-          <a:srcRect l="9152"/>
-          <a:stretch/>
+        <p:blipFill>
+          <a:blip r:embed="rId3">
+            <a:extLst>
+              <a:ext uri="{28A0092B-C50C-407E-A947-70E740481C1C}">
+                <a14:useLocalDpi xmlns:a14="http://schemas.microsoft.com/office/drawing/2010/main" val="0"/>
+              </a:ext>
+            </a:extLst>
+          </a:blip>
+          <a:stretch>
+            <a:fillRect/>
+          </a:stretch>
         </p:blipFill>
         <p:spPr>
           <a:xfrm>
-            <a:off x="6456273" y="3321549"/>
-            <a:ext cx="4346352" cy="2436415"/>
+            <a:off x="10569147" y="247335"/>
+            <a:ext cx="1350574" cy="1336506"/>
           </a:xfrm>
           <a:prstGeom prst="rect">
             <a:avLst/>
@@ -5698,7 +8198,7 @@
     </p:spTree>
     <p:extLst>
       <p:ext uri="{BB962C8B-B14F-4D97-AF65-F5344CB8AC3E}">
-        <p14:creationId xmlns:p14="http://schemas.microsoft.com/office/powerpoint/2010/main" val="3875925042"/>
+        <p14:creationId xmlns:p14="http://schemas.microsoft.com/office/powerpoint/2010/main" val="1396711621"/>
       </p:ext>
     </p:extLst>
   </p:cSld>

--- a/doc/股票分析预测系统.pptx
+++ b/doc/股票分析预测系统.pptx
@@ -260,7 +260,7 @@
           <a:p>
             <a:fld id="{045C7200-8C42-47E9-A94C-590C350C0E37}" type="datetimeFigureOut">
               <a:rPr lang="zh-CN" altLang="en-US" smtClean="0"/>
-              <a:t>2018/6/11</a:t>
+              <a:t>2018/6/12</a:t>
             </a:fld>
             <a:endParaRPr lang="zh-CN" altLang="en-US"/>
           </a:p>
@@ -430,7 +430,7 @@
           <a:p>
             <a:fld id="{045C7200-8C42-47E9-A94C-590C350C0E37}" type="datetimeFigureOut">
               <a:rPr lang="zh-CN" altLang="en-US" smtClean="0"/>
-              <a:t>2018/6/11</a:t>
+              <a:t>2018/6/12</a:t>
             </a:fld>
             <a:endParaRPr lang="zh-CN" altLang="en-US"/>
           </a:p>
@@ -610,7 +610,7 @@
           <a:p>
             <a:fld id="{045C7200-8C42-47E9-A94C-590C350C0E37}" type="datetimeFigureOut">
               <a:rPr lang="zh-CN" altLang="en-US" smtClean="0"/>
-              <a:t>2018/6/11</a:t>
+              <a:t>2018/6/12</a:t>
             </a:fld>
             <a:endParaRPr lang="zh-CN" altLang="en-US"/>
           </a:p>
@@ -780,7 +780,7 @@
           <a:p>
             <a:fld id="{045C7200-8C42-47E9-A94C-590C350C0E37}" type="datetimeFigureOut">
               <a:rPr lang="zh-CN" altLang="en-US" smtClean="0"/>
-              <a:t>2018/6/11</a:t>
+              <a:t>2018/6/12</a:t>
             </a:fld>
             <a:endParaRPr lang="zh-CN" altLang="en-US"/>
           </a:p>
@@ -1026,7 +1026,7 @@
           <a:p>
             <a:fld id="{045C7200-8C42-47E9-A94C-590C350C0E37}" type="datetimeFigureOut">
               <a:rPr lang="zh-CN" altLang="en-US" smtClean="0"/>
-              <a:t>2018/6/11</a:t>
+              <a:t>2018/6/12</a:t>
             </a:fld>
             <a:endParaRPr lang="zh-CN" altLang="en-US"/>
           </a:p>
@@ -1258,7 +1258,7 @@
           <a:p>
             <a:fld id="{045C7200-8C42-47E9-A94C-590C350C0E37}" type="datetimeFigureOut">
               <a:rPr lang="zh-CN" altLang="en-US" smtClean="0"/>
-              <a:t>2018/6/11</a:t>
+              <a:t>2018/6/12</a:t>
             </a:fld>
             <a:endParaRPr lang="zh-CN" altLang="en-US"/>
           </a:p>
@@ -1625,7 +1625,7 @@
           <a:p>
             <a:fld id="{045C7200-8C42-47E9-A94C-590C350C0E37}" type="datetimeFigureOut">
               <a:rPr lang="zh-CN" altLang="en-US" smtClean="0"/>
-              <a:t>2018/6/11</a:t>
+              <a:t>2018/6/12</a:t>
             </a:fld>
             <a:endParaRPr lang="zh-CN" altLang="en-US"/>
           </a:p>
@@ -1743,7 +1743,7 @@
           <a:p>
             <a:fld id="{045C7200-8C42-47E9-A94C-590C350C0E37}" type="datetimeFigureOut">
               <a:rPr lang="zh-CN" altLang="en-US" smtClean="0"/>
-              <a:t>2018/6/11</a:t>
+              <a:t>2018/6/12</a:t>
             </a:fld>
             <a:endParaRPr lang="zh-CN" altLang="en-US"/>
           </a:p>
@@ -1838,7 +1838,7 @@
           <a:p>
             <a:fld id="{045C7200-8C42-47E9-A94C-590C350C0E37}" type="datetimeFigureOut">
               <a:rPr lang="zh-CN" altLang="en-US" smtClean="0"/>
-              <a:t>2018/6/11</a:t>
+              <a:t>2018/6/12</a:t>
             </a:fld>
             <a:endParaRPr lang="zh-CN" altLang="en-US"/>
           </a:p>
@@ -2115,7 +2115,7 @@
           <a:p>
             <a:fld id="{045C7200-8C42-47E9-A94C-590C350C0E37}" type="datetimeFigureOut">
               <a:rPr lang="zh-CN" altLang="en-US" smtClean="0"/>
-              <a:t>2018/6/11</a:t>
+              <a:t>2018/6/12</a:t>
             </a:fld>
             <a:endParaRPr lang="zh-CN" altLang="en-US"/>
           </a:p>
@@ -2368,7 +2368,7 @@
           <a:p>
             <a:fld id="{045C7200-8C42-47E9-A94C-590C350C0E37}" type="datetimeFigureOut">
               <a:rPr lang="zh-CN" altLang="en-US" smtClean="0"/>
-              <a:t>2018/6/11</a:t>
+              <a:t>2018/6/12</a:t>
             </a:fld>
             <a:endParaRPr lang="zh-CN" altLang="en-US"/>
           </a:p>
@@ -2581,7 +2581,7 @@
           <a:p>
             <a:fld id="{045C7200-8C42-47E9-A94C-590C350C0E37}" type="datetimeFigureOut">
               <a:rPr lang="zh-CN" altLang="en-US" smtClean="0"/>
-              <a:t>2018/6/11</a:t>
+              <a:t>2018/6/12</a:t>
             </a:fld>
             <a:endParaRPr lang="zh-CN" altLang="en-US"/>
           </a:p>
@@ -3163,17 +3163,7 @@
                 <a:latin typeface="黑体" panose="02010609060101010101" pitchFamily="49" charset="-122"/>
                 <a:ea typeface="黑体" panose="02010609060101010101" pitchFamily="49" charset="-122"/>
               </a:rPr>
-              <a:t>毕业设计</a:t>
-            </a:r>
-            <a:r>
-              <a:rPr lang="zh-CN" altLang="en-US" sz="3600" dirty="0" smtClean="0">
-                <a:solidFill>
-                  <a:srgbClr val="FF0000"/>
-                </a:solidFill>
-                <a:latin typeface="黑体" panose="02010609060101010101" pitchFamily="49" charset="-122"/>
-                <a:ea typeface="黑体" panose="02010609060101010101" pitchFamily="49" charset="-122"/>
-              </a:rPr>
-              <a:t>答辩</a:t>
+              <a:t>毕业设计答辩</a:t>
             </a:r>
             <a:endParaRPr lang="zh-CN" altLang="en-US" sz="3600" dirty="0">
               <a:solidFill>
@@ -3415,14 +3405,7 @@
                 <a:latin typeface="黑体" panose="02010609060101010101" pitchFamily="49" charset="-122"/>
                 <a:ea typeface="黑体" panose="02010609060101010101" pitchFamily="49" charset="-122"/>
               </a:rPr>
-              <a:t>出可以得到的答案</a:t>
-            </a:r>
-            <a:r>
-              <a:rPr lang="zh-CN" altLang="en-US" dirty="0" smtClean="0">
-                <a:latin typeface="黑体" panose="02010609060101010101" pitchFamily="49" charset="-122"/>
-                <a:ea typeface="黑体" panose="02010609060101010101" pitchFamily="49" charset="-122"/>
-              </a:rPr>
-              <a:t>。</a:t>
+              <a:t>出可以得到的答案。</a:t>
             </a:r>
             <a:endParaRPr lang="en-US" altLang="zh-CN" dirty="0" smtClean="0">
               <a:latin typeface="黑体" panose="02010609060101010101" pitchFamily="49" charset="-122"/>
@@ -6015,7 +5998,12 @@
             <p:ph type="title"/>
           </p:nvPr>
         </p:nvSpPr>
-        <p:spPr/>
+        <p:spPr>
+          <a:xfrm>
+            <a:off x="838200" y="157127"/>
+            <a:ext cx="10515600" cy="1325563"/>
+          </a:xfrm>
+        </p:spPr>
         <p:txBody>
           <a:bodyPr/>
           <a:lstStyle/>
@@ -6028,7 +6016,27 @@
                 <a:latin typeface="黑体" panose="02010609060101010101" pitchFamily="49" charset="-122"/>
                 <a:ea typeface="黑体" panose="02010609060101010101" pitchFamily="49" charset="-122"/>
               </a:rPr>
-              <a:t>所用技术框架与其他</a:t>
+              <a:t>所用技术框架</a:t>
+            </a:r>
+            <a:r>
+              <a:rPr lang="zh-CN" altLang="en-US" dirty="0" smtClean="0">
+                <a:solidFill>
+                  <a:srgbClr val="FF0000"/>
+                </a:solidFill>
+                <a:latin typeface="黑体" panose="02010609060101010101" pitchFamily="49" charset="-122"/>
+                <a:ea typeface="黑体" panose="02010609060101010101" pitchFamily="49" charset="-122"/>
+              </a:rPr>
+              <a:t>与</a:t>
+            </a:r>
+            <a:r>
+              <a:rPr lang="zh-CN" altLang="en-US" dirty="0">
+                <a:solidFill>
+                  <a:srgbClr val="FF0000"/>
+                </a:solidFill>
+                <a:latin typeface="黑体" panose="02010609060101010101" pitchFamily="49" charset="-122"/>
+                <a:ea typeface="黑体" panose="02010609060101010101" pitchFamily="49" charset="-122"/>
+              </a:rPr>
+              <a:t>环境</a:t>
             </a:r>
             <a:endParaRPr lang="zh-CN" altLang="en-US" dirty="0">
               <a:solidFill>
@@ -6052,7 +6060,7 @@
         </p:nvSpPr>
         <p:spPr>
           <a:xfrm>
-            <a:off x="838200" y="1701631"/>
+            <a:off x="838200" y="1482690"/>
             <a:ext cx="10515600" cy="4351338"/>
           </a:xfrm>
         </p:spPr>
@@ -6063,14 +6071,14 @@
           <a:lstStyle/>
           <a:p>
             <a:r>
-              <a:rPr lang="en-US" altLang="zh-CN" dirty="0" err="1" smtClean="0">
+              <a:rPr lang="en-US" altLang="zh-CN" sz="2400" dirty="0" err="1" smtClean="0">
                 <a:latin typeface="黑体" panose="02010609060101010101" pitchFamily="49" charset="-122"/>
                 <a:ea typeface="黑体" panose="02010609060101010101" pitchFamily="49" charset="-122"/>
               </a:rPr>
               <a:t>SpringBoot</a:t>
             </a:r>
             <a:r>
-              <a:rPr lang="en-US" altLang="zh-CN" dirty="0" smtClean="0">
+              <a:rPr lang="en-US" altLang="zh-CN" sz="2400" dirty="0" smtClean="0">
                 <a:latin typeface="黑体" panose="02010609060101010101" pitchFamily="49" charset="-122"/>
                 <a:ea typeface="黑体" panose="02010609060101010101" pitchFamily="49" charset="-122"/>
               </a:rPr>
@@ -6079,174 +6087,267 @@
           </a:p>
           <a:p>
             <a:r>
-              <a:rPr lang="en-US" altLang="zh-CN" dirty="0" smtClean="0">
+              <a:rPr lang="en-US" altLang="zh-CN" sz="2400" dirty="0" smtClean="0">
                 <a:latin typeface="黑体" panose="02010609060101010101" pitchFamily="49" charset="-122"/>
                 <a:ea typeface="黑体" panose="02010609060101010101" pitchFamily="49" charset="-122"/>
               </a:rPr>
               <a:t>Spring Data </a:t>
             </a:r>
             <a:r>
-              <a:rPr lang="en-US" altLang="zh-CN" dirty="0" err="1" smtClean="0">
+              <a:rPr lang="en-US" altLang="zh-CN" sz="2400" dirty="0" err="1" smtClean="0">
                 <a:latin typeface="黑体" panose="02010609060101010101" pitchFamily="49" charset="-122"/>
                 <a:ea typeface="黑体" panose="02010609060101010101" pitchFamily="49" charset="-122"/>
               </a:rPr>
               <a:t>JPA</a:t>
             </a:r>
             <a:r>
-              <a:rPr lang="zh-CN" altLang="en-US" dirty="0" smtClean="0">
+              <a:rPr lang="zh-CN" altLang="en-US" sz="2400" dirty="0" smtClean="0">
                 <a:latin typeface="黑体" panose="02010609060101010101" pitchFamily="49" charset="-122"/>
                 <a:ea typeface="黑体" panose="02010609060101010101" pitchFamily="49" charset="-122"/>
               </a:rPr>
               <a:t>（数据库）</a:t>
             </a:r>
-            <a:endParaRPr lang="en-US" altLang="zh-CN" dirty="0">
+            <a:endParaRPr lang="en-US" altLang="zh-CN" sz="2400" dirty="0">
               <a:latin typeface="黑体" panose="02010609060101010101" pitchFamily="49" charset="-122"/>
               <a:ea typeface="黑体" panose="02010609060101010101" pitchFamily="49" charset="-122"/>
             </a:endParaRPr>
           </a:p>
           <a:p>
             <a:r>
-              <a:rPr lang="en-US" altLang="zh-CN" dirty="0" err="1" smtClean="0">
+              <a:rPr lang="en-US" altLang="zh-CN" sz="2400" dirty="0" err="1" smtClean="0">
                 <a:latin typeface="黑体" panose="02010609060101010101" pitchFamily="49" charset="-122"/>
                 <a:ea typeface="黑体" panose="02010609060101010101" pitchFamily="49" charset="-122"/>
               </a:rPr>
               <a:t>SpringBoot</a:t>
             </a:r>
             <a:r>
-              <a:rPr lang="en-US" altLang="zh-CN" dirty="0" smtClean="0">
+              <a:rPr lang="en-US" altLang="zh-CN" sz="2400" dirty="0" smtClean="0">
                 <a:latin typeface="黑体" panose="02010609060101010101" pitchFamily="49" charset="-122"/>
                 <a:ea typeface="黑体" panose="02010609060101010101" pitchFamily="49" charset="-122"/>
               </a:rPr>
               <a:t> actuator</a:t>
             </a:r>
             <a:r>
-              <a:rPr lang="zh-CN" altLang="en-US" dirty="0" smtClean="0">
+              <a:rPr lang="zh-CN" altLang="en-US" sz="2400" dirty="0" smtClean="0">
                 <a:latin typeface="黑体" panose="02010609060101010101" pitchFamily="49" charset="-122"/>
                 <a:ea typeface="黑体" panose="02010609060101010101" pitchFamily="49" charset="-122"/>
               </a:rPr>
               <a:t>（健康检查，</a:t>
             </a:r>
             <a:r>
-              <a:rPr lang="en-US" altLang="zh-CN" dirty="0" smtClean="0">
+              <a:rPr lang="en-US" altLang="zh-CN" sz="2400" dirty="0" smtClean="0">
                 <a:latin typeface="黑体" panose="02010609060101010101" pitchFamily="49" charset="-122"/>
                 <a:ea typeface="黑体" panose="02010609060101010101" pitchFamily="49" charset="-122"/>
               </a:rPr>
               <a:t>http</a:t>
             </a:r>
             <a:r>
-              <a:rPr lang="zh-CN" altLang="en-US" dirty="0">
+              <a:rPr lang="zh-CN" altLang="en-US" sz="2400" dirty="0">
                 <a:latin typeface="黑体" panose="02010609060101010101" pitchFamily="49" charset="-122"/>
                 <a:ea typeface="黑体" panose="02010609060101010101" pitchFamily="49" charset="-122"/>
               </a:rPr>
               <a:t>方式</a:t>
             </a:r>
             <a:r>
-              <a:rPr lang="zh-CN" altLang="en-US" dirty="0" smtClean="0">
+              <a:rPr lang="zh-CN" altLang="en-US" sz="2400" dirty="0" smtClean="0">
                 <a:latin typeface="黑体" panose="02010609060101010101" pitchFamily="49" charset="-122"/>
                 <a:ea typeface="黑体" panose="02010609060101010101" pitchFamily="49" charset="-122"/>
               </a:rPr>
               <a:t>）</a:t>
             </a:r>
-            <a:endParaRPr lang="en-US" altLang="zh-CN" dirty="0" smtClean="0">
+            <a:endParaRPr lang="en-US" altLang="zh-CN" sz="2400" dirty="0" smtClean="0">
               <a:latin typeface="黑体" panose="02010609060101010101" pitchFamily="49" charset="-122"/>
               <a:ea typeface="黑体" panose="02010609060101010101" pitchFamily="49" charset="-122"/>
             </a:endParaRPr>
           </a:p>
           <a:p>
             <a:r>
-              <a:rPr lang="en-US" altLang="zh-CN" dirty="0" err="1">
+              <a:rPr lang="en-US" altLang="zh-CN" sz="2400" dirty="0" err="1" smtClean="0">
+                <a:latin typeface="黑体" panose="02010609060101010101" pitchFamily="49" charset="-122"/>
+                <a:ea typeface="黑体" panose="02010609060101010101" pitchFamily="49" charset="-122"/>
+              </a:rPr>
+              <a:t>RestTemplate</a:t>
+            </a:r>
+            <a:r>
+              <a:rPr lang="en-US" altLang="zh-CN" sz="2400" dirty="0" smtClean="0">
+                <a:latin typeface="黑体" panose="02010609060101010101" pitchFamily="49" charset="-122"/>
+                <a:ea typeface="黑体" panose="02010609060101010101" pitchFamily="49" charset="-122"/>
+              </a:rPr>
+              <a:t>(</a:t>
+            </a:r>
+            <a:r>
+              <a:rPr lang="zh-CN" altLang="en-US" sz="2400" dirty="0" smtClean="0">
+                <a:latin typeface="黑体" panose="02010609060101010101" pitchFamily="49" charset="-122"/>
+                <a:ea typeface="黑体" panose="02010609060101010101" pitchFamily="49" charset="-122"/>
+              </a:rPr>
+              <a:t>网络访问</a:t>
+            </a:r>
+            <a:r>
+              <a:rPr lang="en-US" altLang="zh-CN" sz="2400" dirty="0" smtClean="0">
+                <a:latin typeface="黑体" panose="02010609060101010101" pitchFamily="49" charset="-122"/>
+                <a:ea typeface="黑体" panose="02010609060101010101" pitchFamily="49" charset="-122"/>
+              </a:rPr>
+              <a:t>)</a:t>
+            </a:r>
+          </a:p>
+          <a:p>
+            <a:r>
+              <a:rPr lang="en-US" altLang="zh-CN" sz="2400" dirty="0" err="1">
                 <a:latin typeface="黑体" panose="02010609060101010101" pitchFamily="49" charset="-122"/>
                 <a:ea typeface="黑体" panose="02010609060101010101" pitchFamily="49" charset="-122"/>
               </a:rPr>
               <a:t>JfreeChart</a:t>
             </a:r>
             <a:r>
-              <a:rPr lang="zh-CN" altLang="en-US" dirty="0">
+              <a:rPr lang="zh-CN" altLang="en-US" sz="2400" dirty="0">
                 <a:latin typeface="黑体" panose="02010609060101010101" pitchFamily="49" charset="-122"/>
                 <a:ea typeface="黑体" panose="02010609060101010101" pitchFamily="49" charset="-122"/>
               </a:rPr>
               <a:t>（图表绘制）</a:t>
             </a:r>
-            <a:endParaRPr lang="en-US" altLang="zh-CN" dirty="0">
+            <a:endParaRPr lang="en-US" altLang="zh-CN" sz="2400" dirty="0">
               <a:latin typeface="黑体" panose="02010609060101010101" pitchFamily="49" charset="-122"/>
               <a:ea typeface="黑体" panose="02010609060101010101" pitchFamily="49" charset="-122"/>
             </a:endParaRPr>
           </a:p>
           <a:p>
             <a:r>
-              <a:rPr lang="en-US" altLang="zh-CN" dirty="0" err="1" smtClean="0">
-                <a:latin typeface="黑体" panose="02010609060101010101" pitchFamily="49" charset="-122"/>
-                <a:ea typeface="黑体" panose="02010609060101010101" pitchFamily="49" charset="-122"/>
-              </a:rPr>
-              <a:t>OpenJDK</a:t>
-            </a:r>
-            <a:r>
-              <a:rPr lang="en-US" altLang="zh-CN" dirty="0" smtClean="0">
-                <a:latin typeface="黑体" panose="02010609060101010101" pitchFamily="49" charset="-122"/>
-                <a:ea typeface="黑体" panose="02010609060101010101" pitchFamily="49" charset="-122"/>
-              </a:rPr>
-              <a:t> 1.8+</a:t>
-            </a:r>
-            <a:endParaRPr lang="en-US" altLang="zh-CN" dirty="0" smtClean="0">
+              <a:rPr lang="zh-CN" altLang="en-US" sz="2400" dirty="0" smtClean="0">
+                <a:latin typeface="黑体" panose="02010609060101010101" pitchFamily="49" charset="-122"/>
+                <a:ea typeface="黑体" panose="02010609060101010101" pitchFamily="49" charset="-122"/>
+              </a:rPr>
+              <a:t>因</a:t>
+            </a:r>
+            <a:r>
+              <a:rPr lang="zh-CN" altLang="en-US" sz="2400" dirty="0" smtClean="0">
+                <a:latin typeface="黑体" panose="02010609060101010101" pitchFamily="49" charset="-122"/>
+                <a:ea typeface="黑体" panose="02010609060101010101" pitchFamily="49" charset="-122"/>
+              </a:rPr>
+              <a:t>考</a:t>
+            </a:r>
+            <a:r>
+              <a:rPr lang="zh-CN" altLang="en-US" sz="2400" dirty="0">
+                <a:latin typeface="黑体" panose="02010609060101010101" pitchFamily="49" charset="-122"/>
+                <a:ea typeface="黑体" panose="02010609060101010101" pitchFamily="49" charset="-122"/>
+              </a:rPr>
+              <a:t>虑</a:t>
+            </a:r>
+            <a:r>
+              <a:rPr lang="zh-CN" altLang="en-US" sz="2400" dirty="0" smtClean="0">
+                <a:latin typeface="黑体" panose="02010609060101010101" pitchFamily="49" charset="-122"/>
+                <a:ea typeface="黑体" panose="02010609060101010101" pitchFamily="49" charset="-122"/>
+              </a:rPr>
+              <a:t>到项目规模，未使用微服务架</a:t>
+            </a:r>
+            <a:r>
+              <a:rPr lang="zh-CN" altLang="en-US" sz="2400" dirty="0" smtClean="0">
+                <a:latin typeface="黑体" panose="02010609060101010101" pitchFamily="49" charset="-122"/>
+                <a:ea typeface="黑体" panose="02010609060101010101" pitchFamily="49" charset="-122"/>
+              </a:rPr>
+              <a:t>构</a:t>
+            </a:r>
+            <a:endParaRPr lang="en-US" altLang="zh-CN" sz="2400" dirty="0" smtClean="0">
               <a:latin typeface="黑体" panose="02010609060101010101" pitchFamily="49" charset="-122"/>
               <a:ea typeface="黑体" panose="02010609060101010101" pitchFamily="49" charset="-122"/>
             </a:endParaRPr>
           </a:p>
           <a:p>
             <a:r>
-              <a:rPr lang="en-US" altLang="zh-CN" dirty="0" smtClean="0">
-                <a:latin typeface="黑体" panose="02010609060101010101" pitchFamily="49" charset="-122"/>
-                <a:ea typeface="黑体" panose="02010609060101010101" pitchFamily="49" charset="-122"/>
-              </a:rPr>
-              <a:t>MySQL 8.0.1+</a:t>
-            </a:r>
-          </a:p>
-          <a:p>
-            <a:r>
-              <a:rPr lang="en-US" altLang="zh-CN" dirty="0" err="1" smtClean="0">
+              <a:rPr lang="en-US" altLang="zh-CN" sz="2400" dirty="0" err="1">
+                <a:latin typeface="黑体" panose="02010609060101010101" pitchFamily="49" charset="-122"/>
+                <a:ea typeface="黑体" panose="02010609060101010101" pitchFamily="49" charset="-122"/>
+              </a:rPr>
+              <a:t>OpenJDK</a:t>
+            </a:r>
+            <a:r>
+              <a:rPr lang="en-US" altLang="zh-CN" sz="2400" dirty="0">
+                <a:latin typeface="黑体" panose="02010609060101010101" pitchFamily="49" charset="-122"/>
+                <a:ea typeface="黑体" panose="02010609060101010101" pitchFamily="49" charset="-122"/>
+              </a:rPr>
+              <a:t> 1.8</a:t>
+            </a:r>
+            <a:r>
+              <a:rPr lang="en-US" altLang="zh-CN" sz="2400" dirty="0" smtClean="0">
+                <a:latin typeface="黑体" panose="02010609060101010101" pitchFamily="49" charset="-122"/>
+                <a:ea typeface="黑体" panose="02010609060101010101" pitchFamily="49" charset="-122"/>
+              </a:rPr>
+              <a:t>+</a:t>
+            </a:r>
+            <a:r>
+              <a:rPr lang="zh-CN" altLang="en-US" sz="2400" dirty="0" smtClean="0">
+                <a:latin typeface="黑体" panose="02010609060101010101" pitchFamily="49" charset="-122"/>
+                <a:ea typeface="黑体" panose="02010609060101010101" pitchFamily="49" charset="-122"/>
+              </a:rPr>
+              <a:t>（编译环境）</a:t>
+            </a:r>
+            <a:endParaRPr lang="en-US" altLang="zh-CN" sz="2400" dirty="0">
+              <a:latin typeface="黑体" panose="02010609060101010101" pitchFamily="49" charset="-122"/>
+              <a:ea typeface="黑体" panose="02010609060101010101" pitchFamily="49" charset="-122"/>
+            </a:endParaRPr>
+          </a:p>
+          <a:p>
+            <a:r>
+              <a:rPr lang="en-US" altLang="zh-CN" sz="2400" dirty="0">
+                <a:latin typeface="黑体" panose="02010609060101010101" pitchFamily="49" charset="-122"/>
+                <a:ea typeface="黑体" panose="02010609060101010101" pitchFamily="49" charset="-122"/>
+              </a:rPr>
+              <a:t>MySQL 8.0.1</a:t>
+            </a:r>
+            <a:r>
+              <a:rPr lang="en-US" altLang="zh-CN" sz="2400" dirty="0" smtClean="0">
+                <a:latin typeface="黑体" panose="02010609060101010101" pitchFamily="49" charset="-122"/>
+                <a:ea typeface="黑体" panose="02010609060101010101" pitchFamily="49" charset="-122"/>
+              </a:rPr>
+              <a:t>+</a:t>
+            </a:r>
+            <a:r>
+              <a:rPr lang="zh-CN" altLang="en-US" sz="2400" dirty="0" smtClean="0">
+                <a:latin typeface="黑体" panose="02010609060101010101" pitchFamily="49" charset="-122"/>
+                <a:ea typeface="黑体" panose="02010609060101010101" pitchFamily="49" charset="-122"/>
+              </a:rPr>
+              <a:t>（关系型数据库）</a:t>
+            </a:r>
+            <a:endParaRPr lang="en-US" altLang="zh-CN" sz="2400" dirty="0">
+              <a:latin typeface="黑体" panose="02010609060101010101" pitchFamily="49" charset="-122"/>
+              <a:ea typeface="黑体" panose="02010609060101010101" pitchFamily="49" charset="-122"/>
+            </a:endParaRPr>
+          </a:p>
+          <a:p>
+            <a:r>
+              <a:rPr lang="en-US" altLang="zh-CN" sz="2400" dirty="0" err="1">
                 <a:latin typeface="黑体" panose="02010609060101010101" pitchFamily="49" charset="-122"/>
                 <a:ea typeface="黑体" panose="02010609060101010101" pitchFamily="49" charset="-122"/>
               </a:rPr>
               <a:t>MongoDB</a:t>
             </a:r>
             <a:r>
-              <a:rPr lang="en-US" altLang="zh-CN" dirty="0" smtClean="0">
-                <a:latin typeface="黑体" panose="02010609060101010101" pitchFamily="49" charset="-122"/>
-                <a:ea typeface="黑体" panose="02010609060101010101" pitchFamily="49" charset="-122"/>
-              </a:rPr>
-              <a:t> 3.5+</a:t>
-            </a:r>
-          </a:p>
-          <a:p>
-            <a:r>
-              <a:rPr lang="zh-CN" altLang="en-US" dirty="0" smtClean="0">
-                <a:latin typeface="黑体" panose="02010609060101010101" pitchFamily="49" charset="-122"/>
-                <a:ea typeface="黑体" panose="02010609060101010101" pitchFamily="49" charset="-122"/>
-              </a:rPr>
-              <a:t>因</a:t>
-            </a:r>
-            <a:r>
-              <a:rPr lang="zh-CN" altLang="en-US" dirty="0" smtClean="0">
-                <a:latin typeface="黑体" panose="02010609060101010101" pitchFamily="49" charset="-122"/>
-                <a:ea typeface="黑体" panose="02010609060101010101" pitchFamily="49" charset="-122"/>
-              </a:rPr>
-              <a:t>考</a:t>
-            </a:r>
-            <a:r>
-              <a:rPr lang="zh-CN" altLang="en-US" dirty="0">
-                <a:latin typeface="黑体" panose="02010609060101010101" pitchFamily="49" charset="-122"/>
-                <a:ea typeface="黑体" panose="02010609060101010101" pitchFamily="49" charset="-122"/>
-              </a:rPr>
-              <a:t>虑</a:t>
-            </a:r>
-            <a:r>
-              <a:rPr lang="zh-CN" altLang="en-US" dirty="0" smtClean="0">
-                <a:latin typeface="黑体" panose="02010609060101010101" pitchFamily="49" charset="-122"/>
-                <a:ea typeface="黑体" panose="02010609060101010101" pitchFamily="49" charset="-122"/>
-              </a:rPr>
-              <a:t>到项目规模，未使用微服务架构</a:t>
-            </a:r>
-            <a:endParaRPr lang="en-US" altLang="zh-CN" dirty="0" smtClean="0">
+              <a:rPr lang="en-US" altLang="zh-CN" sz="2400" dirty="0">
+                <a:latin typeface="黑体" panose="02010609060101010101" pitchFamily="49" charset="-122"/>
+                <a:ea typeface="黑体" panose="02010609060101010101" pitchFamily="49" charset="-122"/>
+              </a:rPr>
+              <a:t> 3.5</a:t>
+            </a:r>
+            <a:r>
+              <a:rPr lang="en-US" altLang="zh-CN" sz="2400" dirty="0" smtClean="0">
+                <a:latin typeface="黑体" panose="02010609060101010101" pitchFamily="49" charset="-122"/>
+                <a:ea typeface="黑体" panose="02010609060101010101" pitchFamily="49" charset="-122"/>
+              </a:rPr>
+              <a:t>+</a:t>
+            </a:r>
+            <a:r>
+              <a:rPr lang="zh-CN" altLang="en-US" sz="2400" smtClean="0">
+                <a:latin typeface="黑体" panose="02010609060101010101" pitchFamily="49" charset="-122"/>
+                <a:ea typeface="黑体" panose="02010609060101010101" pitchFamily="49" charset="-122"/>
+              </a:rPr>
+              <a:t>（非关系型数据库）</a:t>
+            </a:r>
+            <a:endParaRPr lang="en-US" altLang="zh-CN" sz="2400" dirty="0">
+              <a:latin typeface="黑体" panose="02010609060101010101" pitchFamily="49" charset="-122"/>
+              <a:ea typeface="黑体" panose="02010609060101010101" pitchFamily="49" charset="-122"/>
+            </a:endParaRPr>
+          </a:p>
+          <a:p>
+            <a:endParaRPr lang="en-US" altLang="zh-CN" sz="2400" dirty="0" smtClean="0">
               <a:latin typeface="黑体" panose="02010609060101010101" pitchFamily="49" charset="-122"/>
               <a:ea typeface="黑体" panose="02010609060101010101" pitchFamily="49" charset="-122"/>
             </a:endParaRPr>
@@ -7828,14 +7929,7 @@
                 <a:latin typeface="黑体" panose="02010609060101010101" pitchFamily="49" charset="-122"/>
                 <a:ea typeface="黑体" panose="02010609060101010101" pitchFamily="49" charset="-122"/>
               </a:rPr>
-              <a:t>以上</a:t>
-            </a:r>
-            <a:r>
-              <a:rPr lang="zh-CN" altLang="en-US" sz="2000" dirty="0" smtClean="0">
-                <a:latin typeface="黑体" panose="02010609060101010101" pitchFamily="49" charset="-122"/>
-                <a:ea typeface="黑体" panose="02010609060101010101" pitchFamily="49" charset="-122"/>
-              </a:rPr>
-              <a:t>数据为必须经过处理才能被使用，也就是“降权”，下降原本数值不同所带有的权重</a:t>
+              <a:t>以上数据为必须经过处理才能被使用，也就是“降权”，下降原本数值不同所带有的权重</a:t>
             </a:r>
             <a:endParaRPr lang="zh-CN" altLang="en-US" sz="2000" dirty="0">
               <a:latin typeface="黑体" panose="02010609060101010101" pitchFamily="49" charset="-122"/>
